--- a/kotlin_intro.pptx
+++ b/kotlin_intro.pptx
@@ -6,10 +6,10 @@
     <p:sldMasterId id="2147483798" r:id="rId2"/>
   </p:sldMasterIdLst>
   <p:notesMasterIdLst>
-    <p:notesMasterId r:id="rId27"/>
+    <p:notesMasterId r:id="rId39"/>
   </p:notesMasterIdLst>
   <p:handoutMasterIdLst>
-    <p:handoutMasterId r:id="rId28"/>
+    <p:handoutMasterId r:id="rId40"/>
   </p:handoutMasterIdLst>
   <p:sldIdLst>
     <p:sldId id="259" r:id="rId3"/>
@@ -34,8 +34,20 @@
     <p:sldId id="270" r:id="rId22"/>
     <p:sldId id="282" r:id="rId23"/>
     <p:sldId id="283" r:id="rId24"/>
-    <p:sldId id="262" r:id="rId25"/>
-    <p:sldId id="263" r:id="rId26"/>
+    <p:sldId id="285" r:id="rId25"/>
+    <p:sldId id="284" r:id="rId26"/>
+    <p:sldId id="286" r:id="rId27"/>
+    <p:sldId id="287" r:id="rId28"/>
+    <p:sldId id="288" r:id="rId29"/>
+    <p:sldId id="289" r:id="rId30"/>
+    <p:sldId id="290" r:id="rId31"/>
+    <p:sldId id="291" r:id="rId32"/>
+    <p:sldId id="292" r:id="rId33"/>
+    <p:sldId id="294" r:id="rId34"/>
+    <p:sldId id="295" r:id="rId35"/>
+    <p:sldId id="293" r:id="rId36"/>
+    <p:sldId id="262" r:id="rId37"/>
+    <p:sldId id="263" r:id="rId38"/>
   </p:sldIdLst>
   <p:sldSz cx="12192000" cy="6858000"/>
   <p:notesSz cx="6858000" cy="9144000"/>
@@ -149,6 +161,9 @@
         </p15:guide>
       </p15:sldGuideLst>
     </p:ext>
+    <p:ext uri="{2D200454-40CA-4A62-9FC3-DE9A4176ACB9}">
+      <p15:notesGuideLst xmlns:p15="http://schemas.microsoft.com/office/powerpoint/2012/main"/>
+    </p:ext>
   </p:extLst>
 </p:presentation>
 </file>
@@ -235,7 +250,7 @@
           <a:p>
             <a:fld id="{31DB9914-D8B1-45B6-B0C2-150AE79298B8}" type="datetimeFigureOut">
               <a:rPr lang="en-US" smtClean="0"/>
-              <a:t>3/30/2019</a:t>
+              <a:t>3/31/2019</a:t>
             </a:fld>
             <a:endParaRPr lang="en-US"/>
           </a:p>
@@ -400,7 +415,7 @@
           <a:p>
             <a:fld id="{D2BCE434-5C00-4C33-ABCD-F82809DC1FF6}" type="datetimeFigureOut">
               <a:rPr lang="en-US" smtClean="0"/>
-              <a:t>3/30/2019</a:t>
+              <a:t>3/31/2019</a:t>
             </a:fld>
             <a:endParaRPr lang="en-US"/>
           </a:p>
@@ -1844,6 +1859,678 @@
 </p:notes>
 </file>
 
+<file path=ppt/notesSlides/notesSlide22.xml><?xml version="1.0" encoding="utf-8"?>
+<p:notes xmlns:a="http://schemas.openxmlformats.org/drawingml/2006/main" xmlns:r="http://schemas.openxmlformats.org/officeDocument/2006/relationships" xmlns:p="http://schemas.openxmlformats.org/presentationml/2006/main">
+  <p:cSld>
+    <p:spTree>
+      <p:nvGrpSpPr>
+        <p:cNvPr id="1" name=""/>
+        <p:cNvGrpSpPr/>
+        <p:nvPr/>
+      </p:nvGrpSpPr>
+      <p:grpSpPr>
+        <a:xfrm>
+          <a:off x="0" y="0"/>
+          <a:ext cx="0" cy="0"/>
+          <a:chOff x="0" y="0"/>
+          <a:chExt cx="0" cy="0"/>
+        </a:xfrm>
+      </p:grpSpPr>
+      <p:sp>
+        <p:nvSpPr>
+          <p:cNvPr id="2" name="Slide Image Placeholder 1"/>
+          <p:cNvSpPr>
+            <a:spLocks noGrp="1" noRot="1" noChangeAspect="1"/>
+          </p:cNvSpPr>
+          <p:nvPr>
+            <p:ph type="sldImg"/>
+          </p:nvPr>
+        </p:nvSpPr>
+        <p:spPr/>
+      </p:sp>
+      <p:sp>
+        <p:nvSpPr>
+          <p:cNvPr id="3" name="Notes Placeholder 2"/>
+          <p:cNvSpPr>
+            <a:spLocks noGrp="1"/>
+          </p:cNvSpPr>
+          <p:nvPr>
+            <p:ph type="body" idx="1"/>
+          </p:nvPr>
+        </p:nvSpPr>
+        <p:spPr/>
+        <p:txBody>
+          <a:bodyPr/>
+          <a:lstStyle/>
+          <a:p>
+            <a:endParaRPr lang="en-US"/>
+          </a:p>
+        </p:txBody>
+      </p:sp>
+      <p:sp>
+        <p:nvSpPr>
+          <p:cNvPr id="4" name="Slide Number Placeholder 3"/>
+          <p:cNvSpPr>
+            <a:spLocks noGrp="1"/>
+          </p:cNvSpPr>
+          <p:nvPr>
+            <p:ph type="sldNum" sz="quarter" idx="10"/>
+          </p:nvPr>
+        </p:nvSpPr>
+        <p:spPr/>
+        <p:txBody>
+          <a:bodyPr/>
+          <a:lstStyle/>
+          <a:p>
+            <a:fld id="{E361C49F-1507-4DEE-B8F2-3129C835BEB1}" type="slidenum">
+              <a:rPr lang="en-US" smtClean="0"/>
+              <a:t>23</a:t>
+            </a:fld>
+            <a:endParaRPr lang="en-US"/>
+          </a:p>
+        </p:txBody>
+      </p:sp>
+    </p:spTree>
+    <p:extLst>
+      <p:ext uri="{BB962C8B-B14F-4D97-AF65-F5344CB8AC3E}">
+        <p14:creationId xmlns:p14="http://schemas.microsoft.com/office/powerpoint/2010/main" val="3400947487"/>
+      </p:ext>
+    </p:extLst>
+  </p:cSld>
+  <p:clrMapOvr>
+    <a:masterClrMapping/>
+  </p:clrMapOvr>
+</p:notes>
+</file>
+
+<file path=ppt/notesSlides/notesSlide23.xml><?xml version="1.0" encoding="utf-8"?>
+<p:notes xmlns:a="http://schemas.openxmlformats.org/drawingml/2006/main" xmlns:r="http://schemas.openxmlformats.org/officeDocument/2006/relationships" xmlns:p="http://schemas.openxmlformats.org/presentationml/2006/main">
+  <p:cSld>
+    <p:spTree>
+      <p:nvGrpSpPr>
+        <p:cNvPr id="1" name=""/>
+        <p:cNvGrpSpPr/>
+        <p:nvPr/>
+      </p:nvGrpSpPr>
+      <p:grpSpPr>
+        <a:xfrm>
+          <a:off x="0" y="0"/>
+          <a:ext cx="0" cy="0"/>
+          <a:chOff x="0" y="0"/>
+          <a:chExt cx="0" cy="0"/>
+        </a:xfrm>
+      </p:grpSpPr>
+      <p:sp>
+        <p:nvSpPr>
+          <p:cNvPr id="2" name="Slide Image Placeholder 1"/>
+          <p:cNvSpPr>
+            <a:spLocks noGrp="1" noRot="1" noChangeAspect="1"/>
+          </p:cNvSpPr>
+          <p:nvPr>
+            <p:ph type="sldImg"/>
+          </p:nvPr>
+        </p:nvSpPr>
+        <p:spPr/>
+      </p:sp>
+      <p:sp>
+        <p:nvSpPr>
+          <p:cNvPr id="3" name="Notes Placeholder 2"/>
+          <p:cNvSpPr>
+            <a:spLocks noGrp="1"/>
+          </p:cNvSpPr>
+          <p:nvPr>
+            <p:ph type="body" idx="1"/>
+          </p:nvPr>
+        </p:nvSpPr>
+        <p:spPr/>
+        <p:txBody>
+          <a:bodyPr/>
+          <a:lstStyle/>
+          <a:p>
+            <a:endParaRPr lang="en-US"/>
+          </a:p>
+        </p:txBody>
+      </p:sp>
+      <p:sp>
+        <p:nvSpPr>
+          <p:cNvPr id="4" name="Slide Number Placeholder 3"/>
+          <p:cNvSpPr>
+            <a:spLocks noGrp="1"/>
+          </p:cNvSpPr>
+          <p:nvPr>
+            <p:ph type="sldNum" sz="quarter" idx="10"/>
+          </p:nvPr>
+        </p:nvSpPr>
+        <p:spPr/>
+        <p:txBody>
+          <a:bodyPr/>
+          <a:lstStyle/>
+          <a:p>
+            <a:fld id="{E361C49F-1507-4DEE-B8F2-3129C835BEB1}" type="slidenum">
+              <a:rPr lang="en-US" smtClean="0"/>
+              <a:t>24</a:t>
+            </a:fld>
+            <a:endParaRPr lang="en-US"/>
+          </a:p>
+        </p:txBody>
+      </p:sp>
+    </p:spTree>
+    <p:extLst>
+      <p:ext uri="{BB962C8B-B14F-4D97-AF65-F5344CB8AC3E}">
+        <p14:creationId xmlns:p14="http://schemas.microsoft.com/office/powerpoint/2010/main" val="521783758"/>
+      </p:ext>
+    </p:extLst>
+  </p:cSld>
+  <p:clrMapOvr>
+    <a:masterClrMapping/>
+  </p:clrMapOvr>
+</p:notes>
+</file>
+
+<file path=ppt/notesSlides/notesSlide24.xml><?xml version="1.0" encoding="utf-8"?>
+<p:notes xmlns:a="http://schemas.openxmlformats.org/drawingml/2006/main" xmlns:r="http://schemas.openxmlformats.org/officeDocument/2006/relationships" xmlns:p="http://schemas.openxmlformats.org/presentationml/2006/main">
+  <p:cSld>
+    <p:spTree>
+      <p:nvGrpSpPr>
+        <p:cNvPr id="1" name=""/>
+        <p:cNvGrpSpPr/>
+        <p:nvPr/>
+      </p:nvGrpSpPr>
+      <p:grpSpPr>
+        <a:xfrm>
+          <a:off x="0" y="0"/>
+          <a:ext cx="0" cy="0"/>
+          <a:chOff x="0" y="0"/>
+          <a:chExt cx="0" cy="0"/>
+        </a:xfrm>
+      </p:grpSpPr>
+      <p:sp>
+        <p:nvSpPr>
+          <p:cNvPr id="2" name="Slide Image Placeholder 1"/>
+          <p:cNvSpPr>
+            <a:spLocks noGrp="1" noRot="1" noChangeAspect="1"/>
+          </p:cNvSpPr>
+          <p:nvPr>
+            <p:ph type="sldImg"/>
+          </p:nvPr>
+        </p:nvSpPr>
+        <p:spPr/>
+      </p:sp>
+      <p:sp>
+        <p:nvSpPr>
+          <p:cNvPr id="3" name="Notes Placeholder 2"/>
+          <p:cNvSpPr>
+            <a:spLocks noGrp="1"/>
+          </p:cNvSpPr>
+          <p:nvPr>
+            <p:ph type="body" idx="1"/>
+          </p:nvPr>
+        </p:nvSpPr>
+        <p:spPr/>
+        <p:txBody>
+          <a:bodyPr/>
+          <a:lstStyle/>
+          <a:p>
+            <a:endParaRPr lang="en-US"/>
+          </a:p>
+        </p:txBody>
+      </p:sp>
+      <p:sp>
+        <p:nvSpPr>
+          <p:cNvPr id="4" name="Slide Number Placeholder 3"/>
+          <p:cNvSpPr>
+            <a:spLocks noGrp="1"/>
+          </p:cNvSpPr>
+          <p:nvPr>
+            <p:ph type="sldNum" sz="quarter" idx="10"/>
+          </p:nvPr>
+        </p:nvSpPr>
+        <p:spPr/>
+        <p:txBody>
+          <a:bodyPr/>
+          <a:lstStyle/>
+          <a:p>
+            <a:fld id="{E361C49F-1507-4DEE-B8F2-3129C835BEB1}" type="slidenum">
+              <a:rPr lang="en-US" smtClean="0"/>
+              <a:t>25</a:t>
+            </a:fld>
+            <a:endParaRPr lang="en-US"/>
+          </a:p>
+        </p:txBody>
+      </p:sp>
+    </p:spTree>
+    <p:extLst>
+      <p:ext uri="{BB962C8B-B14F-4D97-AF65-F5344CB8AC3E}">
+        <p14:creationId xmlns:p14="http://schemas.microsoft.com/office/powerpoint/2010/main" val="715069715"/>
+      </p:ext>
+    </p:extLst>
+  </p:cSld>
+  <p:clrMapOvr>
+    <a:masterClrMapping/>
+  </p:clrMapOvr>
+</p:notes>
+</file>
+
+<file path=ppt/notesSlides/notesSlide25.xml><?xml version="1.0" encoding="utf-8"?>
+<p:notes xmlns:a="http://schemas.openxmlformats.org/drawingml/2006/main" xmlns:r="http://schemas.openxmlformats.org/officeDocument/2006/relationships" xmlns:p="http://schemas.openxmlformats.org/presentationml/2006/main">
+  <p:cSld>
+    <p:spTree>
+      <p:nvGrpSpPr>
+        <p:cNvPr id="1" name=""/>
+        <p:cNvGrpSpPr/>
+        <p:nvPr/>
+      </p:nvGrpSpPr>
+      <p:grpSpPr>
+        <a:xfrm>
+          <a:off x="0" y="0"/>
+          <a:ext cx="0" cy="0"/>
+          <a:chOff x="0" y="0"/>
+          <a:chExt cx="0" cy="0"/>
+        </a:xfrm>
+      </p:grpSpPr>
+      <p:sp>
+        <p:nvSpPr>
+          <p:cNvPr id="2" name="Slide Image Placeholder 1"/>
+          <p:cNvSpPr>
+            <a:spLocks noGrp="1" noRot="1" noChangeAspect="1"/>
+          </p:cNvSpPr>
+          <p:nvPr>
+            <p:ph type="sldImg"/>
+          </p:nvPr>
+        </p:nvSpPr>
+        <p:spPr/>
+      </p:sp>
+      <p:sp>
+        <p:nvSpPr>
+          <p:cNvPr id="3" name="Notes Placeholder 2"/>
+          <p:cNvSpPr>
+            <a:spLocks noGrp="1"/>
+          </p:cNvSpPr>
+          <p:nvPr>
+            <p:ph type="body" idx="1"/>
+          </p:nvPr>
+        </p:nvSpPr>
+        <p:spPr/>
+        <p:txBody>
+          <a:bodyPr/>
+          <a:lstStyle/>
+          <a:p>
+            <a:endParaRPr lang="en-US"/>
+          </a:p>
+        </p:txBody>
+      </p:sp>
+      <p:sp>
+        <p:nvSpPr>
+          <p:cNvPr id="4" name="Slide Number Placeholder 3"/>
+          <p:cNvSpPr>
+            <a:spLocks noGrp="1"/>
+          </p:cNvSpPr>
+          <p:nvPr>
+            <p:ph type="sldNum" sz="quarter" idx="10"/>
+          </p:nvPr>
+        </p:nvSpPr>
+        <p:spPr/>
+        <p:txBody>
+          <a:bodyPr/>
+          <a:lstStyle/>
+          <a:p>
+            <a:fld id="{E361C49F-1507-4DEE-B8F2-3129C835BEB1}" type="slidenum">
+              <a:rPr lang="en-US" smtClean="0"/>
+              <a:t>26</a:t>
+            </a:fld>
+            <a:endParaRPr lang="en-US"/>
+          </a:p>
+        </p:txBody>
+      </p:sp>
+    </p:spTree>
+    <p:extLst>
+      <p:ext uri="{BB962C8B-B14F-4D97-AF65-F5344CB8AC3E}">
+        <p14:creationId xmlns:p14="http://schemas.microsoft.com/office/powerpoint/2010/main" val="3652503501"/>
+      </p:ext>
+    </p:extLst>
+  </p:cSld>
+  <p:clrMapOvr>
+    <a:masterClrMapping/>
+  </p:clrMapOvr>
+</p:notes>
+</file>
+
+<file path=ppt/notesSlides/notesSlide26.xml><?xml version="1.0" encoding="utf-8"?>
+<p:notes xmlns:a="http://schemas.openxmlformats.org/drawingml/2006/main" xmlns:r="http://schemas.openxmlformats.org/officeDocument/2006/relationships" xmlns:p="http://schemas.openxmlformats.org/presentationml/2006/main">
+  <p:cSld>
+    <p:spTree>
+      <p:nvGrpSpPr>
+        <p:cNvPr id="1" name=""/>
+        <p:cNvGrpSpPr/>
+        <p:nvPr/>
+      </p:nvGrpSpPr>
+      <p:grpSpPr>
+        <a:xfrm>
+          <a:off x="0" y="0"/>
+          <a:ext cx="0" cy="0"/>
+          <a:chOff x="0" y="0"/>
+          <a:chExt cx="0" cy="0"/>
+        </a:xfrm>
+      </p:grpSpPr>
+      <p:sp>
+        <p:nvSpPr>
+          <p:cNvPr id="2" name="Slide Image Placeholder 1"/>
+          <p:cNvSpPr>
+            <a:spLocks noGrp="1" noRot="1" noChangeAspect="1"/>
+          </p:cNvSpPr>
+          <p:nvPr>
+            <p:ph type="sldImg"/>
+          </p:nvPr>
+        </p:nvSpPr>
+        <p:spPr/>
+      </p:sp>
+      <p:sp>
+        <p:nvSpPr>
+          <p:cNvPr id="3" name="Notes Placeholder 2"/>
+          <p:cNvSpPr>
+            <a:spLocks noGrp="1"/>
+          </p:cNvSpPr>
+          <p:nvPr>
+            <p:ph type="body" idx="1"/>
+          </p:nvPr>
+        </p:nvSpPr>
+        <p:spPr/>
+        <p:txBody>
+          <a:bodyPr/>
+          <a:lstStyle/>
+          <a:p>
+            <a:endParaRPr lang="en-US"/>
+          </a:p>
+        </p:txBody>
+      </p:sp>
+      <p:sp>
+        <p:nvSpPr>
+          <p:cNvPr id="4" name="Slide Number Placeholder 3"/>
+          <p:cNvSpPr>
+            <a:spLocks noGrp="1"/>
+          </p:cNvSpPr>
+          <p:nvPr>
+            <p:ph type="sldNum" sz="quarter" idx="10"/>
+          </p:nvPr>
+        </p:nvSpPr>
+        <p:spPr/>
+        <p:txBody>
+          <a:bodyPr/>
+          <a:lstStyle/>
+          <a:p>
+            <a:fld id="{E361C49F-1507-4DEE-B8F2-3129C835BEB1}" type="slidenum">
+              <a:rPr lang="en-US" smtClean="0"/>
+              <a:t>27</a:t>
+            </a:fld>
+            <a:endParaRPr lang="en-US"/>
+          </a:p>
+        </p:txBody>
+      </p:sp>
+    </p:spTree>
+    <p:extLst>
+      <p:ext uri="{BB962C8B-B14F-4D97-AF65-F5344CB8AC3E}">
+        <p14:creationId xmlns:p14="http://schemas.microsoft.com/office/powerpoint/2010/main" val="293411101"/>
+      </p:ext>
+    </p:extLst>
+  </p:cSld>
+  <p:clrMapOvr>
+    <a:masterClrMapping/>
+  </p:clrMapOvr>
+</p:notes>
+</file>
+
+<file path=ppt/notesSlides/notesSlide27.xml><?xml version="1.0" encoding="utf-8"?>
+<p:notes xmlns:a="http://schemas.openxmlformats.org/drawingml/2006/main" xmlns:r="http://schemas.openxmlformats.org/officeDocument/2006/relationships" xmlns:p="http://schemas.openxmlformats.org/presentationml/2006/main">
+  <p:cSld>
+    <p:spTree>
+      <p:nvGrpSpPr>
+        <p:cNvPr id="1" name=""/>
+        <p:cNvGrpSpPr/>
+        <p:nvPr/>
+      </p:nvGrpSpPr>
+      <p:grpSpPr>
+        <a:xfrm>
+          <a:off x="0" y="0"/>
+          <a:ext cx="0" cy="0"/>
+          <a:chOff x="0" y="0"/>
+          <a:chExt cx="0" cy="0"/>
+        </a:xfrm>
+      </p:grpSpPr>
+      <p:sp>
+        <p:nvSpPr>
+          <p:cNvPr id="2" name="Slide Image Placeholder 1"/>
+          <p:cNvSpPr>
+            <a:spLocks noGrp="1" noRot="1" noChangeAspect="1"/>
+          </p:cNvSpPr>
+          <p:nvPr>
+            <p:ph type="sldImg"/>
+          </p:nvPr>
+        </p:nvSpPr>
+        <p:spPr/>
+      </p:sp>
+      <p:sp>
+        <p:nvSpPr>
+          <p:cNvPr id="3" name="Notes Placeholder 2"/>
+          <p:cNvSpPr>
+            <a:spLocks noGrp="1"/>
+          </p:cNvSpPr>
+          <p:nvPr>
+            <p:ph type="body" idx="1"/>
+          </p:nvPr>
+        </p:nvSpPr>
+        <p:spPr/>
+        <p:txBody>
+          <a:bodyPr/>
+          <a:lstStyle/>
+          <a:p>
+            <a:endParaRPr lang="en-US"/>
+          </a:p>
+        </p:txBody>
+      </p:sp>
+      <p:sp>
+        <p:nvSpPr>
+          <p:cNvPr id="4" name="Slide Number Placeholder 3"/>
+          <p:cNvSpPr>
+            <a:spLocks noGrp="1"/>
+          </p:cNvSpPr>
+          <p:nvPr>
+            <p:ph type="sldNum" sz="quarter" idx="10"/>
+          </p:nvPr>
+        </p:nvSpPr>
+        <p:spPr/>
+        <p:txBody>
+          <a:bodyPr/>
+          <a:lstStyle/>
+          <a:p>
+            <a:fld id="{E361C49F-1507-4DEE-B8F2-3129C835BEB1}" type="slidenum">
+              <a:rPr lang="en-US" smtClean="0"/>
+              <a:t>28</a:t>
+            </a:fld>
+            <a:endParaRPr lang="en-US"/>
+          </a:p>
+        </p:txBody>
+      </p:sp>
+    </p:spTree>
+    <p:extLst>
+      <p:ext uri="{BB962C8B-B14F-4D97-AF65-F5344CB8AC3E}">
+        <p14:creationId xmlns:p14="http://schemas.microsoft.com/office/powerpoint/2010/main" val="2086557046"/>
+      </p:ext>
+    </p:extLst>
+  </p:cSld>
+  <p:clrMapOvr>
+    <a:masterClrMapping/>
+  </p:clrMapOvr>
+</p:notes>
+</file>
+
+<file path=ppt/notesSlides/notesSlide28.xml><?xml version="1.0" encoding="utf-8"?>
+<p:notes xmlns:a="http://schemas.openxmlformats.org/drawingml/2006/main" xmlns:r="http://schemas.openxmlformats.org/officeDocument/2006/relationships" xmlns:p="http://schemas.openxmlformats.org/presentationml/2006/main">
+  <p:cSld>
+    <p:spTree>
+      <p:nvGrpSpPr>
+        <p:cNvPr id="1" name=""/>
+        <p:cNvGrpSpPr/>
+        <p:nvPr/>
+      </p:nvGrpSpPr>
+      <p:grpSpPr>
+        <a:xfrm>
+          <a:off x="0" y="0"/>
+          <a:ext cx="0" cy="0"/>
+          <a:chOff x="0" y="0"/>
+          <a:chExt cx="0" cy="0"/>
+        </a:xfrm>
+      </p:grpSpPr>
+      <p:sp>
+        <p:nvSpPr>
+          <p:cNvPr id="2" name="Slide Image Placeholder 1"/>
+          <p:cNvSpPr>
+            <a:spLocks noGrp="1" noRot="1" noChangeAspect="1"/>
+          </p:cNvSpPr>
+          <p:nvPr>
+            <p:ph type="sldImg"/>
+          </p:nvPr>
+        </p:nvSpPr>
+        <p:spPr/>
+      </p:sp>
+      <p:sp>
+        <p:nvSpPr>
+          <p:cNvPr id="3" name="Notes Placeholder 2"/>
+          <p:cNvSpPr>
+            <a:spLocks noGrp="1"/>
+          </p:cNvSpPr>
+          <p:nvPr>
+            <p:ph type="body" idx="1"/>
+          </p:nvPr>
+        </p:nvSpPr>
+        <p:spPr/>
+        <p:txBody>
+          <a:bodyPr/>
+          <a:lstStyle/>
+          <a:p>
+            <a:endParaRPr lang="en-US"/>
+          </a:p>
+        </p:txBody>
+      </p:sp>
+      <p:sp>
+        <p:nvSpPr>
+          <p:cNvPr id="4" name="Slide Number Placeholder 3"/>
+          <p:cNvSpPr>
+            <a:spLocks noGrp="1"/>
+          </p:cNvSpPr>
+          <p:nvPr>
+            <p:ph type="sldNum" sz="quarter" idx="10"/>
+          </p:nvPr>
+        </p:nvSpPr>
+        <p:spPr/>
+        <p:txBody>
+          <a:bodyPr/>
+          <a:lstStyle/>
+          <a:p>
+            <a:fld id="{E361C49F-1507-4DEE-B8F2-3129C835BEB1}" type="slidenum">
+              <a:rPr lang="en-US" smtClean="0"/>
+              <a:t>29</a:t>
+            </a:fld>
+            <a:endParaRPr lang="en-US"/>
+          </a:p>
+        </p:txBody>
+      </p:sp>
+    </p:spTree>
+    <p:extLst>
+      <p:ext uri="{BB962C8B-B14F-4D97-AF65-F5344CB8AC3E}">
+        <p14:creationId xmlns:p14="http://schemas.microsoft.com/office/powerpoint/2010/main" val="3548052333"/>
+      </p:ext>
+    </p:extLst>
+  </p:cSld>
+  <p:clrMapOvr>
+    <a:masterClrMapping/>
+  </p:clrMapOvr>
+</p:notes>
+</file>
+
+<file path=ppt/notesSlides/notesSlide29.xml><?xml version="1.0" encoding="utf-8"?>
+<p:notes xmlns:a="http://schemas.openxmlformats.org/drawingml/2006/main" xmlns:r="http://schemas.openxmlformats.org/officeDocument/2006/relationships" xmlns:p="http://schemas.openxmlformats.org/presentationml/2006/main">
+  <p:cSld>
+    <p:spTree>
+      <p:nvGrpSpPr>
+        <p:cNvPr id="1" name=""/>
+        <p:cNvGrpSpPr/>
+        <p:nvPr/>
+      </p:nvGrpSpPr>
+      <p:grpSpPr>
+        <a:xfrm>
+          <a:off x="0" y="0"/>
+          <a:ext cx="0" cy="0"/>
+          <a:chOff x="0" y="0"/>
+          <a:chExt cx="0" cy="0"/>
+        </a:xfrm>
+      </p:grpSpPr>
+      <p:sp>
+        <p:nvSpPr>
+          <p:cNvPr id="2" name="Slide Image Placeholder 1"/>
+          <p:cNvSpPr>
+            <a:spLocks noGrp="1" noRot="1" noChangeAspect="1"/>
+          </p:cNvSpPr>
+          <p:nvPr>
+            <p:ph type="sldImg"/>
+          </p:nvPr>
+        </p:nvSpPr>
+        <p:spPr/>
+      </p:sp>
+      <p:sp>
+        <p:nvSpPr>
+          <p:cNvPr id="3" name="Notes Placeholder 2"/>
+          <p:cNvSpPr>
+            <a:spLocks noGrp="1"/>
+          </p:cNvSpPr>
+          <p:nvPr>
+            <p:ph type="body" idx="1"/>
+          </p:nvPr>
+        </p:nvSpPr>
+        <p:spPr/>
+        <p:txBody>
+          <a:bodyPr/>
+          <a:lstStyle/>
+          <a:p>
+            <a:endParaRPr lang="en-US"/>
+          </a:p>
+        </p:txBody>
+      </p:sp>
+      <p:sp>
+        <p:nvSpPr>
+          <p:cNvPr id="4" name="Slide Number Placeholder 3"/>
+          <p:cNvSpPr>
+            <a:spLocks noGrp="1"/>
+          </p:cNvSpPr>
+          <p:nvPr>
+            <p:ph type="sldNum" sz="quarter" idx="10"/>
+          </p:nvPr>
+        </p:nvSpPr>
+        <p:spPr/>
+        <p:txBody>
+          <a:bodyPr/>
+          <a:lstStyle/>
+          <a:p>
+            <a:fld id="{E361C49F-1507-4DEE-B8F2-3129C835BEB1}" type="slidenum">
+              <a:rPr lang="en-US" smtClean="0"/>
+              <a:t>30</a:t>
+            </a:fld>
+            <a:endParaRPr lang="en-US"/>
+          </a:p>
+        </p:txBody>
+      </p:sp>
+    </p:spTree>
+    <p:extLst>
+      <p:ext uri="{BB962C8B-B14F-4D97-AF65-F5344CB8AC3E}">
+        <p14:creationId xmlns:p14="http://schemas.microsoft.com/office/powerpoint/2010/main" val="2785831518"/>
+      </p:ext>
+    </p:extLst>
+  </p:cSld>
+  <p:clrMapOvr>
+    <a:masterClrMapping/>
+  </p:clrMapOvr>
+</p:notes>
+</file>
+
 <file path=ppt/notesSlides/notesSlide3.xml><?xml version="1.0" encoding="utf-8"?>
 <p:notes xmlns:a="http://schemas.openxmlformats.org/drawingml/2006/main" xmlns:r="http://schemas.openxmlformats.org/officeDocument/2006/relationships" xmlns:p="http://schemas.openxmlformats.org/presentationml/2006/main">
   <p:cSld>
@@ -1919,6 +2606,342 @@
     <p:extLst>
       <p:ext uri="{BB962C8B-B14F-4D97-AF65-F5344CB8AC3E}">
         <p14:creationId xmlns:p14="http://schemas.microsoft.com/office/powerpoint/2010/main" val="2175535286"/>
+      </p:ext>
+    </p:extLst>
+  </p:cSld>
+  <p:clrMapOvr>
+    <a:masterClrMapping/>
+  </p:clrMapOvr>
+</p:notes>
+</file>
+
+<file path=ppt/notesSlides/notesSlide30.xml><?xml version="1.0" encoding="utf-8"?>
+<p:notes xmlns:a="http://schemas.openxmlformats.org/drawingml/2006/main" xmlns:r="http://schemas.openxmlformats.org/officeDocument/2006/relationships" xmlns:p="http://schemas.openxmlformats.org/presentationml/2006/main">
+  <p:cSld>
+    <p:spTree>
+      <p:nvGrpSpPr>
+        <p:cNvPr id="1" name=""/>
+        <p:cNvGrpSpPr/>
+        <p:nvPr/>
+      </p:nvGrpSpPr>
+      <p:grpSpPr>
+        <a:xfrm>
+          <a:off x="0" y="0"/>
+          <a:ext cx="0" cy="0"/>
+          <a:chOff x="0" y="0"/>
+          <a:chExt cx="0" cy="0"/>
+        </a:xfrm>
+      </p:grpSpPr>
+      <p:sp>
+        <p:nvSpPr>
+          <p:cNvPr id="2" name="Slide Image Placeholder 1"/>
+          <p:cNvSpPr>
+            <a:spLocks noGrp="1" noRot="1" noChangeAspect="1"/>
+          </p:cNvSpPr>
+          <p:nvPr>
+            <p:ph type="sldImg"/>
+          </p:nvPr>
+        </p:nvSpPr>
+        <p:spPr/>
+      </p:sp>
+      <p:sp>
+        <p:nvSpPr>
+          <p:cNvPr id="3" name="Notes Placeholder 2"/>
+          <p:cNvSpPr>
+            <a:spLocks noGrp="1"/>
+          </p:cNvSpPr>
+          <p:nvPr>
+            <p:ph type="body" idx="1"/>
+          </p:nvPr>
+        </p:nvSpPr>
+        <p:spPr/>
+        <p:txBody>
+          <a:bodyPr/>
+          <a:lstStyle/>
+          <a:p>
+            <a:endParaRPr lang="en-US"/>
+          </a:p>
+        </p:txBody>
+      </p:sp>
+      <p:sp>
+        <p:nvSpPr>
+          <p:cNvPr id="4" name="Slide Number Placeholder 3"/>
+          <p:cNvSpPr>
+            <a:spLocks noGrp="1"/>
+          </p:cNvSpPr>
+          <p:nvPr>
+            <p:ph type="sldNum" sz="quarter" idx="10"/>
+          </p:nvPr>
+        </p:nvSpPr>
+        <p:spPr/>
+        <p:txBody>
+          <a:bodyPr/>
+          <a:lstStyle/>
+          <a:p>
+            <a:fld id="{E361C49F-1507-4DEE-B8F2-3129C835BEB1}" type="slidenum">
+              <a:rPr lang="en-US" smtClean="0"/>
+              <a:t>31</a:t>
+            </a:fld>
+            <a:endParaRPr lang="en-US"/>
+          </a:p>
+        </p:txBody>
+      </p:sp>
+    </p:spTree>
+    <p:extLst>
+      <p:ext uri="{BB962C8B-B14F-4D97-AF65-F5344CB8AC3E}">
+        <p14:creationId xmlns:p14="http://schemas.microsoft.com/office/powerpoint/2010/main" val="3363159277"/>
+      </p:ext>
+    </p:extLst>
+  </p:cSld>
+  <p:clrMapOvr>
+    <a:masterClrMapping/>
+  </p:clrMapOvr>
+</p:notes>
+</file>
+
+<file path=ppt/notesSlides/notesSlide31.xml><?xml version="1.0" encoding="utf-8"?>
+<p:notes xmlns:a="http://schemas.openxmlformats.org/drawingml/2006/main" xmlns:r="http://schemas.openxmlformats.org/officeDocument/2006/relationships" xmlns:p="http://schemas.openxmlformats.org/presentationml/2006/main">
+  <p:cSld>
+    <p:spTree>
+      <p:nvGrpSpPr>
+        <p:cNvPr id="1" name=""/>
+        <p:cNvGrpSpPr/>
+        <p:nvPr/>
+      </p:nvGrpSpPr>
+      <p:grpSpPr>
+        <a:xfrm>
+          <a:off x="0" y="0"/>
+          <a:ext cx="0" cy="0"/>
+          <a:chOff x="0" y="0"/>
+          <a:chExt cx="0" cy="0"/>
+        </a:xfrm>
+      </p:grpSpPr>
+      <p:sp>
+        <p:nvSpPr>
+          <p:cNvPr id="2" name="Slide Image Placeholder 1"/>
+          <p:cNvSpPr>
+            <a:spLocks noGrp="1" noRot="1" noChangeAspect="1"/>
+          </p:cNvSpPr>
+          <p:nvPr>
+            <p:ph type="sldImg"/>
+          </p:nvPr>
+        </p:nvSpPr>
+        <p:spPr/>
+      </p:sp>
+      <p:sp>
+        <p:nvSpPr>
+          <p:cNvPr id="3" name="Notes Placeholder 2"/>
+          <p:cNvSpPr>
+            <a:spLocks noGrp="1"/>
+          </p:cNvSpPr>
+          <p:nvPr>
+            <p:ph type="body" idx="1"/>
+          </p:nvPr>
+        </p:nvSpPr>
+        <p:spPr/>
+        <p:txBody>
+          <a:bodyPr/>
+          <a:lstStyle/>
+          <a:p>
+            <a:endParaRPr lang="en-US"/>
+          </a:p>
+        </p:txBody>
+      </p:sp>
+      <p:sp>
+        <p:nvSpPr>
+          <p:cNvPr id="4" name="Slide Number Placeholder 3"/>
+          <p:cNvSpPr>
+            <a:spLocks noGrp="1"/>
+          </p:cNvSpPr>
+          <p:nvPr>
+            <p:ph type="sldNum" sz="quarter" idx="10"/>
+          </p:nvPr>
+        </p:nvSpPr>
+        <p:spPr/>
+        <p:txBody>
+          <a:bodyPr/>
+          <a:lstStyle/>
+          <a:p>
+            <a:fld id="{E361C49F-1507-4DEE-B8F2-3129C835BEB1}" type="slidenum">
+              <a:rPr lang="en-US" smtClean="0"/>
+              <a:t>32</a:t>
+            </a:fld>
+            <a:endParaRPr lang="en-US"/>
+          </a:p>
+        </p:txBody>
+      </p:sp>
+    </p:spTree>
+    <p:extLst>
+      <p:ext uri="{BB962C8B-B14F-4D97-AF65-F5344CB8AC3E}">
+        <p14:creationId xmlns:p14="http://schemas.microsoft.com/office/powerpoint/2010/main" val="2262939915"/>
+      </p:ext>
+    </p:extLst>
+  </p:cSld>
+  <p:clrMapOvr>
+    <a:masterClrMapping/>
+  </p:clrMapOvr>
+</p:notes>
+</file>
+
+<file path=ppt/notesSlides/notesSlide32.xml><?xml version="1.0" encoding="utf-8"?>
+<p:notes xmlns:a="http://schemas.openxmlformats.org/drawingml/2006/main" xmlns:r="http://schemas.openxmlformats.org/officeDocument/2006/relationships" xmlns:p="http://schemas.openxmlformats.org/presentationml/2006/main">
+  <p:cSld>
+    <p:spTree>
+      <p:nvGrpSpPr>
+        <p:cNvPr id="1" name=""/>
+        <p:cNvGrpSpPr/>
+        <p:nvPr/>
+      </p:nvGrpSpPr>
+      <p:grpSpPr>
+        <a:xfrm>
+          <a:off x="0" y="0"/>
+          <a:ext cx="0" cy="0"/>
+          <a:chOff x="0" y="0"/>
+          <a:chExt cx="0" cy="0"/>
+        </a:xfrm>
+      </p:grpSpPr>
+      <p:sp>
+        <p:nvSpPr>
+          <p:cNvPr id="2" name="Slide Image Placeholder 1"/>
+          <p:cNvSpPr>
+            <a:spLocks noGrp="1" noRot="1" noChangeAspect="1"/>
+          </p:cNvSpPr>
+          <p:nvPr>
+            <p:ph type="sldImg"/>
+          </p:nvPr>
+        </p:nvSpPr>
+        <p:spPr/>
+      </p:sp>
+      <p:sp>
+        <p:nvSpPr>
+          <p:cNvPr id="3" name="Notes Placeholder 2"/>
+          <p:cNvSpPr>
+            <a:spLocks noGrp="1"/>
+          </p:cNvSpPr>
+          <p:nvPr>
+            <p:ph type="body" idx="1"/>
+          </p:nvPr>
+        </p:nvSpPr>
+        <p:spPr/>
+        <p:txBody>
+          <a:bodyPr/>
+          <a:lstStyle/>
+          <a:p>
+            <a:endParaRPr lang="en-US"/>
+          </a:p>
+        </p:txBody>
+      </p:sp>
+      <p:sp>
+        <p:nvSpPr>
+          <p:cNvPr id="4" name="Slide Number Placeholder 3"/>
+          <p:cNvSpPr>
+            <a:spLocks noGrp="1"/>
+          </p:cNvSpPr>
+          <p:nvPr>
+            <p:ph type="sldNum" sz="quarter" idx="10"/>
+          </p:nvPr>
+        </p:nvSpPr>
+        <p:spPr/>
+        <p:txBody>
+          <a:bodyPr/>
+          <a:lstStyle/>
+          <a:p>
+            <a:fld id="{E361C49F-1507-4DEE-B8F2-3129C835BEB1}" type="slidenum">
+              <a:rPr lang="en-US" smtClean="0"/>
+              <a:t>33</a:t>
+            </a:fld>
+            <a:endParaRPr lang="en-US"/>
+          </a:p>
+        </p:txBody>
+      </p:sp>
+    </p:spTree>
+    <p:extLst>
+      <p:ext uri="{BB962C8B-B14F-4D97-AF65-F5344CB8AC3E}">
+        <p14:creationId xmlns:p14="http://schemas.microsoft.com/office/powerpoint/2010/main" val="472955395"/>
+      </p:ext>
+    </p:extLst>
+  </p:cSld>
+  <p:clrMapOvr>
+    <a:masterClrMapping/>
+  </p:clrMapOvr>
+</p:notes>
+</file>
+
+<file path=ppt/notesSlides/notesSlide33.xml><?xml version="1.0" encoding="utf-8"?>
+<p:notes xmlns:a="http://schemas.openxmlformats.org/drawingml/2006/main" xmlns:r="http://schemas.openxmlformats.org/officeDocument/2006/relationships" xmlns:p="http://schemas.openxmlformats.org/presentationml/2006/main">
+  <p:cSld>
+    <p:spTree>
+      <p:nvGrpSpPr>
+        <p:cNvPr id="1" name=""/>
+        <p:cNvGrpSpPr/>
+        <p:nvPr/>
+      </p:nvGrpSpPr>
+      <p:grpSpPr>
+        <a:xfrm>
+          <a:off x="0" y="0"/>
+          <a:ext cx="0" cy="0"/>
+          <a:chOff x="0" y="0"/>
+          <a:chExt cx="0" cy="0"/>
+        </a:xfrm>
+      </p:grpSpPr>
+      <p:sp>
+        <p:nvSpPr>
+          <p:cNvPr id="2" name="Slide Image Placeholder 1"/>
+          <p:cNvSpPr>
+            <a:spLocks noGrp="1" noRot="1" noChangeAspect="1"/>
+          </p:cNvSpPr>
+          <p:nvPr>
+            <p:ph type="sldImg"/>
+          </p:nvPr>
+        </p:nvSpPr>
+        <p:spPr/>
+      </p:sp>
+      <p:sp>
+        <p:nvSpPr>
+          <p:cNvPr id="3" name="Notes Placeholder 2"/>
+          <p:cNvSpPr>
+            <a:spLocks noGrp="1"/>
+          </p:cNvSpPr>
+          <p:nvPr>
+            <p:ph type="body" idx="1"/>
+          </p:nvPr>
+        </p:nvSpPr>
+        <p:spPr/>
+        <p:txBody>
+          <a:bodyPr/>
+          <a:lstStyle/>
+          <a:p>
+            <a:endParaRPr lang="en-US"/>
+          </a:p>
+        </p:txBody>
+      </p:sp>
+      <p:sp>
+        <p:nvSpPr>
+          <p:cNvPr id="4" name="Slide Number Placeholder 3"/>
+          <p:cNvSpPr>
+            <a:spLocks noGrp="1"/>
+          </p:cNvSpPr>
+          <p:nvPr>
+            <p:ph type="sldNum" sz="quarter" idx="10"/>
+          </p:nvPr>
+        </p:nvSpPr>
+        <p:spPr/>
+        <p:txBody>
+          <a:bodyPr/>
+          <a:lstStyle/>
+          <a:p>
+            <a:fld id="{E361C49F-1507-4DEE-B8F2-3129C835BEB1}" type="slidenum">
+              <a:rPr lang="en-US" smtClean="0"/>
+              <a:t>34</a:t>
+            </a:fld>
+            <a:endParaRPr lang="en-US"/>
+          </a:p>
+        </p:txBody>
+      </p:sp>
+    </p:spTree>
+    <p:extLst>
+      <p:ext uri="{BB962C8B-B14F-4D97-AF65-F5344CB8AC3E}">
+        <p14:creationId xmlns:p14="http://schemas.microsoft.com/office/powerpoint/2010/main" val="3850216552"/>
       </p:ext>
     </p:extLst>
   </p:cSld>
@@ -2579,7 +3602,7 @@
           <a:p>
             <a:fld id="{4A7A559F-AC33-41D3-A04A-EFCFD32F94AE}" type="datetimeFigureOut">
               <a:rPr lang="en-US" smtClean="0"/>
-              <a:t>3/30/2019</a:t>
+              <a:t>3/31/2019</a:t>
             </a:fld>
             <a:endParaRPr lang="en-US"/>
           </a:p>
@@ -2754,7 +3777,7 @@
           <a:p>
             <a:fld id="{4A7A559F-AC33-41D3-A04A-EFCFD32F94AE}" type="datetimeFigureOut">
               <a:rPr lang="en-US" smtClean="0"/>
-              <a:t>3/30/2019</a:t>
+              <a:t>3/31/2019</a:t>
             </a:fld>
             <a:endParaRPr lang="en-US"/>
           </a:p>
@@ -2934,7 +3957,7 @@
           <a:p>
             <a:fld id="{4A7A559F-AC33-41D3-A04A-EFCFD32F94AE}" type="datetimeFigureOut">
               <a:rPr lang="en-US" smtClean="0"/>
-              <a:t>3/30/2019</a:t>
+              <a:t>3/31/2019</a:t>
             </a:fld>
             <a:endParaRPr lang="en-US"/>
           </a:p>
@@ -3224,7 +4247,7 @@
           <a:p>
             <a:fld id="{4A7A559F-AC33-41D3-A04A-EFCFD32F94AE}" type="datetimeFigureOut">
               <a:rPr lang="en-US" smtClean="0"/>
-              <a:t>3/30/2019</a:t>
+              <a:t>3/31/2019</a:t>
             </a:fld>
             <a:endParaRPr lang="en-US"/>
           </a:p>
@@ -3480,7 +4503,7 @@
           <a:p>
             <a:fld id="{4A7A559F-AC33-41D3-A04A-EFCFD32F94AE}" type="datetimeFigureOut">
               <a:rPr lang="en-US" smtClean="0"/>
-              <a:t>3/30/2019</a:t>
+              <a:t>3/31/2019</a:t>
             </a:fld>
             <a:endParaRPr lang="en-US"/>
           </a:p>
@@ -3773,7 +4796,7 @@
           <a:p>
             <a:fld id="{4A7A559F-AC33-41D3-A04A-EFCFD32F94AE}" type="datetimeFigureOut">
               <a:rPr lang="en-US" smtClean="0"/>
-              <a:t>3/30/2019</a:t>
+              <a:t>3/31/2019</a:t>
             </a:fld>
             <a:endParaRPr lang="en-US"/>
           </a:p>
@@ -4202,7 +5225,7 @@
           <a:p>
             <a:fld id="{4A7A559F-AC33-41D3-A04A-EFCFD32F94AE}" type="datetimeFigureOut">
               <a:rPr lang="en-US" smtClean="0"/>
-              <a:t>3/30/2019</a:t>
+              <a:t>3/31/2019</a:t>
             </a:fld>
             <a:endParaRPr lang="en-US"/>
           </a:p>
@@ -4320,7 +5343,7 @@
           <a:p>
             <a:fld id="{4A7A559F-AC33-41D3-A04A-EFCFD32F94AE}" type="datetimeFigureOut">
               <a:rPr lang="en-US" smtClean="0"/>
-              <a:t>3/30/2019</a:t>
+              <a:t>3/31/2019</a:t>
             </a:fld>
             <a:endParaRPr lang="en-US"/>
           </a:p>
@@ -4415,7 +5438,7 @@
           <a:p>
             <a:fld id="{4A7A559F-AC33-41D3-A04A-EFCFD32F94AE}" type="datetimeFigureOut">
               <a:rPr lang="en-US" smtClean="0"/>
-              <a:t>3/30/2019</a:t>
+              <a:t>3/31/2019</a:t>
             </a:fld>
             <a:endParaRPr lang="en-US"/>
           </a:p>
@@ -4771,7 +5794,7 @@
           <a:p>
             <a:fld id="{4A7A559F-AC33-41D3-A04A-EFCFD32F94AE}" type="datetimeFigureOut">
               <a:rPr lang="en-US" smtClean="0"/>
-              <a:t>3/30/2019</a:t>
+              <a:t>3/31/2019</a:t>
             </a:fld>
             <a:endParaRPr lang="en-US"/>
           </a:p>
@@ -5066,7 +6089,7 @@
           <a:p>
             <a:fld id="{4A7A559F-AC33-41D3-A04A-EFCFD32F94AE}" type="datetimeFigureOut">
               <a:rPr lang="en-US" smtClean="0"/>
-              <a:t>3/30/2019</a:t>
+              <a:t>3/31/2019</a:t>
             </a:fld>
             <a:endParaRPr lang="en-US"/>
           </a:p>
@@ -5282,7 +6305,7 @@
           <a:p>
             <a:fld id="{4A7A559F-AC33-41D3-A04A-EFCFD32F94AE}" type="datetimeFigureOut">
               <a:rPr lang="en-US" smtClean="0"/>
-              <a:t>3/30/2019</a:t>
+              <a:t>3/31/2019</a:t>
             </a:fld>
             <a:endParaRPr lang="en-US"/>
           </a:p>
@@ -6188,7 +7211,6 @@
               <a:rPr lang="en-US" dirty="0"/>
               <a:t>Benefits of Kotlin Language</a:t>
             </a:r>
-            <a:endParaRPr lang="en-US" dirty="0"/>
           </a:p>
         </p:txBody>
       </p:sp>
@@ -6419,7 +7441,6 @@
               <a:rPr lang="en-US" dirty="0"/>
               <a:t>Benefits of Kotlin Language</a:t>
             </a:r>
-            <a:endParaRPr lang="en-US" dirty="0"/>
           </a:p>
         </p:txBody>
       </p:sp>
@@ -6644,7 +7665,6 @@
               <a:rPr lang="en-US" dirty="0"/>
               <a:t>Benefits of Kotlin Language</a:t>
             </a:r>
-            <a:endParaRPr lang="en-US" dirty="0"/>
           </a:p>
         </p:txBody>
       </p:sp>
@@ -6872,7 +7892,6 @@
               <a:rPr lang="en-US" dirty="0"/>
               <a:t>Benefits of Kotlin Language</a:t>
             </a:r>
-            <a:endParaRPr lang="en-US" dirty="0"/>
           </a:p>
         </p:txBody>
       </p:sp>
@@ -7007,8 +8026,8 @@
         </p:nvSpPr>
         <p:spPr bwMode="auto">
           <a:xfrm>
-            <a:off x="256100" y="4265676"/>
-            <a:ext cx="11679800" cy="2031325"/>
+            <a:off x="498955" y="4265676"/>
+            <a:ext cx="11194090" cy="2031325"/>
           </a:xfrm>
           <a:prstGeom prst="rect">
             <a:avLst/>
@@ -7150,7 +8169,35 @@
                 <a:latin typeface="Courier New" panose="02070309020205020404" pitchFamily="49" charset="0"/>
                 <a:cs typeface="Courier New" panose="02070309020205020404" pitchFamily="49" charset="0"/>
               </a:rPr>
-              <a:t>// tries to assign null, won’t  compile.</a:t>
+              <a:t>// tries to assign null, won’t </a:t>
+            </a:r>
+            <a:r>
+              <a:rPr kumimoji="0" lang="en-US" altLang="en-US" sz="2100" b="0" i="0" u="none" strike="noStrike" cap="none" normalizeH="0" baseline="0" dirty="0" smtClean="0">
+                <a:ln>
+                  <a:noFill/>
+                </a:ln>
+                <a:solidFill>
+                  <a:srgbClr val="808080"/>
+                </a:solidFill>
+                <a:effectLst/>
+                <a:latin typeface="Courier New" panose="02070309020205020404" pitchFamily="49" charset="0"/>
+                <a:cs typeface="Courier New" panose="02070309020205020404" pitchFamily="49" charset="0"/>
+              </a:rPr>
+              <a:t>compile</a:t>
+            </a:r>
+            <a:r>
+              <a:rPr kumimoji="0" lang="en-US" altLang="en-US" sz="2100" b="0" i="0" u="none" strike="noStrike" cap="none" normalizeH="0" baseline="0" dirty="0" smtClean="0">
+                <a:ln>
+                  <a:noFill/>
+                </a:ln>
+                <a:solidFill>
+                  <a:srgbClr val="808080"/>
+                </a:solidFill>
+                <a:effectLst/>
+                <a:latin typeface="Courier New" panose="02070309020205020404" pitchFamily="49" charset="0"/>
+                <a:cs typeface="Courier New" panose="02070309020205020404" pitchFamily="49" charset="0"/>
+              </a:rPr>
+              <a:t>.</a:t>
             </a:r>
             <a:br>
               <a:rPr kumimoji="0" lang="en-US" altLang="en-US" sz="2100" b="0" i="0" u="none" strike="noStrike" cap="none" normalizeH="0" baseline="0" dirty="0" smtClean="0">
@@ -7289,7 +8336,35 @@
                 <a:latin typeface="Courier New" panose="02070309020205020404" pitchFamily="49" charset="0"/>
                 <a:cs typeface="Courier New" panose="02070309020205020404" pitchFamily="49" charset="0"/>
               </a:rPr>
-              <a:t>// tries to return null, won’t    compile.</a:t>
+              <a:t>// tries to return null, won’t </a:t>
+            </a:r>
+            <a:r>
+              <a:rPr kumimoji="0" lang="en-US" altLang="en-US" sz="2100" b="0" i="0" u="none" strike="noStrike" cap="none" normalizeH="0" baseline="0" dirty="0" smtClean="0">
+                <a:ln>
+                  <a:noFill/>
+                </a:ln>
+                <a:solidFill>
+                  <a:srgbClr val="808080"/>
+                </a:solidFill>
+                <a:effectLst/>
+                <a:latin typeface="Courier New" panose="02070309020205020404" pitchFamily="49" charset="0"/>
+                <a:cs typeface="Courier New" panose="02070309020205020404" pitchFamily="49" charset="0"/>
+              </a:rPr>
+              <a:t>compile</a:t>
+            </a:r>
+            <a:r>
+              <a:rPr kumimoji="0" lang="en-US" altLang="en-US" sz="2100" b="0" i="0" u="none" strike="noStrike" cap="none" normalizeH="0" baseline="0" dirty="0" smtClean="0">
+                <a:ln>
+                  <a:noFill/>
+                </a:ln>
+                <a:solidFill>
+                  <a:srgbClr val="808080"/>
+                </a:solidFill>
+                <a:effectLst/>
+                <a:latin typeface="Courier New" panose="02070309020205020404" pitchFamily="49" charset="0"/>
+                <a:cs typeface="Courier New" panose="02070309020205020404" pitchFamily="49" charset="0"/>
+              </a:rPr>
+              <a:t>.</a:t>
             </a:r>
           </a:p>
           <a:p>
@@ -7379,7 +8454,6 @@
               <a:rPr lang="en-US" dirty="0"/>
               <a:t>Benefits of Kotlin Language</a:t>
             </a:r>
-            <a:endParaRPr lang="en-US" dirty="0"/>
           </a:p>
         </p:txBody>
       </p:sp>
@@ -7644,7 +8718,6 @@
               <a:rPr lang="en-US" dirty="0"/>
               <a:t>Benefits of Kotlin Language</a:t>
             </a:r>
-            <a:endParaRPr lang="en-US" dirty="0"/>
           </a:p>
         </p:txBody>
       </p:sp>
@@ -8135,7 +9208,6 @@
               <a:rPr lang="en-US" dirty="0"/>
               <a:t>Benefits of Kotlin Language</a:t>
             </a:r>
-            <a:endParaRPr lang="en-US" dirty="0"/>
           </a:p>
         </p:txBody>
       </p:sp>
@@ -9072,7 +10144,6 @@
               <a:rPr lang="en-US" b="1" dirty="0"/>
               <a:t>Hello world</a:t>
             </a:r>
-            <a:endParaRPr lang="en-US" b="1" dirty="0"/>
           </a:p>
         </p:txBody>
       </p:sp>
@@ -10240,7 +11311,6 @@
               <a:rPr lang="en-US" b="1" dirty="0"/>
               <a:t>Hello world</a:t>
             </a:r>
-            <a:endParaRPr lang="en-US" b="1" dirty="0"/>
           </a:p>
         </p:txBody>
       </p:sp>
@@ -10900,7 +11970,6 @@
               <a:rPr lang="en-US" b="1" dirty="0"/>
               <a:t>Hello world</a:t>
             </a:r>
-            <a:endParaRPr lang="en-US" b="1" dirty="0"/>
           </a:p>
         </p:txBody>
       </p:sp>
@@ -11703,10 +12772,9 @@
           <a:lstStyle/>
           <a:p>
             <a:r>
-              <a:rPr lang="en-US" b="1" dirty="0" smtClean="0"/>
-              <a:t>Resources</a:t>
-            </a:r>
-            <a:endParaRPr lang="en-US" b="1" dirty="0"/>
+              <a:rPr lang="en-US" b="1" dirty="0"/>
+              <a:t>Hello world</a:t>
+            </a:r>
           </a:p>
         </p:txBody>
       </p:sp>
@@ -11728,7 +12796,7 @@
         </p:spPr>
         <p:txBody>
           <a:bodyPr>
-            <a:normAutofit/>
+            <a:noAutofit/>
           </a:bodyPr>
           <a:lstStyle/>
           <a:p>
@@ -11737,20 +12805,21 @@
               <a:buChar char="•"/>
             </a:pPr>
             <a:r>
-              <a:rPr lang="en-US" sz="3200" dirty="0">
-                <a:solidFill>
-                  <a:schemeClr val="tx1"/>
-                </a:solidFill>
-                <a:hlinkClick r:id="rId2"/>
-              </a:rPr>
-              <a:t>https://kotlinlang.org/docs/reference/</a:t>
-            </a:r>
-            <a:endParaRPr lang="en-US" sz="3200" dirty="0">
-              <a:solidFill>
-                <a:schemeClr val="tx1"/>
-              </a:solidFill>
-              <a:hlinkClick r:id="rId3"/>
-            </a:endParaRPr>
+              <a:rPr lang="en-US" sz="3600" dirty="0">
+                <a:solidFill>
+                  <a:schemeClr val="tx1"/>
+                </a:solidFill>
+              </a:rPr>
+              <a:t>Strings can contain template </a:t>
+            </a:r>
+            <a:r>
+              <a:rPr lang="en-US" sz="3600" dirty="0" smtClean="0">
+                <a:solidFill>
+                  <a:schemeClr val="tx1"/>
+                </a:solidFill>
+              </a:rPr>
+              <a:t>expressions.</a:t>
+            </a:r>
           </a:p>
           <a:p>
             <a:pPr marL="284163" indent="-228600">
@@ -11758,93 +12827,30 @@
               <a:buChar char="•"/>
             </a:pPr>
             <a:r>
-              <a:rPr lang="en-US" sz="3200" dirty="0" smtClean="0">
-                <a:solidFill>
-                  <a:schemeClr val="tx1"/>
-                </a:solidFill>
-                <a:hlinkClick r:id="rId3"/>
-              </a:rPr>
-              <a:t>https</a:t>
-            </a:r>
-            <a:r>
-              <a:rPr lang="en-US" sz="3200" dirty="0">
-                <a:solidFill>
-                  <a:schemeClr val="tx1"/>
-                </a:solidFill>
-                <a:hlinkClick r:id="rId3"/>
-              </a:rPr>
-              <a:t>://en.wikipedia.org/wiki/Kotlin_(programming_language</a:t>
-            </a:r>
-            <a:r>
-              <a:rPr lang="en-US" sz="3200" dirty="0" smtClean="0">
-                <a:solidFill>
-                  <a:schemeClr val="tx1"/>
-                </a:solidFill>
-                <a:hlinkClick r:id="rId3"/>
-              </a:rPr>
-              <a:t>)</a:t>
-            </a:r>
-            <a:endParaRPr lang="en-US" sz="3200" dirty="0" smtClean="0">
-              <a:solidFill>
-                <a:schemeClr val="tx1"/>
-              </a:solidFill>
-            </a:endParaRPr>
-          </a:p>
-          <a:p>
-            <a:pPr marL="284163" indent="-228600">
-              <a:buFont typeface="Arial" panose="020B0604020202020204" pitchFamily="34" charset="0"/>
-              <a:buChar char="•"/>
-            </a:pPr>
-            <a:r>
-              <a:rPr lang="en-US" sz="3200" dirty="0">
-                <a:solidFill>
-                  <a:schemeClr val="tx1"/>
-                </a:solidFill>
-                <a:hlinkClick r:id="rId4"/>
-              </a:rPr>
-              <a:t>https://</a:t>
-            </a:r>
-            <a:r>
-              <a:rPr lang="en-US" sz="3200" dirty="0" smtClean="0">
-                <a:solidFill>
-                  <a:schemeClr val="tx1"/>
-                </a:solidFill>
-                <a:hlinkClick r:id="rId4"/>
-              </a:rPr>
-              <a:t>stackoverflow.com/questions/1517582/what-is-the-difference-between-statically-typed-and-dynamically-typed-languages</a:t>
-            </a:r>
-            <a:endParaRPr lang="en-US" sz="3200" dirty="0" smtClean="0">
-              <a:solidFill>
-                <a:schemeClr val="tx1"/>
-              </a:solidFill>
-            </a:endParaRPr>
-          </a:p>
-          <a:p>
-            <a:pPr marL="284163" indent="-228600">
-              <a:buFont typeface="Arial" panose="020B0604020202020204" pitchFamily="34" charset="0"/>
-              <a:buChar char="•"/>
-            </a:pPr>
-            <a:r>
-              <a:rPr lang="en-US" sz="3200" dirty="0">
-                <a:solidFill>
-                  <a:schemeClr val="tx1"/>
-                </a:solidFill>
-                <a:hlinkClick r:id="rId5"/>
-              </a:rPr>
-              <a:t>https://www.xenonstack.com/blog/overview-kotlin-comparison-kotlin-java/</a:t>
-            </a:r>
-            <a:endParaRPr lang="en-US" sz="3200" dirty="0" smtClean="0">
-              <a:solidFill>
-                <a:schemeClr val="tx1"/>
-              </a:solidFill>
-            </a:endParaRPr>
-          </a:p>
-          <a:p>
-            <a:pPr marL="284163" indent="-228600">
-              <a:buFont typeface="Arial" panose="020B0604020202020204" pitchFamily="34" charset="0"/>
-              <a:buChar char="•"/>
-            </a:pPr>
-            <a:endParaRPr lang="en-US" sz="3200" dirty="0" smtClean="0">
+              <a:rPr lang="en-US" sz="3600" dirty="0" smtClean="0">
+                <a:solidFill>
+                  <a:schemeClr val="tx1"/>
+                </a:solidFill>
+              </a:rPr>
+              <a:t>A </a:t>
+            </a:r>
+            <a:r>
+              <a:rPr lang="en-US" sz="3600" dirty="0">
+                <a:solidFill>
+                  <a:schemeClr val="tx1"/>
+                </a:solidFill>
+              </a:rPr>
+              <a:t>template expression starts with a dollar sign </a:t>
+            </a:r>
+            <a:r>
+              <a:rPr lang="en-US" sz="3600" dirty="0" smtClean="0">
+                <a:solidFill>
+                  <a:schemeClr val="tx1"/>
+                </a:solidFill>
+              </a:rPr>
+              <a:t>($).</a:t>
+            </a:r>
+            <a:endParaRPr lang="en-US" sz="3600" dirty="0">
               <a:solidFill>
                 <a:schemeClr val="tx1"/>
               </a:solidFill>
@@ -11861,7 +12867,7 @@
           <p:nvPr/>
         </p:nvPicPr>
         <p:blipFill>
-          <a:blip r:embed="rId6" cstate="print">
+          <a:blip r:embed="rId3" cstate="print">
             <a:extLst>
               <a:ext uri="{28A0092B-C50C-407E-A947-70E740481C1C}">
                 <a14:useLocalDpi xmlns:a14="http://schemas.microsoft.com/office/drawing/2010/main" val="0"/>
@@ -11882,10 +12888,391 @@
           </a:prstGeom>
         </p:spPr>
       </p:pic>
+      <p:sp>
+        <p:nvSpPr>
+          <p:cNvPr id="4" name="Rectangle 1"/>
+          <p:cNvSpPr>
+            <a:spLocks noChangeArrowheads="1"/>
+          </p:cNvSpPr>
+          <p:nvPr/>
+        </p:nvSpPr>
+        <p:spPr bwMode="auto">
+          <a:xfrm>
+            <a:off x="540633" y="3394099"/>
+            <a:ext cx="11110734" cy="1323439"/>
+          </a:xfrm>
+          <a:prstGeom prst="rect">
+            <a:avLst/>
+          </a:prstGeom>
+          <a:solidFill>
+            <a:srgbClr val="2B2B2B"/>
+          </a:solidFill>
+          <a:ln>
+            <a:noFill/>
+          </a:ln>
+          <a:effectLst/>
+          <a:extLst>
+            <a:ext uri="{91240B29-F687-4F45-9708-019B960494DF}">
+              <a14:hiddenLine xmlns:a14="http://schemas.microsoft.com/office/drawing/2010/main" w="9525">
+                <a:solidFill>
+                  <a:schemeClr val="tx1"/>
+                </a:solidFill>
+                <a:miter lim="800000"/>
+                <a:headEnd/>
+                <a:tailEnd/>
+              </a14:hiddenLine>
+            </a:ext>
+            <a:ext uri="{AF507438-7753-43E0-B8FC-AC1667EBCBE1}">
+              <a14:hiddenEffects xmlns:a14="http://schemas.microsoft.com/office/drawing/2010/main">
+                <a:effectLst>
+                  <a:outerShdw dist="35921" dir="2700000" algn="ctr" rotWithShape="0">
+                    <a:schemeClr val="bg2"/>
+                  </a:outerShdw>
+                </a:effectLst>
+              </a14:hiddenEffects>
+            </a:ext>
+          </a:extLst>
+        </p:spPr>
+        <p:txBody>
+          <a:bodyPr vert="horz" wrap="none" lIns="91440" tIns="45720" rIns="91440" bIns="45720" numCol="1" anchor="ctr" anchorCtr="0" compatLnSpc="1">
+            <a:prstTxWarp prst="textNoShape">
+              <a:avLst/>
+            </a:prstTxWarp>
+            <a:spAutoFit/>
+          </a:bodyPr>
+          <a:lstStyle/>
+          <a:p>
+            <a:pPr marL="0" marR="0" lvl="0" indent="0" algn="l" defTabSz="914400" rtl="0" eaLnBrk="0" fontAlgn="base" latinLnBrk="0" hangingPunct="0">
+              <a:lnSpc>
+                <a:spcPct val="100000"/>
+              </a:lnSpc>
+              <a:spcBef>
+                <a:spcPct val="0"/>
+              </a:spcBef>
+              <a:spcAft>
+                <a:spcPct val="0"/>
+              </a:spcAft>
+              <a:buClrTx/>
+              <a:buSzTx/>
+              <a:buFontTx/>
+              <a:buNone/>
+              <a:tabLst/>
+            </a:pPr>
+            <a:endParaRPr kumimoji="0" lang="en-US" altLang="en-US" sz="2000" b="0" i="0" u="none" strike="noStrike" cap="none" normalizeH="0" baseline="0" dirty="0" smtClean="0">
+              <a:ln>
+                <a:noFill/>
+              </a:ln>
+              <a:solidFill>
+                <a:srgbClr val="CC7832"/>
+              </a:solidFill>
+              <a:effectLst/>
+              <a:latin typeface="Courier New" panose="02070309020205020404" pitchFamily="49" charset="0"/>
+              <a:cs typeface="Courier New" panose="02070309020205020404" pitchFamily="49" charset="0"/>
+            </a:endParaRPr>
+          </a:p>
+          <a:p>
+            <a:pPr marL="0" marR="0" lvl="0" indent="0" algn="l" defTabSz="914400" rtl="0" eaLnBrk="0" fontAlgn="base" latinLnBrk="0" hangingPunct="0">
+              <a:lnSpc>
+                <a:spcPct val="100000"/>
+              </a:lnSpc>
+              <a:spcBef>
+                <a:spcPct val="0"/>
+              </a:spcBef>
+              <a:spcAft>
+                <a:spcPct val="0"/>
+              </a:spcAft>
+              <a:buClrTx/>
+              <a:buSzTx/>
+              <a:buFontTx/>
+              <a:buNone/>
+              <a:tabLst/>
+            </a:pPr>
+            <a:r>
+              <a:rPr kumimoji="0" lang="en-US" altLang="en-US" sz="2000" b="0" i="0" u="none" strike="noStrike" cap="none" normalizeH="0" baseline="0" dirty="0" smtClean="0">
+                <a:ln>
+                  <a:noFill/>
+                </a:ln>
+                <a:solidFill>
+                  <a:srgbClr val="CC7832"/>
+                </a:solidFill>
+                <a:effectLst/>
+                <a:latin typeface="Courier New" panose="02070309020205020404" pitchFamily="49" charset="0"/>
+                <a:cs typeface="Courier New" panose="02070309020205020404" pitchFamily="49" charset="0"/>
+              </a:rPr>
+              <a:t>val </a:t>
+            </a:r>
+            <a:r>
+              <a:rPr kumimoji="0" lang="en-US" altLang="en-US" sz="2000" b="0" i="1" u="none" strike="noStrike" cap="none" normalizeH="0" baseline="0" dirty="0" err="1" smtClean="0">
+                <a:ln>
+                  <a:noFill/>
+                </a:ln>
+                <a:solidFill>
+                  <a:srgbClr val="9876AA"/>
+                </a:solidFill>
+                <a:effectLst/>
+                <a:latin typeface="Courier New" panose="02070309020205020404" pitchFamily="49" charset="0"/>
+                <a:cs typeface="Courier New" panose="02070309020205020404" pitchFamily="49" charset="0"/>
+              </a:rPr>
+              <a:t>fooTemplateString</a:t>
+            </a:r>
+            <a:r>
+              <a:rPr kumimoji="0" lang="en-US" altLang="en-US" sz="2000" b="0" i="1" u="none" strike="noStrike" cap="none" normalizeH="0" baseline="0" dirty="0" smtClean="0">
+                <a:ln>
+                  <a:noFill/>
+                </a:ln>
+                <a:solidFill>
+                  <a:srgbClr val="9876AA"/>
+                </a:solidFill>
+                <a:effectLst/>
+                <a:latin typeface="Courier New" panose="02070309020205020404" pitchFamily="49" charset="0"/>
+                <a:cs typeface="Courier New" panose="02070309020205020404" pitchFamily="49" charset="0"/>
+              </a:rPr>
+              <a:t> </a:t>
+            </a:r>
+            <a:r>
+              <a:rPr kumimoji="0" lang="en-US" altLang="en-US" sz="2000" b="0" i="0" u="none" strike="noStrike" cap="none" normalizeH="0" baseline="0" dirty="0" smtClean="0">
+                <a:ln>
+                  <a:noFill/>
+                </a:ln>
+                <a:solidFill>
+                  <a:srgbClr val="A9B7C6"/>
+                </a:solidFill>
+                <a:effectLst/>
+                <a:latin typeface="Courier New" panose="02070309020205020404" pitchFamily="49" charset="0"/>
+                <a:cs typeface="Courier New" panose="02070309020205020404" pitchFamily="49" charset="0"/>
+              </a:rPr>
+              <a:t>= </a:t>
+            </a:r>
+            <a:r>
+              <a:rPr kumimoji="0" lang="en-US" altLang="en-US" sz="2000" b="0" i="0" u="none" strike="noStrike" cap="none" normalizeH="0" baseline="0" dirty="0" smtClean="0">
+                <a:ln>
+                  <a:noFill/>
+                </a:ln>
+                <a:solidFill>
+                  <a:srgbClr val="6A8759"/>
+                </a:solidFill>
+                <a:effectLst/>
+                <a:latin typeface="Courier New" panose="02070309020205020404" pitchFamily="49" charset="0"/>
+                <a:cs typeface="Courier New" panose="02070309020205020404" pitchFamily="49" charset="0"/>
+              </a:rPr>
+              <a:t>"</a:t>
+            </a:r>
+            <a:r>
+              <a:rPr kumimoji="0" lang="en-US" altLang="en-US" sz="2000" b="0" i="0" u="none" strike="noStrike" cap="none" normalizeH="0" baseline="0" dirty="0" smtClean="0">
+                <a:ln>
+                  <a:noFill/>
+                </a:ln>
+                <a:solidFill>
+                  <a:srgbClr val="CC7832"/>
+                </a:solidFill>
+                <a:effectLst/>
+                <a:latin typeface="Courier New" panose="02070309020205020404" pitchFamily="49" charset="0"/>
+                <a:cs typeface="Courier New" panose="02070309020205020404" pitchFamily="49" charset="0"/>
+              </a:rPr>
+              <a:t>$</a:t>
+            </a:r>
+            <a:r>
+              <a:rPr kumimoji="0" lang="en-US" altLang="en-US" sz="2000" b="0" i="0" u="none" strike="noStrike" cap="none" normalizeH="0" baseline="0" dirty="0" err="1" smtClean="0">
+                <a:ln>
+                  <a:noFill/>
+                </a:ln>
+                <a:solidFill>
+                  <a:srgbClr val="A9B7C6"/>
+                </a:solidFill>
+                <a:effectLst/>
+                <a:latin typeface="Courier New" panose="02070309020205020404" pitchFamily="49" charset="0"/>
+                <a:cs typeface="Courier New" panose="02070309020205020404" pitchFamily="49" charset="0"/>
+              </a:rPr>
+              <a:t>fooString</a:t>
+            </a:r>
+            <a:r>
+              <a:rPr kumimoji="0" lang="en-US" altLang="en-US" sz="2000" b="0" i="0" u="none" strike="noStrike" cap="none" normalizeH="0" baseline="0" dirty="0" smtClean="0">
+                <a:ln>
+                  <a:noFill/>
+                </a:ln>
+                <a:solidFill>
+                  <a:srgbClr val="6A8759"/>
+                </a:solidFill>
+                <a:effectLst/>
+                <a:latin typeface="Courier New" panose="02070309020205020404" pitchFamily="49" charset="0"/>
+                <a:cs typeface="Courier New" panose="02070309020205020404" pitchFamily="49" charset="0"/>
+              </a:rPr>
+              <a:t> has </a:t>
+            </a:r>
+            <a:r>
+              <a:rPr kumimoji="0" lang="en-US" altLang="en-US" sz="2000" b="0" i="0" u="none" strike="noStrike" cap="none" normalizeH="0" baseline="0" dirty="0" smtClean="0">
+                <a:ln>
+                  <a:noFill/>
+                </a:ln>
+                <a:solidFill>
+                  <a:srgbClr val="CC7832"/>
+                </a:solidFill>
+                <a:effectLst/>
+                <a:latin typeface="Courier New" panose="02070309020205020404" pitchFamily="49" charset="0"/>
+                <a:cs typeface="Courier New" panose="02070309020205020404" pitchFamily="49" charset="0"/>
+              </a:rPr>
+              <a:t>${</a:t>
+            </a:r>
+            <a:r>
+              <a:rPr kumimoji="0" lang="en-US" altLang="en-US" sz="2000" b="0" i="0" u="none" strike="noStrike" cap="none" normalizeH="0" baseline="0" dirty="0" err="1" smtClean="0">
+                <a:ln>
+                  <a:noFill/>
+                </a:ln>
+                <a:solidFill>
+                  <a:srgbClr val="A9B7C6"/>
+                </a:solidFill>
+                <a:effectLst/>
+                <a:latin typeface="Courier New" panose="02070309020205020404" pitchFamily="49" charset="0"/>
+                <a:cs typeface="Courier New" panose="02070309020205020404" pitchFamily="49" charset="0"/>
+              </a:rPr>
+              <a:t>fooString.</a:t>
+            </a:r>
+            <a:r>
+              <a:rPr kumimoji="0" lang="en-US" altLang="en-US" sz="2000" b="0" i="1" u="none" strike="noStrike" cap="none" normalizeH="0" baseline="0" dirty="0" err="1" smtClean="0">
+                <a:ln>
+                  <a:noFill/>
+                </a:ln>
+                <a:solidFill>
+                  <a:srgbClr val="9876AA"/>
+                </a:solidFill>
+                <a:effectLst/>
+                <a:latin typeface="Courier New" panose="02070309020205020404" pitchFamily="49" charset="0"/>
+                <a:cs typeface="Courier New" panose="02070309020205020404" pitchFamily="49" charset="0"/>
+              </a:rPr>
+              <a:t>length</a:t>
+            </a:r>
+            <a:r>
+              <a:rPr kumimoji="0" lang="en-US" altLang="en-US" sz="2000" b="0" i="0" u="none" strike="noStrike" cap="none" normalizeH="0" baseline="0" dirty="0" smtClean="0">
+                <a:ln>
+                  <a:noFill/>
+                </a:ln>
+                <a:solidFill>
+                  <a:srgbClr val="CC7832"/>
+                </a:solidFill>
+                <a:effectLst/>
+                <a:latin typeface="Courier New" panose="02070309020205020404" pitchFamily="49" charset="0"/>
+                <a:cs typeface="Courier New" panose="02070309020205020404" pitchFamily="49" charset="0"/>
+              </a:rPr>
+              <a:t>}</a:t>
+            </a:r>
+            <a:r>
+              <a:rPr kumimoji="0" lang="en-US" altLang="en-US" sz="2000" b="0" i="0" u="none" strike="noStrike" cap="none" normalizeH="0" baseline="0" dirty="0" smtClean="0">
+                <a:ln>
+                  <a:noFill/>
+                </a:ln>
+                <a:solidFill>
+                  <a:srgbClr val="6A8759"/>
+                </a:solidFill>
+                <a:effectLst/>
+                <a:latin typeface="Courier New" panose="02070309020205020404" pitchFamily="49" charset="0"/>
+                <a:cs typeface="Courier New" panose="02070309020205020404" pitchFamily="49" charset="0"/>
+              </a:rPr>
+              <a:t> characters"</a:t>
+            </a:r>
+            <a:br>
+              <a:rPr kumimoji="0" lang="en-US" altLang="en-US" sz="2000" b="0" i="0" u="none" strike="noStrike" cap="none" normalizeH="0" baseline="0" dirty="0" smtClean="0">
+                <a:ln>
+                  <a:noFill/>
+                </a:ln>
+                <a:solidFill>
+                  <a:srgbClr val="6A8759"/>
+                </a:solidFill>
+                <a:effectLst/>
+                <a:latin typeface="Courier New" panose="02070309020205020404" pitchFamily="49" charset="0"/>
+                <a:cs typeface="Courier New" panose="02070309020205020404" pitchFamily="49" charset="0"/>
+              </a:rPr>
+            </a:br>
+            <a:r>
+              <a:rPr kumimoji="0" lang="en-US" altLang="en-US" sz="2000" b="0" i="0" u="none" strike="noStrike" cap="none" normalizeH="0" baseline="0" dirty="0" smtClean="0">
+                <a:ln>
+                  <a:noFill/>
+                </a:ln>
+                <a:solidFill>
+                  <a:srgbClr val="A9B7C6"/>
+                </a:solidFill>
+                <a:effectLst/>
+                <a:latin typeface="Courier New" panose="02070309020205020404" pitchFamily="49" charset="0"/>
+                <a:cs typeface="Courier New" panose="02070309020205020404" pitchFamily="49" charset="0"/>
+              </a:rPr>
+              <a:t>println(</a:t>
+            </a:r>
+            <a:r>
+              <a:rPr kumimoji="0" lang="en-US" altLang="en-US" sz="2000" b="0" i="0" u="none" strike="noStrike" cap="none" normalizeH="0" baseline="0" dirty="0" err="1" smtClean="0">
+                <a:ln>
+                  <a:noFill/>
+                </a:ln>
+                <a:solidFill>
+                  <a:srgbClr val="A9B7C6"/>
+                </a:solidFill>
+                <a:effectLst/>
+                <a:latin typeface="Courier New" panose="02070309020205020404" pitchFamily="49" charset="0"/>
+                <a:cs typeface="Courier New" panose="02070309020205020404" pitchFamily="49" charset="0"/>
+              </a:rPr>
+              <a:t>fooTemplateString</a:t>
+            </a:r>
+            <a:r>
+              <a:rPr kumimoji="0" lang="en-US" altLang="en-US" sz="2000" b="0" i="0" u="none" strike="noStrike" cap="none" normalizeH="0" baseline="0" dirty="0" smtClean="0">
+                <a:ln>
+                  <a:noFill/>
+                </a:ln>
+                <a:solidFill>
+                  <a:srgbClr val="A9B7C6"/>
+                </a:solidFill>
+                <a:effectLst/>
+                <a:latin typeface="Courier New" panose="02070309020205020404" pitchFamily="49" charset="0"/>
+                <a:cs typeface="Courier New" panose="02070309020205020404" pitchFamily="49" charset="0"/>
+              </a:rPr>
+              <a:t>) </a:t>
+            </a:r>
+            <a:r>
+              <a:rPr kumimoji="0" lang="en-US" altLang="en-US" sz="2000" b="0" i="0" u="none" strike="noStrike" cap="none" normalizeH="0" baseline="0" dirty="0" smtClean="0">
+                <a:ln>
+                  <a:noFill/>
+                </a:ln>
+                <a:solidFill>
+                  <a:srgbClr val="808080"/>
+                </a:solidFill>
+                <a:effectLst/>
+                <a:latin typeface="Courier New" panose="02070309020205020404" pitchFamily="49" charset="0"/>
+                <a:cs typeface="Courier New" panose="02070309020205020404" pitchFamily="49" charset="0"/>
+              </a:rPr>
+              <a:t>// =&gt; My String Is Here! has 18 characters</a:t>
+            </a:r>
+          </a:p>
+          <a:p>
+            <a:pPr marL="0" marR="0" lvl="0" indent="0" algn="l" defTabSz="914400" rtl="0" eaLnBrk="0" fontAlgn="base" latinLnBrk="0" hangingPunct="0">
+              <a:lnSpc>
+                <a:spcPct val="100000"/>
+              </a:lnSpc>
+              <a:spcBef>
+                <a:spcPct val="0"/>
+              </a:spcBef>
+              <a:spcAft>
+                <a:spcPct val="0"/>
+              </a:spcAft>
+              <a:buClrTx/>
+              <a:buSzTx/>
+              <a:buFontTx/>
+              <a:buNone/>
+              <a:tabLst/>
+            </a:pPr>
+            <a:endParaRPr kumimoji="0" lang="en-US" altLang="en-US" sz="2000" b="0" i="0" u="none" strike="noStrike" cap="none" normalizeH="0" baseline="0" dirty="0" smtClean="0">
+              <a:ln>
+                <a:noFill/>
+              </a:ln>
+              <a:solidFill>
+                <a:schemeClr val="tx1"/>
+              </a:solidFill>
+              <a:effectLst/>
+              <a:latin typeface="Arial" panose="020B0604020202020204" pitchFamily="34" charset="0"/>
+            </a:endParaRPr>
+          </a:p>
+        </p:txBody>
+      </p:sp>
     </p:spTree>
     <p:extLst>
       <p:ext uri="{BB962C8B-B14F-4D97-AF65-F5344CB8AC3E}">
-        <p14:creationId xmlns:p14="http://schemas.microsoft.com/office/powerpoint/2010/main" val="2012409598"/>
+        <p14:creationId xmlns:p14="http://schemas.microsoft.com/office/powerpoint/2010/main" val="3816941627"/>
       </p:ext>
     </p:extLst>
   </p:cSld>
@@ -11934,22 +13321,95 @@
           <a:bodyPr/>
           <a:lstStyle/>
           <a:p>
-            <a:endParaRPr lang="en-US" dirty="0"/>
+            <a:r>
+              <a:rPr lang="en-US" b="1" dirty="0"/>
+              <a:t>Hello world</a:t>
+            </a:r>
+          </a:p>
+        </p:txBody>
+      </p:sp>
+      <p:sp>
+        <p:nvSpPr>
+          <p:cNvPr id="3" name="Content Placeholder 2"/>
+          <p:cNvSpPr>
+            <a:spLocks noGrp="1"/>
+          </p:cNvSpPr>
+          <p:nvPr>
+            <p:ph idx="1"/>
+          </p:nvPr>
+        </p:nvSpPr>
+        <p:spPr>
+          <a:xfrm>
+            <a:off x="676656" y="2011680"/>
+            <a:ext cx="10753725" cy="4507992"/>
+          </a:xfrm>
+        </p:spPr>
+        <p:txBody>
+          <a:bodyPr>
+            <a:noAutofit/>
+          </a:bodyPr>
+          <a:lstStyle/>
+          <a:p>
+            <a:pPr marL="284163" indent="-228600">
+              <a:buFont typeface="Arial" panose="020B0604020202020204" pitchFamily="34" charset="0"/>
+              <a:buChar char="•"/>
+            </a:pPr>
+            <a:r>
+              <a:rPr lang="en-US" sz="3600" dirty="0">
+                <a:solidFill>
+                  <a:schemeClr val="tx1"/>
+                </a:solidFill>
+              </a:rPr>
+              <a:t>A raw string is delimited by a triple quote </a:t>
+            </a:r>
+            <a:r>
+              <a:rPr lang="en-US" sz="3600" dirty="0" smtClean="0">
+                <a:solidFill>
+                  <a:schemeClr val="tx1"/>
+                </a:solidFill>
+              </a:rPr>
+              <a:t>(""").</a:t>
+            </a:r>
+          </a:p>
+          <a:p>
+            <a:pPr marL="284163" indent="-228600">
+              <a:buFont typeface="Arial" panose="020B0604020202020204" pitchFamily="34" charset="0"/>
+              <a:buChar char="•"/>
+            </a:pPr>
+            <a:r>
+              <a:rPr lang="en-US" sz="3600" dirty="0" smtClean="0">
+                <a:solidFill>
+                  <a:schemeClr val="tx1"/>
+                </a:solidFill>
+              </a:rPr>
+              <a:t>Raw </a:t>
+            </a:r>
+            <a:r>
+              <a:rPr lang="en-US" sz="3600" dirty="0">
+                <a:solidFill>
+                  <a:schemeClr val="tx1"/>
+                </a:solidFill>
+              </a:rPr>
+              <a:t>strings can contain newlines and any other characters.</a:t>
+            </a:r>
+            <a:endParaRPr lang="en-US" sz="3600" dirty="0">
+              <a:solidFill>
+                <a:schemeClr val="tx1"/>
+              </a:solidFill>
+            </a:endParaRPr>
           </a:p>
         </p:txBody>
       </p:sp>
       <p:pic>
         <p:nvPicPr>
-          <p:cNvPr id="5" name="Content Placeholder 4"/>
+          <p:cNvPr id="6" name="Picture 5"/>
           <p:cNvPicPr>
-            <a:picLocks noGrp="1" noChangeAspect="1"/>
+            <a:picLocks noChangeAspect="1"/>
           </p:cNvPicPr>
-          <p:nvPr>
-            <p:ph idx="1"/>
-          </p:nvPr>
+          <p:nvPr/>
         </p:nvPicPr>
         <p:blipFill>
-          <a:blip r:embed="rId2" cstate="print">
+          <a:blip r:embed="rId3" cstate="print">
             <a:extLst>
               <a:ext uri="{28A0092B-C50C-407E-A947-70E740481C1C}">
                 <a14:useLocalDpi xmlns:a14="http://schemas.microsoft.com/office/drawing/2010/main" val="0"/>
@@ -11962,15 +13422,3485 @@
         </p:blipFill>
         <p:spPr>
           <a:xfrm>
-            <a:off x="-1" y="0"/>
-            <a:ext cx="12192001" cy="6858000"/>
+            <a:off x="10427110" y="0"/>
+            <a:ext cx="1764890" cy="1764890"/>
           </a:xfrm>
+          <a:prstGeom prst="rect">
+            <a:avLst/>
+          </a:prstGeom>
+        </p:spPr>
+      </p:pic>
+      <p:sp>
+        <p:nvSpPr>
+          <p:cNvPr id="7" name="Rectangle 2"/>
+          <p:cNvSpPr>
+            <a:spLocks noChangeArrowheads="1"/>
+          </p:cNvSpPr>
+          <p:nvPr/>
+        </p:nvSpPr>
+        <p:spPr bwMode="auto">
+          <a:xfrm>
+            <a:off x="2777624" y="3865380"/>
+            <a:ext cx="6636753" cy="2308324"/>
+          </a:xfrm>
+          <a:prstGeom prst="rect">
+            <a:avLst/>
+          </a:prstGeom>
+          <a:solidFill>
+            <a:srgbClr val="2B2B2B"/>
+          </a:solidFill>
+          <a:ln>
+            <a:noFill/>
+          </a:ln>
+          <a:effectLst/>
+          <a:extLst>
+            <a:ext uri="{91240B29-F687-4F45-9708-019B960494DF}">
+              <a14:hiddenLine xmlns:a14="http://schemas.microsoft.com/office/drawing/2010/main" w="9525">
+                <a:solidFill>
+                  <a:schemeClr val="tx1"/>
+                </a:solidFill>
+                <a:miter lim="800000"/>
+                <a:headEnd/>
+                <a:tailEnd/>
+              </a14:hiddenLine>
+            </a:ext>
+            <a:ext uri="{AF507438-7753-43E0-B8FC-AC1667EBCBE1}">
+              <a14:hiddenEffects xmlns:a14="http://schemas.microsoft.com/office/drawing/2010/main">
+                <a:effectLst>
+                  <a:outerShdw dist="35921" dir="2700000" algn="ctr" rotWithShape="0">
+                    <a:schemeClr val="bg2"/>
+                  </a:outerShdw>
+                </a:effectLst>
+              </a14:hiddenEffects>
+            </a:ext>
+          </a:extLst>
+        </p:spPr>
+        <p:txBody>
+          <a:bodyPr vert="horz" wrap="none" lIns="91440" tIns="45720" rIns="91440" bIns="45720" numCol="1" anchor="ctr" anchorCtr="0" compatLnSpc="1">
+            <a:prstTxWarp prst="textNoShape">
+              <a:avLst/>
+            </a:prstTxWarp>
+            <a:spAutoFit/>
+          </a:bodyPr>
+          <a:lstStyle/>
+          <a:p>
+            <a:pPr marL="0" marR="0" lvl="0" indent="0" algn="l" defTabSz="914400" rtl="0" eaLnBrk="0" fontAlgn="base" latinLnBrk="0" hangingPunct="0">
+              <a:lnSpc>
+                <a:spcPct val="100000"/>
+              </a:lnSpc>
+              <a:spcBef>
+                <a:spcPct val="0"/>
+              </a:spcBef>
+              <a:spcAft>
+                <a:spcPct val="0"/>
+              </a:spcAft>
+              <a:buClrTx/>
+              <a:buSzTx/>
+              <a:buFontTx/>
+              <a:buNone/>
+              <a:tabLst/>
+            </a:pPr>
+            <a:r>
+              <a:rPr kumimoji="0" lang="en-US" altLang="en-US" sz="2400" b="0" i="0" u="none" strike="noStrike" cap="none" normalizeH="0" baseline="0" dirty="0" smtClean="0">
+                <a:ln>
+                  <a:noFill/>
+                </a:ln>
+                <a:solidFill>
+                  <a:srgbClr val="CC7832"/>
+                </a:solidFill>
+                <a:effectLst/>
+                <a:latin typeface="Courier New" panose="02070309020205020404" pitchFamily="49" charset="0"/>
+                <a:cs typeface="Courier New" panose="02070309020205020404" pitchFamily="49" charset="0"/>
+              </a:rPr>
+              <a:t>val </a:t>
+            </a:r>
+            <a:r>
+              <a:rPr kumimoji="0" lang="en-US" altLang="en-US" sz="2400" b="0" i="1" u="none" strike="noStrike" cap="none" normalizeH="0" baseline="0" dirty="0" err="1" smtClean="0">
+                <a:ln>
+                  <a:noFill/>
+                </a:ln>
+                <a:solidFill>
+                  <a:srgbClr val="9876AA"/>
+                </a:solidFill>
+                <a:effectLst/>
+                <a:latin typeface="Courier New" panose="02070309020205020404" pitchFamily="49" charset="0"/>
+                <a:cs typeface="Courier New" panose="02070309020205020404" pitchFamily="49" charset="0"/>
+              </a:rPr>
+              <a:t>fooRawString</a:t>
+            </a:r>
+            <a:r>
+              <a:rPr kumimoji="0" lang="en-US" altLang="en-US" sz="2400" b="0" i="1" u="none" strike="noStrike" cap="none" normalizeH="0" baseline="0" dirty="0" smtClean="0">
+                <a:ln>
+                  <a:noFill/>
+                </a:ln>
+                <a:solidFill>
+                  <a:srgbClr val="9876AA"/>
+                </a:solidFill>
+                <a:effectLst/>
+                <a:latin typeface="Courier New" panose="02070309020205020404" pitchFamily="49" charset="0"/>
+                <a:cs typeface="Courier New" panose="02070309020205020404" pitchFamily="49" charset="0"/>
+              </a:rPr>
+              <a:t> </a:t>
+            </a:r>
+            <a:r>
+              <a:rPr kumimoji="0" lang="en-US" altLang="en-US" sz="2400" b="0" i="0" u="none" strike="noStrike" cap="none" normalizeH="0" baseline="0" dirty="0" smtClean="0">
+                <a:ln>
+                  <a:noFill/>
+                </a:ln>
+                <a:solidFill>
+                  <a:srgbClr val="A9B7C6"/>
+                </a:solidFill>
+                <a:effectLst/>
+                <a:latin typeface="Courier New" panose="02070309020205020404" pitchFamily="49" charset="0"/>
+                <a:cs typeface="Courier New" panose="02070309020205020404" pitchFamily="49" charset="0"/>
+              </a:rPr>
+              <a:t>= </a:t>
+            </a:r>
+            <a:r>
+              <a:rPr kumimoji="0" lang="en-US" altLang="en-US" sz="2400" b="0" i="0" u="none" strike="noStrike" cap="none" normalizeH="0" baseline="0" dirty="0" smtClean="0">
+                <a:ln>
+                  <a:noFill/>
+                </a:ln>
+                <a:solidFill>
+                  <a:srgbClr val="6A8759"/>
+                </a:solidFill>
+                <a:effectLst/>
+                <a:latin typeface="Courier New" panose="02070309020205020404" pitchFamily="49" charset="0"/>
+                <a:cs typeface="Courier New" panose="02070309020205020404" pitchFamily="49" charset="0"/>
+              </a:rPr>
+              <a:t>"""</a:t>
+            </a:r>
+            <a:br>
+              <a:rPr kumimoji="0" lang="en-US" altLang="en-US" sz="2400" b="0" i="0" u="none" strike="noStrike" cap="none" normalizeH="0" baseline="0" dirty="0" smtClean="0">
+                <a:ln>
+                  <a:noFill/>
+                </a:ln>
+                <a:solidFill>
+                  <a:srgbClr val="6A8759"/>
+                </a:solidFill>
+                <a:effectLst/>
+                <a:latin typeface="Courier New" panose="02070309020205020404" pitchFamily="49" charset="0"/>
+                <a:cs typeface="Courier New" panose="02070309020205020404" pitchFamily="49" charset="0"/>
+              </a:rPr>
+            </a:br>
+            <a:r>
+              <a:rPr kumimoji="0" lang="en-US" altLang="en-US" sz="2400" b="0" i="0" u="none" strike="noStrike" cap="none" normalizeH="0" baseline="0" dirty="0" smtClean="0">
+                <a:ln>
+                  <a:noFill/>
+                </a:ln>
+                <a:solidFill>
+                  <a:srgbClr val="6A8759"/>
+                </a:solidFill>
+                <a:effectLst/>
+                <a:latin typeface="Courier New" panose="02070309020205020404" pitchFamily="49" charset="0"/>
+                <a:cs typeface="Courier New" panose="02070309020205020404" pitchFamily="49" charset="0"/>
+              </a:rPr>
+              <a:t>fun </a:t>
+            </a:r>
+            <a:r>
+              <a:rPr kumimoji="0" lang="en-US" altLang="en-US" sz="2400" b="0" i="0" u="none" strike="noStrike" cap="none" normalizeH="0" baseline="0" dirty="0" err="1" smtClean="0">
+                <a:ln>
+                  <a:noFill/>
+                </a:ln>
+                <a:solidFill>
+                  <a:srgbClr val="6A8759"/>
+                </a:solidFill>
+                <a:effectLst/>
+                <a:latin typeface="Courier New" panose="02070309020205020404" pitchFamily="49" charset="0"/>
+                <a:cs typeface="Courier New" panose="02070309020205020404" pitchFamily="49" charset="0"/>
+              </a:rPr>
+              <a:t>helloWorld</a:t>
+            </a:r>
+            <a:r>
+              <a:rPr kumimoji="0" lang="en-US" altLang="en-US" sz="2400" b="0" i="0" u="none" strike="noStrike" cap="none" normalizeH="0" baseline="0" dirty="0" smtClean="0">
+                <a:ln>
+                  <a:noFill/>
+                </a:ln>
+                <a:solidFill>
+                  <a:srgbClr val="6A8759"/>
+                </a:solidFill>
+                <a:effectLst/>
+                <a:latin typeface="Courier New" panose="02070309020205020404" pitchFamily="49" charset="0"/>
+                <a:cs typeface="Courier New" panose="02070309020205020404" pitchFamily="49" charset="0"/>
+              </a:rPr>
+              <a:t>(val name : String) {</a:t>
+            </a:r>
+            <a:br>
+              <a:rPr kumimoji="0" lang="en-US" altLang="en-US" sz="2400" b="0" i="0" u="none" strike="noStrike" cap="none" normalizeH="0" baseline="0" dirty="0" smtClean="0">
+                <a:ln>
+                  <a:noFill/>
+                </a:ln>
+                <a:solidFill>
+                  <a:srgbClr val="6A8759"/>
+                </a:solidFill>
+                <a:effectLst/>
+                <a:latin typeface="Courier New" panose="02070309020205020404" pitchFamily="49" charset="0"/>
+                <a:cs typeface="Courier New" panose="02070309020205020404" pitchFamily="49" charset="0"/>
+              </a:rPr>
+            </a:br>
+            <a:r>
+              <a:rPr kumimoji="0" lang="en-US" altLang="en-US" sz="2400" b="0" i="0" u="none" strike="noStrike" cap="none" normalizeH="0" baseline="0" dirty="0" smtClean="0">
+                <a:ln>
+                  <a:noFill/>
+                </a:ln>
+                <a:solidFill>
+                  <a:srgbClr val="6A8759"/>
+                </a:solidFill>
+                <a:effectLst/>
+                <a:latin typeface="Courier New" panose="02070309020205020404" pitchFamily="49" charset="0"/>
+                <a:cs typeface="Courier New" panose="02070309020205020404" pitchFamily="49" charset="0"/>
+              </a:rPr>
+              <a:t>   println("Hello, world!")</a:t>
+            </a:r>
+            <a:br>
+              <a:rPr kumimoji="0" lang="en-US" altLang="en-US" sz="2400" b="0" i="0" u="none" strike="noStrike" cap="none" normalizeH="0" baseline="0" dirty="0" smtClean="0">
+                <a:ln>
+                  <a:noFill/>
+                </a:ln>
+                <a:solidFill>
+                  <a:srgbClr val="6A8759"/>
+                </a:solidFill>
+                <a:effectLst/>
+                <a:latin typeface="Courier New" panose="02070309020205020404" pitchFamily="49" charset="0"/>
+                <a:cs typeface="Courier New" panose="02070309020205020404" pitchFamily="49" charset="0"/>
+              </a:rPr>
+            </a:br>
+            <a:r>
+              <a:rPr kumimoji="0" lang="en-US" altLang="en-US" sz="2400" b="0" i="0" u="none" strike="noStrike" cap="none" normalizeH="0" baseline="0" dirty="0" smtClean="0">
+                <a:ln>
+                  <a:noFill/>
+                </a:ln>
+                <a:solidFill>
+                  <a:srgbClr val="6A8759"/>
+                </a:solidFill>
+                <a:effectLst/>
+                <a:latin typeface="Courier New" panose="02070309020205020404" pitchFamily="49" charset="0"/>
+                <a:cs typeface="Courier New" panose="02070309020205020404" pitchFamily="49" charset="0"/>
+              </a:rPr>
+              <a:t>}</a:t>
+            </a:r>
+            <a:br>
+              <a:rPr kumimoji="0" lang="en-US" altLang="en-US" sz="2400" b="0" i="0" u="none" strike="noStrike" cap="none" normalizeH="0" baseline="0" dirty="0" smtClean="0">
+                <a:ln>
+                  <a:noFill/>
+                </a:ln>
+                <a:solidFill>
+                  <a:srgbClr val="6A8759"/>
+                </a:solidFill>
+                <a:effectLst/>
+                <a:latin typeface="Courier New" panose="02070309020205020404" pitchFamily="49" charset="0"/>
+                <a:cs typeface="Courier New" panose="02070309020205020404" pitchFamily="49" charset="0"/>
+              </a:rPr>
+            </a:br>
+            <a:r>
+              <a:rPr kumimoji="0" lang="en-US" altLang="en-US" sz="2400" b="0" i="0" u="none" strike="noStrike" cap="none" normalizeH="0" baseline="0" dirty="0" smtClean="0">
+                <a:ln>
+                  <a:noFill/>
+                </a:ln>
+                <a:solidFill>
+                  <a:srgbClr val="6A8759"/>
+                </a:solidFill>
+                <a:effectLst/>
+                <a:latin typeface="Courier New" panose="02070309020205020404" pitchFamily="49" charset="0"/>
+                <a:cs typeface="Courier New" panose="02070309020205020404" pitchFamily="49" charset="0"/>
+              </a:rPr>
+              <a:t>"""</a:t>
+            </a:r>
+            <a:br>
+              <a:rPr kumimoji="0" lang="en-US" altLang="en-US" sz="2400" b="0" i="0" u="none" strike="noStrike" cap="none" normalizeH="0" baseline="0" dirty="0" smtClean="0">
+                <a:ln>
+                  <a:noFill/>
+                </a:ln>
+                <a:solidFill>
+                  <a:srgbClr val="6A8759"/>
+                </a:solidFill>
+                <a:effectLst/>
+                <a:latin typeface="Courier New" panose="02070309020205020404" pitchFamily="49" charset="0"/>
+                <a:cs typeface="Courier New" panose="02070309020205020404" pitchFamily="49" charset="0"/>
+              </a:rPr>
+            </a:br>
+            <a:r>
+              <a:rPr kumimoji="0" lang="en-US" altLang="en-US" sz="2400" b="0" i="0" u="none" strike="noStrike" cap="none" normalizeH="0" baseline="0" dirty="0" smtClean="0">
+                <a:ln>
+                  <a:noFill/>
+                </a:ln>
+                <a:solidFill>
+                  <a:srgbClr val="A9B7C6"/>
+                </a:solidFill>
+                <a:effectLst/>
+                <a:latin typeface="Courier New" panose="02070309020205020404" pitchFamily="49" charset="0"/>
+                <a:cs typeface="Courier New" panose="02070309020205020404" pitchFamily="49" charset="0"/>
+              </a:rPr>
+              <a:t>println(</a:t>
+            </a:r>
+            <a:r>
+              <a:rPr kumimoji="0" lang="en-US" altLang="en-US" sz="2400" b="0" i="0" u="none" strike="noStrike" cap="none" normalizeH="0" baseline="0" dirty="0" err="1" smtClean="0">
+                <a:ln>
+                  <a:noFill/>
+                </a:ln>
+                <a:solidFill>
+                  <a:srgbClr val="A9B7C6"/>
+                </a:solidFill>
+                <a:effectLst/>
+                <a:latin typeface="Courier New" panose="02070309020205020404" pitchFamily="49" charset="0"/>
+                <a:cs typeface="Courier New" panose="02070309020205020404" pitchFamily="49" charset="0"/>
+              </a:rPr>
+              <a:t>fooRawString</a:t>
+            </a:r>
+            <a:r>
+              <a:rPr kumimoji="0" lang="en-US" altLang="en-US" sz="2400" b="0" i="0" u="none" strike="noStrike" cap="none" normalizeH="0" baseline="0" dirty="0" smtClean="0">
+                <a:ln>
+                  <a:noFill/>
+                </a:ln>
+                <a:solidFill>
+                  <a:srgbClr val="A9B7C6"/>
+                </a:solidFill>
+                <a:effectLst/>
+                <a:latin typeface="Courier New" panose="02070309020205020404" pitchFamily="49" charset="0"/>
+                <a:cs typeface="Courier New" panose="02070309020205020404" pitchFamily="49" charset="0"/>
+              </a:rPr>
+              <a:t>)</a:t>
+            </a:r>
+            <a:endParaRPr kumimoji="0" lang="en-US" altLang="en-US" sz="5400" b="0" i="0" u="none" strike="noStrike" cap="none" normalizeH="0" baseline="0" dirty="0" smtClean="0">
+              <a:ln>
+                <a:noFill/>
+              </a:ln>
+              <a:solidFill>
+                <a:schemeClr val="tx1"/>
+              </a:solidFill>
+              <a:effectLst/>
+              <a:latin typeface="Arial" panose="020B0604020202020204" pitchFamily="34" charset="0"/>
+            </a:endParaRPr>
+          </a:p>
+        </p:txBody>
+      </p:sp>
+    </p:spTree>
+    <p:extLst>
+      <p:ext uri="{BB962C8B-B14F-4D97-AF65-F5344CB8AC3E}">
+        <p14:creationId xmlns:p14="http://schemas.microsoft.com/office/powerpoint/2010/main" val="2706780409"/>
+      </p:ext>
+    </p:extLst>
+  </p:cSld>
+  <p:clrMapOvr>
+    <a:masterClrMapping/>
+  </p:clrMapOvr>
+  <p:timing>
+    <p:tnLst>
+      <p:par>
+        <p:cTn id="1" dur="indefinite" restart="never" nodeType="tmRoot"/>
+      </p:par>
+    </p:tnLst>
+  </p:timing>
+</p:sld>
+</file>
+
+<file path=ppt/slides/slide25.xml><?xml version="1.0" encoding="utf-8"?>
+<p:sld xmlns:a="http://schemas.openxmlformats.org/drawingml/2006/main" xmlns:r="http://schemas.openxmlformats.org/officeDocument/2006/relationships" xmlns:p="http://schemas.openxmlformats.org/presentationml/2006/main">
+  <p:cSld>
+    <p:spTree>
+      <p:nvGrpSpPr>
+        <p:cNvPr id="1" name=""/>
+        <p:cNvGrpSpPr/>
+        <p:nvPr/>
+      </p:nvGrpSpPr>
+      <p:grpSpPr>
+        <a:xfrm>
+          <a:off x="0" y="0"/>
+          <a:ext cx="0" cy="0"/>
+          <a:chOff x="0" y="0"/>
+          <a:chExt cx="0" cy="0"/>
+        </a:xfrm>
+      </p:grpSpPr>
+      <p:sp>
+        <p:nvSpPr>
+          <p:cNvPr id="2" name="Title 1"/>
+          <p:cNvSpPr>
+            <a:spLocks noGrp="1"/>
+          </p:cNvSpPr>
+          <p:nvPr>
+            <p:ph type="title"/>
+          </p:nvPr>
+        </p:nvSpPr>
+        <p:spPr/>
+        <p:txBody>
+          <a:bodyPr/>
+          <a:lstStyle/>
+          <a:p>
+            <a:r>
+              <a:rPr lang="en-US" b="1" dirty="0"/>
+              <a:t>Hello world</a:t>
+            </a:r>
+          </a:p>
+        </p:txBody>
+      </p:sp>
+      <p:sp>
+        <p:nvSpPr>
+          <p:cNvPr id="3" name="Content Placeholder 2"/>
+          <p:cNvSpPr>
+            <a:spLocks noGrp="1"/>
+          </p:cNvSpPr>
+          <p:nvPr>
+            <p:ph idx="1"/>
+          </p:nvPr>
+        </p:nvSpPr>
+        <p:spPr>
+          <a:xfrm>
+            <a:off x="676656" y="2011680"/>
+            <a:ext cx="10753725" cy="4507992"/>
+          </a:xfrm>
+        </p:spPr>
+        <p:txBody>
+          <a:bodyPr>
+            <a:noAutofit/>
+          </a:bodyPr>
+          <a:lstStyle/>
+          <a:p>
+            <a:pPr marL="284163" indent="-228600">
+              <a:buFont typeface="Arial" panose="020B0604020202020204" pitchFamily="34" charset="0"/>
+              <a:buChar char="•"/>
+            </a:pPr>
+            <a:r>
+              <a:rPr lang="en-US" sz="3600" dirty="0">
+                <a:solidFill>
+                  <a:schemeClr val="tx1"/>
+                </a:solidFill>
+              </a:rPr>
+              <a:t>For a variable to hold null it must be explicitly specified as </a:t>
+            </a:r>
+            <a:r>
+              <a:rPr lang="en-US" sz="3600" dirty="0" err="1" smtClean="0">
+                <a:solidFill>
+                  <a:schemeClr val="tx1"/>
+                </a:solidFill>
+              </a:rPr>
+              <a:t>nullable</a:t>
+            </a:r>
+            <a:r>
+              <a:rPr lang="en-US" sz="3600" dirty="0" smtClean="0">
+                <a:solidFill>
+                  <a:schemeClr val="tx1"/>
+                </a:solidFill>
+              </a:rPr>
+              <a:t>.</a:t>
+            </a:r>
+          </a:p>
+          <a:p>
+            <a:pPr marL="284163" indent="-228600">
+              <a:buFont typeface="Arial" panose="020B0604020202020204" pitchFamily="34" charset="0"/>
+              <a:buChar char="•"/>
+            </a:pPr>
+            <a:r>
+              <a:rPr lang="en-US" sz="3600" dirty="0" smtClean="0">
+                <a:solidFill>
+                  <a:schemeClr val="tx1"/>
+                </a:solidFill>
+              </a:rPr>
+              <a:t>A </a:t>
+            </a:r>
+            <a:r>
+              <a:rPr lang="en-US" sz="3600" dirty="0">
+                <a:solidFill>
+                  <a:schemeClr val="tx1"/>
+                </a:solidFill>
+              </a:rPr>
+              <a:t>variable can be specified as </a:t>
+            </a:r>
+            <a:r>
+              <a:rPr lang="en-US" sz="3600" dirty="0" err="1">
+                <a:solidFill>
+                  <a:schemeClr val="tx1"/>
+                </a:solidFill>
+              </a:rPr>
+              <a:t>nullable</a:t>
+            </a:r>
+            <a:r>
+              <a:rPr lang="en-US" sz="3600" dirty="0">
+                <a:solidFill>
+                  <a:schemeClr val="tx1"/>
+                </a:solidFill>
+              </a:rPr>
+              <a:t> by appending a ? to its </a:t>
+            </a:r>
+            <a:r>
+              <a:rPr lang="en-US" sz="3600" dirty="0" smtClean="0">
+                <a:solidFill>
+                  <a:schemeClr val="tx1"/>
+                </a:solidFill>
+              </a:rPr>
+              <a:t>type.</a:t>
+            </a:r>
+          </a:p>
+          <a:p>
+            <a:pPr marL="284163" indent="-228600">
+              <a:buFont typeface="Arial" panose="020B0604020202020204" pitchFamily="34" charset="0"/>
+              <a:buChar char="•"/>
+            </a:pPr>
+            <a:r>
+              <a:rPr lang="en-US" sz="3600" dirty="0" smtClean="0">
+                <a:solidFill>
+                  <a:schemeClr val="tx1"/>
+                </a:solidFill>
+              </a:rPr>
+              <a:t>We </a:t>
+            </a:r>
+            <a:r>
+              <a:rPr lang="en-US" sz="3600" dirty="0">
+                <a:solidFill>
+                  <a:schemeClr val="tx1"/>
+                </a:solidFill>
+              </a:rPr>
+              <a:t>can access a </a:t>
+            </a:r>
+            <a:r>
+              <a:rPr lang="en-US" sz="3600" dirty="0" err="1">
+                <a:solidFill>
+                  <a:schemeClr val="tx1"/>
+                </a:solidFill>
+              </a:rPr>
+              <a:t>nullable</a:t>
+            </a:r>
+            <a:r>
+              <a:rPr lang="en-US" sz="3600" dirty="0">
+                <a:solidFill>
+                  <a:schemeClr val="tx1"/>
+                </a:solidFill>
+              </a:rPr>
+              <a:t> variable by using the </a:t>
+            </a:r>
+            <a:r>
+              <a:rPr lang="en-US" sz="3600" dirty="0" smtClean="0">
+                <a:solidFill>
+                  <a:schemeClr val="tx1"/>
+                </a:solidFill>
+              </a:rPr>
+              <a:t>?.</a:t>
+            </a:r>
+            <a:r>
+              <a:rPr lang="ar-EG" sz="3600" dirty="0" smtClean="0">
+                <a:solidFill>
+                  <a:schemeClr val="tx1"/>
+                </a:solidFill>
+              </a:rPr>
+              <a:t> </a:t>
+            </a:r>
+            <a:r>
+              <a:rPr lang="en-US" sz="3600" dirty="0" smtClean="0">
+                <a:solidFill>
+                  <a:schemeClr val="tx1"/>
+                </a:solidFill>
+              </a:rPr>
+              <a:t>operator.</a:t>
+            </a:r>
+          </a:p>
+          <a:p>
+            <a:pPr marL="284163" indent="-228600">
+              <a:buFont typeface="Arial" panose="020B0604020202020204" pitchFamily="34" charset="0"/>
+              <a:buChar char="•"/>
+            </a:pPr>
+            <a:r>
+              <a:rPr lang="en-US" sz="3600" dirty="0" smtClean="0">
+                <a:solidFill>
+                  <a:schemeClr val="tx1"/>
+                </a:solidFill>
+              </a:rPr>
+              <a:t>We </a:t>
+            </a:r>
+            <a:r>
+              <a:rPr lang="en-US" sz="3600" dirty="0">
+                <a:solidFill>
+                  <a:schemeClr val="tx1"/>
+                </a:solidFill>
+              </a:rPr>
+              <a:t>can use the ?: operator to specify an alternative value to </a:t>
+            </a:r>
+            <a:r>
+              <a:rPr lang="en-US" sz="3600" dirty="0" smtClean="0">
+                <a:solidFill>
+                  <a:schemeClr val="tx1"/>
+                </a:solidFill>
+              </a:rPr>
+              <a:t>use if </a:t>
+            </a:r>
+            <a:r>
+              <a:rPr lang="en-US" sz="3600" dirty="0">
+                <a:solidFill>
+                  <a:schemeClr val="tx1"/>
+                </a:solidFill>
+              </a:rPr>
+              <a:t>a variable is null.</a:t>
+            </a:r>
+            <a:endParaRPr lang="en-US" sz="3600" dirty="0">
+              <a:solidFill>
+                <a:schemeClr val="tx1"/>
+              </a:solidFill>
+            </a:endParaRPr>
+          </a:p>
+        </p:txBody>
+      </p:sp>
+      <p:pic>
+        <p:nvPicPr>
+          <p:cNvPr id="6" name="Picture 5"/>
+          <p:cNvPicPr>
+            <a:picLocks noChangeAspect="1"/>
+          </p:cNvPicPr>
+          <p:nvPr/>
+        </p:nvPicPr>
+        <p:blipFill>
+          <a:blip r:embed="rId3" cstate="print">
+            <a:extLst>
+              <a:ext uri="{28A0092B-C50C-407E-A947-70E740481C1C}">
+                <a14:useLocalDpi xmlns:a14="http://schemas.microsoft.com/office/drawing/2010/main" val="0"/>
+              </a:ext>
+            </a:extLst>
+          </a:blip>
+          <a:stretch>
+            <a:fillRect/>
+          </a:stretch>
+        </p:blipFill>
+        <p:spPr>
+          <a:xfrm>
+            <a:off x="10427110" y="0"/>
+            <a:ext cx="1764890" cy="1764890"/>
+          </a:xfrm>
+          <a:prstGeom prst="rect">
+            <a:avLst/>
+          </a:prstGeom>
         </p:spPr>
       </p:pic>
     </p:spTree>
     <p:extLst>
       <p:ext uri="{BB962C8B-B14F-4D97-AF65-F5344CB8AC3E}">
-        <p14:creationId xmlns:p14="http://schemas.microsoft.com/office/powerpoint/2010/main" val="3260999786"/>
+        <p14:creationId xmlns:p14="http://schemas.microsoft.com/office/powerpoint/2010/main" val="3300374023"/>
+      </p:ext>
+    </p:extLst>
+  </p:cSld>
+  <p:clrMapOvr>
+    <a:masterClrMapping/>
+  </p:clrMapOvr>
+  <p:timing>
+    <p:tnLst>
+      <p:par>
+        <p:cTn id="1" dur="indefinite" restart="never" nodeType="tmRoot"/>
+      </p:par>
+    </p:tnLst>
+  </p:timing>
+</p:sld>
+</file>
+
+<file path=ppt/slides/slide26.xml><?xml version="1.0" encoding="utf-8"?>
+<p:sld xmlns:a="http://schemas.openxmlformats.org/drawingml/2006/main" xmlns:r="http://schemas.openxmlformats.org/officeDocument/2006/relationships" xmlns:p="http://schemas.openxmlformats.org/presentationml/2006/main">
+  <p:cSld>
+    <p:spTree>
+      <p:nvGrpSpPr>
+        <p:cNvPr id="1" name=""/>
+        <p:cNvGrpSpPr/>
+        <p:nvPr/>
+      </p:nvGrpSpPr>
+      <p:grpSpPr>
+        <a:xfrm>
+          <a:off x="0" y="0"/>
+          <a:ext cx="0" cy="0"/>
+          <a:chOff x="0" y="0"/>
+          <a:chExt cx="0" cy="0"/>
+        </a:xfrm>
+      </p:grpSpPr>
+      <p:sp>
+        <p:nvSpPr>
+          <p:cNvPr id="2" name="Title 1"/>
+          <p:cNvSpPr>
+            <a:spLocks noGrp="1"/>
+          </p:cNvSpPr>
+          <p:nvPr>
+            <p:ph type="title"/>
+          </p:nvPr>
+        </p:nvSpPr>
+        <p:spPr/>
+        <p:txBody>
+          <a:bodyPr/>
+          <a:lstStyle/>
+          <a:p>
+            <a:r>
+              <a:rPr lang="en-US" b="1" dirty="0"/>
+              <a:t>Hello world</a:t>
+            </a:r>
+          </a:p>
+        </p:txBody>
+      </p:sp>
+      <p:pic>
+        <p:nvPicPr>
+          <p:cNvPr id="6" name="Picture 5"/>
+          <p:cNvPicPr>
+            <a:picLocks noChangeAspect="1"/>
+          </p:cNvPicPr>
+          <p:nvPr/>
+        </p:nvPicPr>
+        <p:blipFill>
+          <a:blip r:embed="rId3" cstate="print">
+            <a:extLst>
+              <a:ext uri="{28A0092B-C50C-407E-A947-70E740481C1C}">
+                <a14:useLocalDpi xmlns:a14="http://schemas.microsoft.com/office/drawing/2010/main" val="0"/>
+              </a:ext>
+            </a:extLst>
+          </a:blip>
+          <a:stretch>
+            <a:fillRect/>
+          </a:stretch>
+        </p:blipFill>
+        <p:spPr>
+          <a:xfrm>
+            <a:off x="10427110" y="0"/>
+            <a:ext cx="1764890" cy="1764890"/>
+          </a:xfrm>
+          <a:prstGeom prst="rect">
+            <a:avLst/>
+          </a:prstGeom>
+        </p:spPr>
+      </p:pic>
+      <p:sp>
+        <p:nvSpPr>
+          <p:cNvPr id="4" name="Rectangle 1"/>
+          <p:cNvSpPr>
+            <a:spLocks noGrp="1" noChangeArrowheads="1"/>
+          </p:cNvSpPr>
+          <p:nvPr>
+            <p:ph idx="1"/>
+          </p:nvPr>
+        </p:nvSpPr>
+        <p:spPr bwMode="auto">
+          <a:xfrm>
+            <a:off x="2040242" y="1764890"/>
+            <a:ext cx="8111516" cy="2308324"/>
+          </a:xfrm>
+          <a:prstGeom prst="rect">
+            <a:avLst/>
+          </a:prstGeom>
+          <a:solidFill>
+            <a:srgbClr val="2B2B2B"/>
+          </a:solidFill>
+          <a:ln>
+            <a:noFill/>
+          </a:ln>
+          <a:effectLst/>
+          <a:extLst>
+            <a:ext uri="{91240B29-F687-4F45-9708-019B960494DF}">
+              <a14:hiddenLine xmlns:a14="http://schemas.microsoft.com/office/drawing/2010/main" w="9525">
+                <a:solidFill>
+                  <a:schemeClr val="tx1"/>
+                </a:solidFill>
+                <a:miter lim="800000"/>
+                <a:headEnd/>
+                <a:tailEnd/>
+              </a14:hiddenLine>
+            </a:ext>
+            <a:ext uri="{AF507438-7753-43E0-B8FC-AC1667EBCBE1}">
+              <a14:hiddenEffects xmlns:a14="http://schemas.microsoft.com/office/drawing/2010/main">
+                <a:effectLst>
+                  <a:outerShdw dist="35921" dir="2700000" algn="ctr" rotWithShape="0">
+                    <a:schemeClr val="bg2"/>
+                  </a:outerShdw>
+                </a:effectLst>
+              </a14:hiddenEffects>
+            </a:ext>
+          </a:extLst>
+        </p:spPr>
+        <p:txBody>
+          <a:bodyPr vert="horz" wrap="none" lIns="91440" tIns="45720" rIns="91440" bIns="45720" numCol="1" anchor="ctr" anchorCtr="0" compatLnSpc="1">
+            <a:prstTxWarp prst="textNoShape">
+              <a:avLst/>
+            </a:prstTxWarp>
+            <a:spAutoFit/>
+          </a:bodyPr>
+          <a:lstStyle/>
+          <a:p>
+            <a:pPr marL="0" marR="0" lvl="0" indent="0" algn="l" defTabSz="914400" rtl="0" eaLnBrk="0" fontAlgn="base" latinLnBrk="0" hangingPunct="0">
+              <a:lnSpc>
+                <a:spcPct val="100000"/>
+              </a:lnSpc>
+              <a:spcBef>
+                <a:spcPct val="0"/>
+              </a:spcBef>
+              <a:spcAft>
+                <a:spcPct val="0"/>
+              </a:spcAft>
+              <a:buClrTx/>
+              <a:buSzTx/>
+              <a:buFontTx/>
+              <a:buNone/>
+              <a:tabLst/>
+            </a:pPr>
+            <a:r>
+              <a:rPr kumimoji="0" lang="en-US" altLang="en-US" b="0" i="0" u="none" strike="noStrike" cap="none" normalizeH="0" baseline="0" dirty="0" err="1" smtClean="0">
+                <a:ln>
+                  <a:noFill/>
+                </a:ln>
+                <a:solidFill>
+                  <a:srgbClr val="CC7832"/>
+                </a:solidFill>
+                <a:effectLst/>
+                <a:latin typeface="Courier New" panose="02070309020205020404" pitchFamily="49" charset="0"/>
+                <a:cs typeface="Courier New" panose="02070309020205020404" pitchFamily="49" charset="0"/>
+              </a:rPr>
+              <a:t>var</a:t>
+            </a:r>
+            <a:r>
+              <a:rPr kumimoji="0" lang="en-US" altLang="en-US" b="0" i="0" u="none" strike="noStrike" cap="none" normalizeH="0" baseline="0" dirty="0" smtClean="0">
+                <a:ln>
+                  <a:noFill/>
+                </a:ln>
+                <a:solidFill>
+                  <a:srgbClr val="CC7832"/>
+                </a:solidFill>
+                <a:effectLst/>
+                <a:latin typeface="Courier New" panose="02070309020205020404" pitchFamily="49" charset="0"/>
+                <a:cs typeface="Courier New" panose="02070309020205020404" pitchFamily="49" charset="0"/>
+              </a:rPr>
+              <a:t> </a:t>
+            </a:r>
+            <a:r>
+              <a:rPr kumimoji="0" lang="en-US" altLang="en-US" b="0" i="1" u="none" strike="noStrike" cap="none" normalizeH="0" baseline="0" dirty="0" err="1" smtClean="0">
+                <a:ln>
+                  <a:noFill/>
+                </a:ln>
+                <a:solidFill>
+                  <a:srgbClr val="9876AA"/>
+                </a:solidFill>
+                <a:effectLst/>
+                <a:latin typeface="Courier New" panose="02070309020205020404" pitchFamily="49" charset="0"/>
+                <a:cs typeface="Courier New" panose="02070309020205020404" pitchFamily="49" charset="0"/>
+              </a:rPr>
+              <a:t>fooNullable</a:t>
+            </a:r>
+            <a:r>
+              <a:rPr kumimoji="0" lang="en-US" altLang="en-US" b="0" i="0" u="none" strike="noStrike" cap="none" normalizeH="0" baseline="0" dirty="0" smtClean="0">
+                <a:ln>
+                  <a:noFill/>
+                </a:ln>
+                <a:solidFill>
+                  <a:srgbClr val="A9B7C6"/>
+                </a:solidFill>
+                <a:effectLst/>
+                <a:latin typeface="Courier New" panose="02070309020205020404" pitchFamily="49" charset="0"/>
+                <a:cs typeface="Courier New" panose="02070309020205020404" pitchFamily="49" charset="0"/>
+              </a:rPr>
+              <a:t>: String? = </a:t>
+            </a:r>
+            <a:r>
+              <a:rPr kumimoji="0" lang="en-US" altLang="en-US" b="0" i="0" u="none" strike="noStrike" cap="none" normalizeH="0" baseline="0" dirty="0" smtClean="0">
+                <a:ln>
+                  <a:noFill/>
+                </a:ln>
+                <a:solidFill>
+                  <a:srgbClr val="6A8759"/>
+                </a:solidFill>
+                <a:effectLst/>
+                <a:latin typeface="Courier New" panose="02070309020205020404" pitchFamily="49" charset="0"/>
+                <a:cs typeface="Courier New" panose="02070309020205020404" pitchFamily="49" charset="0"/>
+              </a:rPr>
+              <a:t>"</a:t>
+            </a:r>
+            <a:r>
+              <a:rPr kumimoji="0" lang="en-US" altLang="en-US" b="0" i="0" u="none" strike="noStrike" cap="none" normalizeH="0" baseline="0" dirty="0" err="1" smtClean="0">
+                <a:ln>
+                  <a:noFill/>
+                </a:ln>
+                <a:solidFill>
+                  <a:srgbClr val="6A8759"/>
+                </a:solidFill>
+                <a:effectLst/>
+                <a:latin typeface="Courier New" panose="02070309020205020404" pitchFamily="49" charset="0"/>
+                <a:cs typeface="Courier New" panose="02070309020205020404" pitchFamily="49" charset="0"/>
+              </a:rPr>
+              <a:t>abc</a:t>
+            </a:r>
+            <a:r>
+              <a:rPr kumimoji="0" lang="en-US" altLang="en-US" b="0" i="0" u="none" strike="noStrike" cap="none" normalizeH="0" baseline="0" dirty="0" smtClean="0">
+                <a:ln>
+                  <a:noFill/>
+                </a:ln>
+                <a:solidFill>
+                  <a:srgbClr val="6A8759"/>
+                </a:solidFill>
+                <a:effectLst/>
+                <a:latin typeface="Courier New" panose="02070309020205020404" pitchFamily="49" charset="0"/>
+                <a:cs typeface="Courier New" panose="02070309020205020404" pitchFamily="49" charset="0"/>
+              </a:rPr>
+              <a:t>"</a:t>
+            </a:r>
+            <a:br>
+              <a:rPr kumimoji="0" lang="en-US" altLang="en-US" b="0" i="0" u="none" strike="noStrike" cap="none" normalizeH="0" baseline="0" dirty="0" smtClean="0">
+                <a:ln>
+                  <a:noFill/>
+                </a:ln>
+                <a:solidFill>
+                  <a:srgbClr val="6A8759"/>
+                </a:solidFill>
+                <a:effectLst/>
+                <a:latin typeface="Courier New" panose="02070309020205020404" pitchFamily="49" charset="0"/>
+                <a:cs typeface="Courier New" panose="02070309020205020404" pitchFamily="49" charset="0"/>
+              </a:rPr>
+            </a:br>
+            <a:r>
+              <a:rPr kumimoji="0" lang="en-US" altLang="en-US" b="0" i="0" u="none" strike="noStrike" cap="none" normalizeH="0" baseline="0" dirty="0" smtClean="0">
+                <a:ln>
+                  <a:noFill/>
+                </a:ln>
+                <a:solidFill>
+                  <a:srgbClr val="A9B7C6"/>
+                </a:solidFill>
+                <a:effectLst/>
+                <a:latin typeface="Courier New" panose="02070309020205020404" pitchFamily="49" charset="0"/>
+                <a:cs typeface="Courier New" panose="02070309020205020404" pitchFamily="49" charset="0"/>
+              </a:rPr>
+              <a:t>println(</a:t>
+            </a:r>
+            <a:r>
+              <a:rPr kumimoji="0" lang="en-US" altLang="en-US" b="0" i="0" u="none" strike="noStrike" cap="none" normalizeH="0" baseline="0" dirty="0" err="1" smtClean="0">
+                <a:ln>
+                  <a:noFill/>
+                </a:ln>
+                <a:solidFill>
+                  <a:srgbClr val="A9B7C6"/>
+                </a:solidFill>
+                <a:effectLst/>
+                <a:latin typeface="Courier New" panose="02070309020205020404" pitchFamily="49" charset="0"/>
+                <a:cs typeface="Courier New" panose="02070309020205020404" pitchFamily="49" charset="0"/>
+              </a:rPr>
+              <a:t>fooNullable</a:t>
+            </a:r>
+            <a:r>
+              <a:rPr kumimoji="0" lang="en-US" altLang="en-US" b="0" i="0" u="none" strike="noStrike" cap="none" normalizeH="0" baseline="0" dirty="0" smtClean="0">
+                <a:ln>
+                  <a:noFill/>
+                </a:ln>
+                <a:solidFill>
+                  <a:srgbClr val="A9B7C6"/>
+                </a:solidFill>
+                <a:effectLst/>
+                <a:latin typeface="Courier New" panose="02070309020205020404" pitchFamily="49" charset="0"/>
+                <a:cs typeface="Courier New" panose="02070309020205020404" pitchFamily="49" charset="0"/>
+              </a:rPr>
+              <a:t>?.length) </a:t>
+            </a:r>
+            <a:r>
+              <a:rPr kumimoji="0" lang="en-US" altLang="en-US" b="0" i="0" u="none" strike="noStrike" cap="none" normalizeH="0" baseline="0" dirty="0" smtClean="0">
+                <a:ln>
+                  <a:noFill/>
+                </a:ln>
+                <a:solidFill>
+                  <a:srgbClr val="808080"/>
+                </a:solidFill>
+                <a:effectLst/>
+                <a:latin typeface="Courier New" panose="02070309020205020404" pitchFamily="49" charset="0"/>
+                <a:cs typeface="Courier New" panose="02070309020205020404" pitchFamily="49" charset="0"/>
+              </a:rPr>
+              <a:t>// =&gt; 3</a:t>
+            </a:r>
+            <a:br>
+              <a:rPr kumimoji="0" lang="en-US" altLang="en-US" b="0" i="0" u="none" strike="noStrike" cap="none" normalizeH="0" baseline="0" dirty="0" smtClean="0">
+                <a:ln>
+                  <a:noFill/>
+                </a:ln>
+                <a:solidFill>
+                  <a:srgbClr val="808080"/>
+                </a:solidFill>
+                <a:effectLst/>
+                <a:latin typeface="Courier New" panose="02070309020205020404" pitchFamily="49" charset="0"/>
+                <a:cs typeface="Courier New" panose="02070309020205020404" pitchFamily="49" charset="0"/>
+              </a:rPr>
+            </a:br>
+            <a:r>
+              <a:rPr kumimoji="0" lang="en-US" altLang="en-US" b="0" i="0" u="none" strike="noStrike" cap="none" normalizeH="0" baseline="0" dirty="0" smtClean="0">
+                <a:ln>
+                  <a:noFill/>
+                </a:ln>
+                <a:solidFill>
+                  <a:srgbClr val="A9B7C6"/>
+                </a:solidFill>
+                <a:effectLst/>
+                <a:latin typeface="Courier New" panose="02070309020205020404" pitchFamily="49" charset="0"/>
+                <a:cs typeface="Courier New" panose="02070309020205020404" pitchFamily="49" charset="0"/>
+              </a:rPr>
+              <a:t>println(</a:t>
+            </a:r>
+            <a:r>
+              <a:rPr kumimoji="0" lang="en-US" altLang="en-US" b="0" i="0" u="none" strike="noStrike" cap="none" normalizeH="0" baseline="0" dirty="0" err="1" smtClean="0">
+                <a:ln>
+                  <a:noFill/>
+                </a:ln>
+                <a:solidFill>
+                  <a:srgbClr val="A9B7C6"/>
+                </a:solidFill>
+                <a:effectLst/>
+                <a:latin typeface="Courier New" panose="02070309020205020404" pitchFamily="49" charset="0"/>
+                <a:cs typeface="Courier New" panose="02070309020205020404" pitchFamily="49" charset="0"/>
+              </a:rPr>
+              <a:t>fooNullable</a:t>
+            </a:r>
+            <a:r>
+              <a:rPr kumimoji="0" lang="en-US" altLang="en-US" b="0" i="0" u="none" strike="noStrike" cap="none" normalizeH="0" baseline="0" dirty="0" smtClean="0">
+                <a:ln>
+                  <a:noFill/>
+                </a:ln>
+                <a:solidFill>
+                  <a:srgbClr val="A9B7C6"/>
+                </a:solidFill>
+                <a:effectLst/>
+                <a:latin typeface="Courier New" panose="02070309020205020404" pitchFamily="49" charset="0"/>
+                <a:cs typeface="Courier New" panose="02070309020205020404" pitchFamily="49" charset="0"/>
+              </a:rPr>
+              <a:t>?.length ?: -</a:t>
+            </a:r>
+            <a:r>
+              <a:rPr kumimoji="0" lang="en-US" altLang="en-US" b="0" i="0" u="none" strike="noStrike" cap="none" normalizeH="0" baseline="0" dirty="0" smtClean="0">
+                <a:ln>
+                  <a:noFill/>
+                </a:ln>
+                <a:solidFill>
+                  <a:srgbClr val="6897BB"/>
+                </a:solidFill>
+                <a:effectLst/>
+                <a:latin typeface="Courier New" panose="02070309020205020404" pitchFamily="49" charset="0"/>
+                <a:cs typeface="Courier New" panose="02070309020205020404" pitchFamily="49" charset="0"/>
+              </a:rPr>
+              <a:t>1</a:t>
+            </a:r>
+            <a:r>
+              <a:rPr kumimoji="0" lang="en-US" altLang="en-US" b="0" i="0" u="none" strike="noStrike" cap="none" normalizeH="0" baseline="0" dirty="0" smtClean="0">
+                <a:ln>
+                  <a:noFill/>
+                </a:ln>
+                <a:solidFill>
+                  <a:srgbClr val="A9B7C6"/>
+                </a:solidFill>
+                <a:effectLst/>
+                <a:latin typeface="Courier New" panose="02070309020205020404" pitchFamily="49" charset="0"/>
+                <a:cs typeface="Courier New" panose="02070309020205020404" pitchFamily="49" charset="0"/>
+              </a:rPr>
+              <a:t>) </a:t>
+            </a:r>
+            <a:r>
+              <a:rPr kumimoji="0" lang="en-US" altLang="en-US" b="0" i="0" u="none" strike="noStrike" cap="none" normalizeH="0" baseline="0" dirty="0" smtClean="0">
+                <a:ln>
+                  <a:noFill/>
+                </a:ln>
+                <a:solidFill>
+                  <a:srgbClr val="808080"/>
+                </a:solidFill>
+                <a:effectLst/>
+                <a:latin typeface="Courier New" panose="02070309020205020404" pitchFamily="49" charset="0"/>
+                <a:cs typeface="Courier New" panose="02070309020205020404" pitchFamily="49" charset="0"/>
+              </a:rPr>
+              <a:t>// =&gt; 3</a:t>
+            </a:r>
+            <a:br>
+              <a:rPr kumimoji="0" lang="en-US" altLang="en-US" b="0" i="0" u="none" strike="noStrike" cap="none" normalizeH="0" baseline="0" dirty="0" smtClean="0">
+                <a:ln>
+                  <a:noFill/>
+                </a:ln>
+                <a:solidFill>
+                  <a:srgbClr val="808080"/>
+                </a:solidFill>
+                <a:effectLst/>
+                <a:latin typeface="Courier New" panose="02070309020205020404" pitchFamily="49" charset="0"/>
+                <a:cs typeface="Courier New" panose="02070309020205020404" pitchFamily="49" charset="0"/>
+              </a:rPr>
+            </a:br>
+            <a:r>
+              <a:rPr kumimoji="0" lang="en-US" altLang="en-US" b="0" i="0" u="none" strike="noStrike" cap="none" normalizeH="0" baseline="0" dirty="0" err="1" smtClean="0">
+                <a:ln>
+                  <a:noFill/>
+                </a:ln>
+                <a:solidFill>
+                  <a:srgbClr val="A9B7C6"/>
+                </a:solidFill>
+                <a:effectLst/>
+                <a:latin typeface="Courier New" panose="02070309020205020404" pitchFamily="49" charset="0"/>
+                <a:cs typeface="Courier New" panose="02070309020205020404" pitchFamily="49" charset="0"/>
+              </a:rPr>
+              <a:t>fooNullable</a:t>
+            </a:r>
+            <a:r>
+              <a:rPr kumimoji="0" lang="en-US" altLang="en-US" b="0" i="0" u="none" strike="noStrike" cap="none" normalizeH="0" baseline="0" dirty="0" smtClean="0">
+                <a:ln>
+                  <a:noFill/>
+                </a:ln>
+                <a:solidFill>
+                  <a:srgbClr val="A9B7C6"/>
+                </a:solidFill>
+                <a:effectLst/>
+                <a:latin typeface="Courier New" panose="02070309020205020404" pitchFamily="49" charset="0"/>
+                <a:cs typeface="Courier New" panose="02070309020205020404" pitchFamily="49" charset="0"/>
+              </a:rPr>
+              <a:t> = </a:t>
+            </a:r>
+            <a:r>
+              <a:rPr kumimoji="0" lang="en-US" altLang="en-US" b="0" i="0" u="none" strike="noStrike" cap="none" normalizeH="0" baseline="0" dirty="0" smtClean="0">
+                <a:ln>
+                  <a:noFill/>
+                </a:ln>
+                <a:solidFill>
+                  <a:srgbClr val="CC7832"/>
+                </a:solidFill>
+                <a:effectLst/>
+                <a:latin typeface="Courier New" panose="02070309020205020404" pitchFamily="49" charset="0"/>
+                <a:cs typeface="Courier New" panose="02070309020205020404" pitchFamily="49" charset="0"/>
+              </a:rPr>
+              <a:t>null</a:t>
+            </a:r>
+            <a:br>
+              <a:rPr kumimoji="0" lang="en-US" altLang="en-US" b="0" i="0" u="none" strike="noStrike" cap="none" normalizeH="0" baseline="0" dirty="0" smtClean="0">
+                <a:ln>
+                  <a:noFill/>
+                </a:ln>
+                <a:solidFill>
+                  <a:srgbClr val="CC7832"/>
+                </a:solidFill>
+                <a:effectLst/>
+                <a:latin typeface="Courier New" panose="02070309020205020404" pitchFamily="49" charset="0"/>
+                <a:cs typeface="Courier New" panose="02070309020205020404" pitchFamily="49" charset="0"/>
+              </a:rPr>
+            </a:br>
+            <a:r>
+              <a:rPr kumimoji="0" lang="en-US" altLang="en-US" b="0" i="0" u="none" strike="noStrike" cap="none" normalizeH="0" baseline="0" dirty="0" smtClean="0">
+                <a:ln>
+                  <a:noFill/>
+                </a:ln>
+                <a:solidFill>
+                  <a:srgbClr val="A9B7C6"/>
+                </a:solidFill>
+                <a:effectLst/>
+                <a:latin typeface="Courier New" panose="02070309020205020404" pitchFamily="49" charset="0"/>
+                <a:cs typeface="Courier New" panose="02070309020205020404" pitchFamily="49" charset="0"/>
+              </a:rPr>
+              <a:t>println(</a:t>
+            </a:r>
+            <a:r>
+              <a:rPr kumimoji="0" lang="en-US" altLang="en-US" b="0" i="0" u="none" strike="noStrike" cap="none" normalizeH="0" baseline="0" dirty="0" err="1" smtClean="0">
+                <a:ln>
+                  <a:noFill/>
+                </a:ln>
+                <a:solidFill>
+                  <a:srgbClr val="A9B7C6"/>
+                </a:solidFill>
+                <a:effectLst/>
+                <a:latin typeface="Courier New" panose="02070309020205020404" pitchFamily="49" charset="0"/>
+                <a:cs typeface="Courier New" panose="02070309020205020404" pitchFamily="49" charset="0"/>
+              </a:rPr>
+              <a:t>fooNullable</a:t>
+            </a:r>
+            <a:r>
+              <a:rPr kumimoji="0" lang="en-US" altLang="en-US" b="0" i="0" u="none" strike="noStrike" cap="none" normalizeH="0" baseline="0" dirty="0" smtClean="0">
+                <a:ln>
+                  <a:noFill/>
+                </a:ln>
+                <a:solidFill>
+                  <a:srgbClr val="A9B7C6"/>
+                </a:solidFill>
+                <a:effectLst/>
+                <a:latin typeface="Courier New" panose="02070309020205020404" pitchFamily="49" charset="0"/>
+                <a:cs typeface="Courier New" panose="02070309020205020404" pitchFamily="49" charset="0"/>
+              </a:rPr>
+              <a:t>?.length) </a:t>
+            </a:r>
+            <a:r>
+              <a:rPr kumimoji="0" lang="en-US" altLang="en-US" b="0" i="0" u="none" strike="noStrike" cap="none" normalizeH="0" baseline="0" dirty="0" smtClean="0">
+                <a:ln>
+                  <a:noFill/>
+                </a:ln>
+                <a:solidFill>
+                  <a:srgbClr val="808080"/>
+                </a:solidFill>
+                <a:effectLst/>
+                <a:latin typeface="Courier New" panose="02070309020205020404" pitchFamily="49" charset="0"/>
+                <a:cs typeface="Courier New" panose="02070309020205020404" pitchFamily="49" charset="0"/>
+              </a:rPr>
+              <a:t>// =&gt; null</a:t>
+            </a:r>
+            <a:br>
+              <a:rPr kumimoji="0" lang="en-US" altLang="en-US" b="0" i="0" u="none" strike="noStrike" cap="none" normalizeH="0" baseline="0" dirty="0" smtClean="0">
+                <a:ln>
+                  <a:noFill/>
+                </a:ln>
+                <a:solidFill>
+                  <a:srgbClr val="808080"/>
+                </a:solidFill>
+                <a:effectLst/>
+                <a:latin typeface="Courier New" panose="02070309020205020404" pitchFamily="49" charset="0"/>
+                <a:cs typeface="Courier New" panose="02070309020205020404" pitchFamily="49" charset="0"/>
+              </a:rPr>
+            </a:br>
+            <a:r>
+              <a:rPr kumimoji="0" lang="en-US" altLang="en-US" b="0" i="0" u="none" strike="noStrike" cap="none" normalizeH="0" baseline="0" dirty="0" smtClean="0">
+                <a:ln>
+                  <a:noFill/>
+                </a:ln>
+                <a:solidFill>
+                  <a:srgbClr val="A9B7C6"/>
+                </a:solidFill>
+                <a:effectLst/>
+                <a:latin typeface="Courier New" panose="02070309020205020404" pitchFamily="49" charset="0"/>
+                <a:cs typeface="Courier New" panose="02070309020205020404" pitchFamily="49" charset="0"/>
+              </a:rPr>
+              <a:t>println(</a:t>
+            </a:r>
+            <a:r>
+              <a:rPr kumimoji="0" lang="en-US" altLang="en-US" b="0" i="0" u="none" strike="noStrike" cap="none" normalizeH="0" baseline="0" dirty="0" err="1" smtClean="0">
+                <a:ln>
+                  <a:noFill/>
+                </a:ln>
+                <a:solidFill>
+                  <a:srgbClr val="A9B7C6"/>
+                </a:solidFill>
+                <a:effectLst/>
+                <a:latin typeface="Courier New" panose="02070309020205020404" pitchFamily="49" charset="0"/>
+                <a:cs typeface="Courier New" panose="02070309020205020404" pitchFamily="49" charset="0"/>
+              </a:rPr>
+              <a:t>fooNullable</a:t>
+            </a:r>
+            <a:r>
+              <a:rPr kumimoji="0" lang="en-US" altLang="en-US" b="0" i="0" u="none" strike="noStrike" cap="none" normalizeH="0" baseline="0" dirty="0" smtClean="0">
+                <a:ln>
+                  <a:noFill/>
+                </a:ln>
+                <a:solidFill>
+                  <a:srgbClr val="A9B7C6"/>
+                </a:solidFill>
+                <a:effectLst/>
+                <a:latin typeface="Courier New" panose="02070309020205020404" pitchFamily="49" charset="0"/>
+                <a:cs typeface="Courier New" panose="02070309020205020404" pitchFamily="49" charset="0"/>
+              </a:rPr>
+              <a:t>?.length ?: -</a:t>
+            </a:r>
+            <a:r>
+              <a:rPr kumimoji="0" lang="en-US" altLang="en-US" b="0" i="0" u="none" strike="noStrike" cap="none" normalizeH="0" baseline="0" dirty="0" smtClean="0">
+                <a:ln>
+                  <a:noFill/>
+                </a:ln>
+                <a:solidFill>
+                  <a:srgbClr val="6897BB"/>
+                </a:solidFill>
+                <a:effectLst/>
+                <a:latin typeface="Courier New" panose="02070309020205020404" pitchFamily="49" charset="0"/>
+                <a:cs typeface="Courier New" panose="02070309020205020404" pitchFamily="49" charset="0"/>
+              </a:rPr>
+              <a:t>1</a:t>
+            </a:r>
+            <a:r>
+              <a:rPr kumimoji="0" lang="en-US" altLang="en-US" b="0" i="0" u="none" strike="noStrike" cap="none" normalizeH="0" baseline="0" dirty="0" smtClean="0">
+                <a:ln>
+                  <a:noFill/>
+                </a:ln>
+                <a:solidFill>
+                  <a:srgbClr val="A9B7C6"/>
+                </a:solidFill>
+                <a:effectLst/>
+                <a:latin typeface="Courier New" panose="02070309020205020404" pitchFamily="49" charset="0"/>
+                <a:cs typeface="Courier New" panose="02070309020205020404" pitchFamily="49" charset="0"/>
+              </a:rPr>
+              <a:t>) </a:t>
+            </a:r>
+            <a:r>
+              <a:rPr kumimoji="0" lang="en-US" altLang="en-US" b="0" i="0" u="none" strike="noStrike" cap="none" normalizeH="0" baseline="0" dirty="0" smtClean="0">
+                <a:ln>
+                  <a:noFill/>
+                </a:ln>
+                <a:solidFill>
+                  <a:srgbClr val="808080"/>
+                </a:solidFill>
+                <a:effectLst/>
+                <a:latin typeface="Courier New" panose="02070309020205020404" pitchFamily="49" charset="0"/>
+                <a:cs typeface="Courier New" panose="02070309020205020404" pitchFamily="49" charset="0"/>
+              </a:rPr>
+              <a:t>// =&gt; -1</a:t>
+            </a:r>
+            <a:endParaRPr kumimoji="0" lang="en-US" altLang="en-US" sz="5400" b="0" i="0" u="none" strike="noStrike" cap="none" normalizeH="0" baseline="0" dirty="0" smtClean="0">
+              <a:ln>
+                <a:noFill/>
+              </a:ln>
+              <a:solidFill>
+                <a:schemeClr val="tx1"/>
+              </a:solidFill>
+              <a:effectLst/>
+              <a:latin typeface="Arial" panose="020B0604020202020204" pitchFamily="34" charset="0"/>
+            </a:endParaRPr>
+          </a:p>
+        </p:txBody>
+      </p:sp>
+    </p:spTree>
+    <p:extLst>
+      <p:ext uri="{BB962C8B-B14F-4D97-AF65-F5344CB8AC3E}">
+        <p14:creationId xmlns:p14="http://schemas.microsoft.com/office/powerpoint/2010/main" val="1739547211"/>
+      </p:ext>
+    </p:extLst>
+  </p:cSld>
+  <p:clrMapOvr>
+    <a:masterClrMapping/>
+  </p:clrMapOvr>
+  <p:timing>
+    <p:tnLst>
+      <p:par>
+        <p:cTn id="1" dur="indefinite" restart="never" nodeType="tmRoot"/>
+      </p:par>
+    </p:tnLst>
+  </p:timing>
+</p:sld>
+</file>
+
+<file path=ppt/slides/slide27.xml><?xml version="1.0" encoding="utf-8"?>
+<p:sld xmlns:a="http://schemas.openxmlformats.org/drawingml/2006/main" xmlns:r="http://schemas.openxmlformats.org/officeDocument/2006/relationships" xmlns:p="http://schemas.openxmlformats.org/presentationml/2006/main">
+  <p:cSld>
+    <p:spTree>
+      <p:nvGrpSpPr>
+        <p:cNvPr id="1" name=""/>
+        <p:cNvGrpSpPr/>
+        <p:nvPr/>
+      </p:nvGrpSpPr>
+      <p:grpSpPr>
+        <a:xfrm>
+          <a:off x="0" y="0"/>
+          <a:ext cx="0" cy="0"/>
+          <a:chOff x="0" y="0"/>
+          <a:chExt cx="0" cy="0"/>
+        </a:xfrm>
+      </p:grpSpPr>
+      <p:sp>
+        <p:nvSpPr>
+          <p:cNvPr id="2" name="Title 1"/>
+          <p:cNvSpPr>
+            <a:spLocks noGrp="1"/>
+          </p:cNvSpPr>
+          <p:nvPr>
+            <p:ph type="title"/>
+          </p:nvPr>
+        </p:nvSpPr>
+        <p:spPr/>
+        <p:txBody>
+          <a:bodyPr/>
+          <a:lstStyle/>
+          <a:p>
+            <a:r>
+              <a:rPr lang="en-US" b="1" dirty="0"/>
+              <a:t>Hello world</a:t>
+            </a:r>
+          </a:p>
+        </p:txBody>
+      </p:sp>
+      <p:sp>
+        <p:nvSpPr>
+          <p:cNvPr id="3" name="Content Placeholder 2"/>
+          <p:cNvSpPr>
+            <a:spLocks noGrp="1"/>
+          </p:cNvSpPr>
+          <p:nvPr>
+            <p:ph idx="1"/>
+          </p:nvPr>
+        </p:nvSpPr>
+        <p:spPr>
+          <a:xfrm>
+            <a:off x="676656" y="2011680"/>
+            <a:ext cx="10753725" cy="4507992"/>
+          </a:xfrm>
+        </p:spPr>
+        <p:txBody>
+          <a:bodyPr>
+            <a:noAutofit/>
+          </a:bodyPr>
+          <a:lstStyle/>
+          <a:p>
+            <a:pPr marL="284163" indent="-228600">
+              <a:buFont typeface="Arial" panose="020B0604020202020204" pitchFamily="34" charset="0"/>
+              <a:buChar char="•"/>
+            </a:pPr>
+            <a:r>
+              <a:rPr lang="en-US" sz="3600" dirty="0">
+                <a:solidFill>
+                  <a:schemeClr val="tx1"/>
+                </a:solidFill>
+              </a:rPr>
+              <a:t>Functions can be declared using the "fun" </a:t>
+            </a:r>
+            <a:r>
+              <a:rPr lang="en-US" sz="3600" dirty="0" smtClean="0">
+                <a:solidFill>
+                  <a:schemeClr val="tx1"/>
+                </a:solidFill>
+              </a:rPr>
+              <a:t>keyword.</a:t>
+            </a:r>
+            <a:endParaRPr lang="ar-EG" sz="3600" dirty="0" smtClean="0">
+              <a:solidFill>
+                <a:schemeClr val="tx1"/>
+              </a:solidFill>
+            </a:endParaRPr>
+          </a:p>
+          <a:p>
+            <a:pPr marL="284163" indent="-228600">
+              <a:buFont typeface="Arial" panose="020B0604020202020204" pitchFamily="34" charset="0"/>
+              <a:buChar char="•"/>
+            </a:pPr>
+            <a:r>
+              <a:rPr lang="en-US" sz="3600" dirty="0" smtClean="0">
+                <a:solidFill>
+                  <a:schemeClr val="tx1"/>
+                </a:solidFill>
+              </a:rPr>
+              <a:t>Function </a:t>
+            </a:r>
+            <a:r>
+              <a:rPr lang="en-US" sz="3600" dirty="0">
+                <a:solidFill>
+                  <a:schemeClr val="tx1"/>
+                </a:solidFill>
+              </a:rPr>
+              <a:t>arguments are specified in brackets after the function </a:t>
+            </a:r>
+            <a:r>
+              <a:rPr lang="en-US" sz="3600" dirty="0" smtClean="0">
+                <a:solidFill>
+                  <a:schemeClr val="tx1"/>
+                </a:solidFill>
+              </a:rPr>
+              <a:t>name.</a:t>
+            </a:r>
+            <a:endParaRPr lang="ar-EG" sz="3600" dirty="0" smtClean="0">
+              <a:solidFill>
+                <a:schemeClr val="tx1"/>
+              </a:solidFill>
+            </a:endParaRPr>
+          </a:p>
+          <a:p>
+            <a:pPr marL="284163" indent="-228600">
+              <a:buFont typeface="Arial" panose="020B0604020202020204" pitchFamily="34" charset="0"/>
+              <a:buChar char="•"/>
+            </a:pPr>
+            <a:r>
+              <a:rPr lang="en-US" sz="3600" dirty="0" smtClean="0">
+                <a:solidFill>
+                  <a:schemeClr val="tx1"/>
+                </a:solidFill>
+              </a:rPr>
+              <a:t>Function </a:t>
+            </a:r>
+            <a:r>
+              <a:rPr lang="en-US" sz="3600" dirty="0">
+                <a:solidFill>
+                  <a:schemeClr val="tx1"/>
+                </a:solidFill>
+              </a:rPr>
+              <a:t>arguments can optionally have a default </a:t>
+            </a:r>
+            <a:r>
+              <a:rPr lang="en-US" sz="3600" dirty="0" smtClean="0">
+                <a:solidFill>
+                  <a:schemeClr val="tx1"/>
+                </a:solidFill>
+              </a:rPr>
+              <a:t>value.</a:t>
+            </a:r>
+            <a:endParaRPr lang="ar-EG" sz="3600" dirty="0" smtClean="0">
+              <a:solidFill>
+                <a:schemeClr val="tx1"/>
+              </a:solidFill>
+            </a:endParaRPr>
+          </a:p>
+          <a:p>
+            <a:pPr marL="284163" indent="-228600">
+              <a:buFont typeface="Arial" panose="020B0604020202020204" pitchFamily="34" charset="0"/>
+              <a:buChar char="•"/>
+            </a:pPr>
+            <a:r>
+              <a:rPr lang="en-US" sz="3600" dirty="0" smtClean="0">
+                <a:solidFill>
+                  <a:schemeClr val="tx1"/>
+                </a:solidFill>
+              </a:rPr>
+              <a:t>The </a:t>
+            </a:r>
+            <a:r>
+              <a:rPr lang="en-US" sz="3600" dirty="0">
+                <a:solidFill>
+                  <a:schemeClr val="tx1"/>
+                </a:solidFill>
+              </a:rPr>
+              <a:t>function return type, if required, is specified after the arguments.</a:t>
+            </a:r>
+            <a:endParaRPr lang="en-US" sz="3600" dirty="0">
+              <a:solidFill>
+                <a:schemeClr val="tx1"/>
+              </a:solidFill>
+            </a:endParaRPr>
+          </a:p>
+        </p:txBody>
+      </p:sp>
+      <p:pic>
+        <p:nvPicPr>
+          <p:cNvPr id="6" name="Picture 5"/>
+          <p:cNvPicPr>
+            <a:picLocks noChangeAspect="1"/>
+          </p:cNvPicPr>
+          <p:nvPr/>
+        </p:nvPicPr>
+        <p:blipFill>
+          <a:blip r:embed="rId3" cstate="print">
+            <a:extLst>
+              <a:ext uri="{28A0092B-C50C-407E-A947-70E740481C1C}">
+                <a14:useLocalDpi xmlns:a14="http://schemas.microsoft.com/office/drawing/2010/main" val="0"/>
+              </a:ext>
+            </a:extLst>
+          </a:blip>
+          <a:stretch>
+            <a:fillRect/>
+          </a:stretch>
+        </p:blipFill>
+        <p:spPr>
+          <a:xfrm>
+            <a:off x="10427110" y="0"/>
+            <a:ext cx="1764890" cy="1764890"/>
+          </a:xfrm>
+          <a:prstGeom prst="rect">
+            <a:avLst/>
+          </a:prstGeom>
+        </p:spPr>
+      </p:pic>
+      <p:sp>
+        <p:nvSpPr>
+          <p:cNvPr id="5" name="Rectangle 2"/>
+          <p:cNvSpPr>
+            <a:spLocks noChangeArrowheads="1"/>
+          </p:cNvSpPr>
+          <p:nvPr/>
+        </p:nvSpPr>
+        <p:spPr bwMode="auto">
+          <a:xfrm>
+            <a:off x="4121903" y="4825290"/>
+            <a:ext cx="7632218" cy="2031325"/>
+          </a:xfrm>
+          <a:prstGeom prst="rect">
+            <a:avLst/>
+          </a:prstGeom>
+          <a:solidFill>
+            <a:srgbClr val="2B2B2B"/>
+          </a:solidFill>
+          <a:ln>
+            <a:noFill/>
+          </a:ln>
+          <a:effectLst/>
+          <a:extLst>
+            <a:ext uri="{91240B29-F687-4F45-9708-019B960494DF}">
+              <a14:hiddenLine xmlns:a14="http://schemas.microsoft.com/office/drawing/2010/main" w="9525">
+                <a:solidFill>
+                  <a:schemeClr val="tx1"/>
+                </a:solidFill>
+                <a:miter lim="800000"/>
+                <a:headEnd/>
+                <a:tailEnd/>
+              </a14:hiddenLine>
+            </a:ext>
+            <a:ext uri="{AF507438-7753-43E0-B8FC-AC1667EBCBE1}">
+              <a14:hiddenEffects xmlns:a14="http://schemas.microsoft.com/office/drawing/2010/main">
+                <a:effectLst>
+                  <a:outerShdw dist="35921" dir="2700000" algn="ctr" rotWithShape="0">
+                    <a:schemeClr val="bg2"/>
+                  </a:outerShdw>
+                </a:effectLst>
+              </a14:hiddenEffects>
+            </a:ext>
+          </a:extLst>
+        </p:spPr>
+        <p:txBody>
+          <a:bodyPr vert="horz" wrap="none" lIns="91440" tIns="45720" rIns="91440" bIns="45720" numCol="1" anchor="ctr" anchorCtr="0" compatLnSpc="1">
+            <a:prstTxWarp prst="textNoShape">
+              <a:avLst/>
+            </a:prstTxWarp>
+            <a:spAutoFit/>
+          </a:bodyPr>
+          <a:lstStyle/>
+          <a:p>
+            <a:pPr marL="0" marR="0" lvl="0" indent="0" algn="l" defTabSz="914400" rtl="0" eaLnBrk="0" fontAlgn="base" latinLnBrk="0" hangingPunct="0">
+              <a:lnSpc>
+                <a:spcPct val="100000"/>
+              </a:lnSpc>
+              <a:spcBef>
+                <a:spcPct val="0"/>
+              </a:spcBef>
+              <a:spcAft>
+                <a:spcPct val="0"/>
+              </a:spcAft>
+              <a:buClrTx/>
+              <a:buSzTx/>
+              <a:buFontTx/>
+              <a:buNone/>
+              <a:tabLst/>
+            </a:pPr>
+            <a:r>
+              <a:rPr kumimoji="0" lang="en-US" altLang="en-US" sz="2100" b="0" i="0" u="none" strike="noStrike" cap="none" normalizeH="0" baseline="0" dirty="0" smtClean="0">
+                <a:ln>
+                  <a:noFill/>
+                </a:ln>
+                <a:solidFill>
+                  <a:srgbClr val="CC7832"/>
+                </a:solidFill>
+                <a:effectLst/>
+                <a:latin typeface="Courier New" panose="02070309020205020404" pitchFamily="49" charset="0"/>
+                <a:cs typeface="Courier New" panose="02070309020205020404" pitchFamily="49" charset="0"/>
+              </a:rPr>
+              <a:t>fun </a:t>
+            </a:r>
+            <a:r>
+              <a:rPr kumimoji="0" lang="en-US" altLang="en-US" sz="2100" b="0" i="0" u="none" strike="noStrike" cap="none" normalizeH="0" baseline="0" dirty="0" smtClean="0">
+                <a:ln>
+                  <a:noFill/>
+                </a:ln>
+                <a:solidFill>
+                  <a:srgbClr val="FFC66D"/>
+                </a:solidFill>
+                <a:effectLst/>
+                <a:latin typeface="Courier New" panose="02070309020205020404" pitchFamily="49" charset="0"/>
+                <a:cs typeface="Courier New" panose="02070309020205020404" pitchFamily="49" charset="0"/>
+              </a:rPr>
+              <a:t>hello</a:t>
+            </a:r>
+            <a:r>
+              <a:rPr kumimoji="0" lang="en-US" altLang="en-US" sz="2100" b="0" i="0" u="none" strike="noStrike" cap="none" normalizeH="0" baseline="0" dirty="0" smtClean="0">
+                <a:ln>
+                  <a:noFill/>
+                </a:ln>
+                <a:solidFill>
+                  <a:srgbClr val="A9B7C6"/>
+                </a:solidFill>
+                <a:effectLst/>
+                <a:latin typeface="Courier New" panose="02070309020205020404" pitchFamily="49" charset="0"/>
+                <a:cs typeface="Courier New" panose="02070309020205020404" pitchFamily="49" charset="0"/>
+              </a:rPr>
+              <a:t>(name: String = </a:t>
+            </a:r>
+            <a:r>
+              <a:rPr kumimoji="0" lang="en-US" altLang="en-US" sz="2100" b="0" i="0" u="none" strike="noStrike" cap="none" normalizeH="0" baseline="0" dirty="0" smtClean="0">
+                <a:ln>
+                  <a:noFill/>
+                </a:ln>
+                <a:solidFill>
+                  <a:srgbClr val="6A8759"/>
+                </a:solidFill>
+                <a:effectLst/>
+                <a:latin typeface="Courier New" panose="02070309020205020404" pitchFamily="49" charset="0"/>
+                <a:cs typeface="Courier New" panose="02070309020205020404" pitchFamily="49" charset="0"/>
+              </a:rPr>
+              <a:t>"world"</a:t>
+            </a:r>
+            <a:r>
+              <a:rPr kumimoji="0" lang="en-US" altLang="en-US" sz="2100" b="0" i="0" u="none" strike="noStrike" cap="none" normalizeH="0" baseline="0" dirty="0" smtClean="0">
+                <a:ln>
+                  <a:noFill/>
+                </a:ln>
+                <a:solidFill>
+                  <a:srgbClr val="A9B7C6"/>
+                </a:solidFill>
+                <a:effectLst/>
+                <a:latin typeface="Courier New" panose="02070309020205020404" pitchFamily="49" charset="0"/>
+                <a:cs typeface="Courier New" panose="02070309020205020404" pitchFamily="49" charset="0"/>
+              </a:rPr>
+              <a:t>): String {</a:t>
+            </a:r>
+            <a:br>
+              <a:rPr kumimoji="0" lang="en-US" altLang="en-US" sz="2100" b="0" i="0" u="none" strike="noStrike" cap="none" normalizeH="0" baseline="0" dirty="0" smtClean="0">
+                <a:ln>
+                  <a:noFill/>
+                </a:ln>
+                <a:solidFill>
+                  <a:srgbClr val="A9B7C6"/>
+                </a:solidFill>
+                <a:effectLst/>
+                <a:latin typeface="Courier New" panose="02070309020205020404" pitchFamily="49" charset="0"/>
+                <a:cs typeface="Courier New" panose="02070309020205020404" pitchFamily="49" charset="0"/>
+              </a:rPr>
+            </a:br>
+            <a:r>
+              <a:rPr kumimoji="0" lang="en-US" altLang="en-US" sz="2100" b="0" i="0" u="none" strike="noStrike" cap="none" normalizeH="0" baseline="0" dirty="0" smtClean="0">
+                <a:ln>
+                  <a:noFill/>
+                </a:ln>
+                <a:solidFill>
+                  <a:srgbClr val="A9B7C6"/>
+                </a:solidFill>
+                <a:effectLst/>
+                <a:latin typeface="Courier New" panose="02070309020205020404" pitchFamily="49" charset="0"/>
+                <a:cs typeface="Courier New" panose="02070309020205020404" pitchFamily="49" charset="0"/>
+              </a:rPr>
+              <a:t>    </a:t>
+            </a:r>
+            <a:r>
+              <a:rPr kumimoji="0" lang="en-US" altLang="en-US" sz="2100" b="0" i="0" u="none" strike="noStrike" cap="none" normalizeH="0" baseline="0" dirty="0" smtClean="0">
+                <a:ln>
+                  <a:noFill/>
+                </a:ln>
+                <a:solidFill>
+                  <a:srgbClr val="CC7832"/>
+                </a:solidFill>
+                <a:effectLst/>
+                <a:latin typeface="Courier New" panose="02070309020205020404" pitchFamily="49" charset="0"/>
+                <a:cs typeface="Courier New" panose="02070309020205020404" pitchFamily="49" charset="0"/>
+              </a:rPr>
+              <a:t>return </a:t>
+            </a:r>
+            <a:r>
+              <a:rPr kumimoji="0" lang="en-US" altLang="en-US" sz="2100" b="0" i="0" u="none" strike="noStrike" cap="none" normalizeH="0" baseline="0" dirty="0" smtClean="0">
+                <a:ln>
+                  <a:noFill/>
+                </a:ln>
+                <a:solidFill>
+                  <a:srgbClr val="6A8759"/>
+                </a:solidFill>
+                <a:effectLst/>
+                <a:latin typeface="Courier New" panose="02070309020205020404" pitchFamily="49" charset="0"/>
+                <a:cs typeface="Courier New" panose="02070309020205020404" pitchFamily="49" charset="0"/>
+              </a:rPr>
+              <a:t>"Hello, </a:t>
+            </a:r>
+            <a:r>
+              <a:rPr kumimoji="0" lang="en-US" altLang="en-US" sz="2100" b="0" i="0" u="none" strike="noStrike" cap="none" normalizeH="0" baseline="0" dirty="0" smtClean="0">
+                <a:ln>
+                  <a:noFill/>
+                </a:ln>
+                <a:solidFill>
+                  <a:srgbClr val="CC7832"/>
+                </a:solidFill>
+                <a:effectLst/>
+                <a:latin typeface="Courier New" panose="02070309020205020404" pitchFamily="49" charset="0"/>
+                <a:cs typeface="Courier New" panose="02070309020205020404" pitchFamily="49" charset="0"/>
+              </a:rPr>
+              <a:t>$</a:t>
+            </a:r>
+            <a:r>
+              <a:rPr kumimoji="0" lang="en-US" altLang="en-US" sz="2100" b="0" i="0" u="none" strike="noStrike" cap="none" normalizeH="0" baseline="0" dirty="0" smtClean="0">
+                <a:ln>
+                  <a:noFill/>
+                </a:ln>
+                <a:solidFill>
+                  <a:srgbClr val="A9B7C6"/>
+                </a:solidFill>
+                <a:effectLst/>
+                <a:latin typeface="Courier New" panose="02070309020205020404" pitchFamily="49" charset="0"/>
+                <a:cs typeface="Courier New" panose="02070309020205020404" pitchFamily="49" charset="0"/>
+              </a:rPr>
+              <a:t>name</a:t>
+            </a:r>
+            <a:r>
+              <a:rPr kumimoji="0" lang="en-US" altLang="en-US" sz="2100" b="0" i="0" u="none" strike="noStrike" cap="none" normalizeH="0" baseline="0" dirty="0" smtClean="0">
+                <a:ln>
+                  <a:noFill/>
+                </a:ln>
+                <a:solidFill>
+                  <a:srgbClr val="6A8759"/>
+                </a:solidFill>
+                <a:effectLst/>
+                <a:latin typeface="Courier New" panose="02070309020205020404" pitchFamily="49" charset="0"/>
+                <a:cs typeface="Courier New" panose="02070309020205020404" pitchFamily="49" charset="0"/>
+              </a:rPr>
+              <a:t>!"</a:t>
+            </a:r>
+            <a:br>
+              <a:rPr kumimoji="0" lang="en-US" altLang="en-US" sz="2100" b="0" i="0" u="none" strike="noStrike" cap="none" normalizeH="0" baseline="0" dirty="0" smtClean="0">
+                <a:ln>
+                  <a:noFill/>
+                </a:ln>
+                <a:solidFill>
+                  <a:srgbClr val="6A8759"/>
+                </a:solidFill>
+                <a:effectLst/>
+                <a:latin typeface="Courier New" panose="02070309020205020404" pitchFamily="49" charset="0"/>
+                <a:cs typeface="Courier New" panose="02070309020205020404" pitchFamily="49" charset="0"/>
+              </a:rPr>
+            </a:br>
+            <a:r>
+              <a:rPr kumimoji="0" lang="en-US" altLang="en-US" sz="2100" b="0" i="0" u="none" strike="noStrike" cap="none" normalizeH="0" baseline="0" dirty="0" smtClean="0">
+                <a:ln>
+                  <a:noFill/>
+                </a:ln>
+                <a:solidFill>
+                  <a:srgbClr val="A9B7C6"/>
+                </a:solidFill>
+                <a:effectLst/>
+                <a:latin typeface="Courier New" panose="02070309020205020404" pitchFamily="49" charset="0"/>
+                <a:cs typeface="Courier New" panose="02070309020205020404" pitchFamily="49" charset="0"/>
+              </a:rPr>
+              <a:t>}</a:t>
+            </a:r>
+            <a:br>
+              <a:rPr kumimoji="0" lang="en-US" altLang="en-US" sz="2100" b="0" i="0" u="none" strike="noStrike" cap="none" normalizeH="0" baseline="0" dirty="0" smtClean="0">
+                <a:ln>
+                  <a:noFill/>
+                </a:ln>
+                <a:solidFill>
+                  <a:srgbClr val="A9B7C6"/>
+                </a:solidFill>
+                <a:effectLst/>
+                <a:latin typeface="Courier New" panose="02070309020205020404" pitchFamily="49" charset="0"/>
+                <a:cs typeface="Courier New" panose="02070309020205020404" pitchFamily="49" charset="0"/>
+              </a:rPr>
+            </a:br>
+            <a:r>
+              <a:rPr kumimoji="0" lang="en-US" altLang="en-US" sz="2100" b="0" i="0" u="none" strike="noStrike" cap="none" normalizeH="0" baseline="0" dirty="0" smtClean="0">
+                <a:ln>
+                  <a:noFill/>
+                </a:ln>
+                <a:solidFill>
+                  <a:srgbClr val="A9B7C6"/>
+                </a:solidFill>
+                <a:effectLst/>
+                <a:latin typeface="Courier New" panose="02070309020205020404" pitchFamily="49" charset="0"/>
+                <a:cs typeface="Courier New" panose="02070309020205020404" pitchFamily="49" charset="0"/>
+              </a:rPr>
+              <a:t>println(hello(</a:t>
+            </a:r>
+            <a:r>
+              <a:rPr kumimoji="0" lang="en-US" altLang="en-US" sz="2100" b="0" i="0" u="none" strike="noStrike" cap="none" normalizeH="0" baseline="0" dirty="0" smtClean="0">
+                <a:ln>
+                  <a:noFill/>
+                </a:ln>
+                <a:solidFill>
+                  <a:srgbClr val="6A8759"/>
+                </a:solidFill>
+                <a:effectLst/>
+                <a:latin typeface="Courier New" panose="02070309020205020404" pitchFamily="49" charset="0"/>
+                <a:cs typeface="Courier New" panose="02070309020205020404" pitchFamily="49" charset="0"/>
+              </a:rPr>
+              <a:t>"foo"</a:t>
+            </a:r>
+            <a:r>
+              <a:rPr kumimoji="0" lang="en-US" altLang="en-US" sz="2100" b="0" i="0" u="none" strike="noStrike" cap="none" normalizeH="0" baseline="0" dirty="0" smtClean="0">
+                <a:ln>
+                  <a:noFill/>
+                </a:ln>
+                <a:solidFill>
+                  <a:srgbClr val="A9B7C6"/>
+                </a:solidFill>
+                <a:effectLst/>
+                <a:latin typeface="Courier New" panose="02070309020205020404" pitchFamily="49" charset="0"/>
+                <a:cs typeface="Courier New" panose="02070309020205020404" pitchFamily="49" charset="0"/>
+              </a:rPr>
+              <a:t>)) </a:t>
+            </a:r>
+            <a:r>
+              <a:rPr kumimoji="0" lang="en-US" altLang="en-US" sz="2100" b="0" i="0" u="none" strike="noStrike" cap="none" normalizeH="0" baseline="0" dirty="0" smtClean="0">
+                <a:ln>
+                  <a:noFill/>
+                </a:ln>
+                <a:solidFill>
+                  <a:srgbClr val="808080"/>
+                </a:solidFill>
+                <a:effectLst/>
+                <a:latin typeface="Courier New" panose="02070309020205020404" pitchFamily="49" charset="0"/>
+                <a:cs typeface="Courier New" panose="02070309020205020404" pitchFamily="49" charset="0"/>
+              </a:rPr>
+              <a:t>// =&gt; Hello, foo!</a:t>
+            </a:r>
+            <a:br>
+              <a:rPr kumimoji="0" lang="en-US" altLang="en-US" sz="2100" b="0" i="0" u="none" strike="noStrike" cap="none" normalizeH="0" baseline="0" dirty="0" smtClean="0">
+                <a:ln>
+                  <a:noFill/>
+                </a:ln>
+                <a:solidFill>
+                  <a:srgbClr val="808080"/>
+                </a:solidFill>
+                <a:effectLst/>
+                <a:latin typeface="Courier New" panose="02070309020205020404" pitchFamily="49" charset="0"/>
+                <a:cs typeface="Courier New" panose="02070309020205020404" pitchFamily="49" charset="0"/>
+              </a:rPr>
+            </a:br>
+            <a:r>
+              <a:rPr kumimoji="0" lang="en-US" altLang="en-US" sz="2100" b="0" i="0" u="none" strike="noStrike" cap="none" normalizeH="0" baseline="0" dirty="0" smtClean="0">
+                <a:ln>
+                  <a:noFill/>
+                </a:ln>
+                <a:solidFill>
+                  <a:srgbClr val="A9B7C6"/>
+                </a:solidFill>
+                <a:effectLst/>
+                <a:latin typeface="Courier New" panose="02070309020205020404" pitchFamily="49" charset="0"/>
+                <a:cs typeface="Courier New" panose="02070309020205020404" pitchFamily="49" charset="0"/>
+              </a:rPr>
+              <a:t>println(hello(name = </a:t>
+            </a:r>
+            <a:r>
+              <a:rPr kumimoji="0" lang="en-US" altLang="en-US" sz="2100" b="0" i="0" u="none" strike="noStrike" cap="none" normalizeH="0" baseline="0" dirty="0" smtClean="0">
+                <a:ln>
+                  <a:noFill/>
+                </a:ln>
+                <a:solidFill>
+                  <a:srgbClr val="6A8759"/>
+                </a:solidFill>
+                <a:effectLst/>
+                <a:latin typeface="Courier New" panose="02070309020205020404" pitchFamily="49" charset="0"/>
+                <a:cs typeface="Courier New" panose="02070309020205020404" pitchFamily="49" charset="0"/>
+              </a:rPr>
+              <a:t>"bar"</a:t>
+            </a:r>
+            <a:r>
+              <a:rPr kumimoji="0" lang="en-US" altLang="en-US" sz="2100" b="0" i="0" u="none" strike="noStrike" cap="none" normalizeH="0" baseline="0" dirty="0" smtClean="0">
+                <a:ln>
+                  <a:noFill/>
+                </a:ln>
+                <a:solidFill>
+                  <a:srgbClr val="A9B7C6"/>
+                </a:solidFill>
+                <a:effectLst/>
+                <a:latin typeface="Courier New" panose="02070309020205020404" pitchFamily="49" charset="0"/>
+                <a:cs typeface="Courier New" panose="02070309020205020404" pitchFamily="49" charset="0"/>
+              </a:rPr>
+              <a:t>)) </a:t>
+            </a:r>
+            <a:r>
+              <a:rPr kumimoji="0" lang="en-US" altLang="en-US" sz="2100" b="0" i="0" u="none" strike="noStrike" cap="none" normalizeH="0" baseline="0" dirty="0" smtClean="0">
+                <a:ln>
+                  <a:noFill/>
+                </a:ln>
+                <a:solidFill>
+                  <a:srgbClr val="808080"/>
+                </a:solidFill>
+                <a:effectLst/>
+                <a:latin typeface="Courier New" panose="02070309020205020404" pitchFamily="49" charset="0"/>
+                <a:cs typeface="Courier New" panose="02070309020205020404" pitchFamily="49" charset="0"/>
+              </a:rPr>
+              <a:t>// =&gt; Hello, bar!</a:t>
+            </a:r>
+            <a:br>
+              <a:rPr kumimoji="0" lang="en-US" altLang="en-US" sz="2100" b="0" i="0" u="none" strike="noStrike" cap="none" normalizeH="0" baseline="0" dirty="0" smtClean="0">
+                <a:ln>
+                  <a:noFill/>
+                </a:ln>
+                <a:solidFill>
+                  <a:srgbClr val="808080"/>
+                </a:solidFill>
+                <a:effectLst/>
+                <a:latin typeface="Courier New" panose="02070309020205020404" pitchFamily="49" charset="0"/>
+                <a:cs typeface="Courier New" panose="02070309020205020404" pitchFamily="49" charset="0"/>
+              </a:rPr>
+            </a:br>
+            <a:r>
+              <a:rPr kumimoji="0" lang="en-US" altLang="en-US" sz="2100" b="0" i="0" u="none" strike="noStrike" cap="none" normalizeH="0" baseline="0" dirty="0" smtClean="0">
+                <a:ln>
+                  <a:noFill/>
+                </a:ln>
+                <a:solidFill>
+                  <a:srgbClr val="A9B7C6"/>
+                </a:solidFill>
+                <a:effectLst/>
+                <a:latin typeface="Courier New" panose="02070309020205020404" pitchFamily="49" charset="0"/>
+                <a:cs typeface="Courier New" panose="02070309020205020404" pitchFamily="49" charset="0"/>
+              </a:rPr>
+              <a:t>println(hello()) </a:t>
+            </a:r>
+            <a:r>
+              <a:rPr kumimoji="0" lang="en-US" altLang="en-US" sz="2100" b="0" i="0" u="none" strike="noStrike" cap="none" normalizeH="0" baseline="0" dirty="0" smtClean="0">
+                <a:ln>
+                  <a:noFill/>
+                </a:ln>
+                <a:solidFill>
+                  <a:srgbClr val="808080"/>
+                </a:solidFill>
+                <a:effectLst/>
+                <a:latin typeface="Courier New" panose="02070309020205020404" pitchFamily="49" charset="0"/>
+                <a:cs typeface="Courier New" panose="02070309020205020404" pitchFamily="49" charset="0"/>
+              </a:rPr>
+              <a:t>// =&gt; Hello, world!</a:t>
+            </a:r>
+            <a:endParaRPr kumimoji="0" lang="en-US" altLang="en-US" sz="2100" b="0" i="0" u="none" strike="noStrike" cap="none" normalizeH="0" baseline="0" dirty="0" smtClean="0">
+              <a:ln>
+                <a:noFill/>
+              </a:ln>
+              <a:solidFill>
+                <a:schemeClr val="tx1"/>
+              </a:solidFill>
+              <a:effectLst/>
+              <a:latin typeface="Arial" panose="020B0604020202020204" pitchFamily="34" charset="0"/>
+            </a:endParaRPr>
+          </a:p>
+        </p:txBody>
+      </p:sp>
+    </p:spTree>
+    <p:extLst>
+      <p:ext uri="{BB962C8B-B14F-4D97-AF65-F5344CB8AC3E}">
+        <p14:creationId xmlns:p14="http://schemas.microsoft.com/office/powerpoint/2010/main" val="412519420"/>
+      </p:ext>
+    </p:extLst>
+  </p:cSld>
+  <p:clrMapOvr>
+    <a:masterClrMapping/>
+  </p:clrMapOvr>
+  <p:timing>
+    <p:tnLst>
+      <p:par>
+        <p:cTn id="1" dur="indefinite" restart="never" nodeType="tmRoot"/>
+      </p:par>
+    </p:tnLst>
+  </p:timing>
+</p:sld>
+</file>
+
+<file path=ppt/slides/slide28.xml><?xml version="1.0" encoding="utf-8"?>
+<p:sld xmlns:a="http://schemas.openxmlformats.org/drawingml/2006/main" xmlns:r="http://schemas.openxmlformats.org/officeDocument/2006/relationships" xmlns:p="http://schemas.openxmlformats.org/presentationml/2006/main">
+  <p:cSld>
+    <p:spTree>
+      <p:nvGrpSpPr>
+        <p:cNvPr id="1" name=""/>
+        <p:cNvGrpSpPr/>
+        <p:nvPr/>
+      </p:nvGrpSpPr>
+      <p:grpSpPr>
+        <a:xfrm>
+          <a:off x="0" y="0"/>
+          <a:ext cx="0" cy="0"/>
+          <a:chOff x="0" y="0"/>
+          <a:chExt cx="0" cy="0"/>
+        </a:xfrm>
+      </p:grpSpPr>
+      <p:sp>
+        <p:nvSpPr>
+          <p:cNvPr id="2" name="Title 1"/>
+          <p:cNvSpPr>
+            <a:spLocks noGrp="1"/>
+          </p:cNvSpPr>
+          <p:nvPr>
+            <p:ph type="title"/>
+          </p:nvPr>
+        </p:nvSpPr>
+        <p:spPr/>
+        <p:txBody>
+          <a:bodyPr/>
+          <a:lstStyle/>
+          <a:p>
+            <a:r>
+              <a:rPr lang="en-US" b="1" dirty="0"/>
+              <a:t>Hello world</a:t>
+            </a:r>
+          </a:p>
+        </p:txBody>
+      </p:sp>
+      <p:sp>
+        <p:nvSpPr>
+          <p:cNvPr id="3" name="Content Placeholder 2"/>
+          <p:cNvSpPr>
+            <a:spLocks noGrp="1"/>
+          </p:cNvSpPr>
+          <p:nvPr>
+            <p:ph idx="1"/>
+          </p:nvPr>
+        </p:nvSpPr>
+        <p:spPr>
+          <a:xfrm>
+            <a:off x="676656" y="2011680"/>
+            <a:ext cx="10753725" cy="4507992"/>
+          </a:xfrm>
+        </p:spPr>
+        <p:txBody>
+          <a:bodyPr>
+            <a:noAutofit/>
+          </a:bodyPr>
+          <a:lstStyle/>
+          <a:p>
+            <a:pPr marL="284163" indent="-228600">
+              <a:buFont typeface="Arial" panose="020B0604020202020204" pitchFamily="34" charset="0"/>
+              <a:buChar char="•"/>
+            </a:pPr>
+            <a:r>
+              <a:rPr lang="en-US" sz="3600" dirty="0">
+                <a:solidFill>
+                  <a:schemeClr val="tx1"/>
+                </a:solidFill>
+              </a:rPr>
+              <a:t>Functions can be declared using the "fun" </a:t>
+            </a:r>
+            <a:r>
+              <a:rPr lang="en-US" sz="3600" dirty="0" smtClean="0">
+                <a:solidFill>
+                  <a:schemeClr val="tx1"/>
+                </a:solidFill>
+              </a:rPr>
+              <a:t>keyword.</a:t>
+            </a:r>
+            <a:endParaRPr lang="ar-EG" sz="3600" dirty="0" smtClean="0">
+              <a:solidFill>
+                <a:schemeClr val="tx1"/>
+              </a:solidFill>
+            </a:endParaRPr>
+          </a:p>
+          <a:p>
+            <a:pPr marL="284163" indent="-228600">
+              <a:buFont typeface="Arial" panose="020B0604020202020204" pitchFamily="34" charset="0"/>
+              <a:buChar char="•"/>
+            </a:pPr>
+            <a:r>
+              <a:rPr lang="en-US" sz="3600" dirty="0" smtClean="0">
+                <a:solidFill>
+                  <a:schemeClr val="tx1"/>
+                </a:solidFill>
+              </a:rPr>
+              <a:t>Function </a:t>
+            </a:r>
+            <a:r>
+              <a:rPr lang="en-US" sz="3600" dirty="0">
+                <a:solidFill>
+                  <a:schemeClr val="tx1"/>
+                </a:solidFill>
+              </a:rPr>
+              <a:t>arguments are specified in brackets after the function </a:t>
+            </a:r>
+            <a:r>
+              <a:rPr lang="en-US" sz="3600" dirty="0" smtClean="0">
+                <a:solidFill>
+                  <a:schemeClr val="tx1"/>
+                </a:solidFill>
+              </a:rPr>
+              <a:t>name.</a:t>
+            </a:r>
+            <a:endParaRPr lang="ar-EG" sz="3600" dirty="0" smtClean="0">
+              <a:solidFill>
+                <a:schemeClr val="tx1"/>
+              </a:solidFill>
+            </a:endParaRPr>
+          </a:p>
+          <a:p>
+            <a:pPr marL="284163" indent="-228600">
+              <a:buFont typeface="Arial" panose="020B0604020202020204" pitchFamily="34" charset="0"/>
+              <a:buChar char="•"/>
+            </a:pPr>
+            <a:r>
+              <a:rPr lang="en-US" sz="3600" dirty="0" smtClean="0">
+                <a:solidFill>
+                  <a:schemeClr val="tx1"/>
+                </a:solidFill>
+              </a:rPr>
+              <a:t>Function </a:t>
+            </a:r>
+            <a:r>
+              <a:rPr lang="en-US" sz="3600" dirty="0">
+                <a:solidFill>
+                  <a:schemeClr val="tx1"/>
+                </a:solidFill>
+              </a:rPr>
+              <a:t>arguments can optionally have a default </a:t>
+            </a:r>
+            <a:r>
+              <a:rPr lang="en-US" sz="3600" dirty="0" smtClean="0">
+                <a:solidFill>
+                  <a:schemeClr val="tx1"/>
+                </a:solidFill>
+              </a:rPr>
+              <a:t>value.</a:t>
+            </a:r>
+            <a:endParaRPr lang="ar-EG" sz="3600" dirty="0" smtClean="0">
+              <a:solidFill>
+                <a:schemeClr val="tx1"/>
+              </a:solidFill>
+            </a:endParaRPr>
+          </a:p>
+          <a:p>
+            <a:pPr marL="284163" indent="-228600">
+              <a:buFont typeface="Arial" panose="020B0604020202020204" pitchFamily="34" charset="0"/>
+              <a:buChar char="•"/>
+            </a:pPr>
+            <a:r>
+              <a:rPr lang="en-US" sz="3600" dirty="0" smtClean="0">
+                <a:solidFill>
+                  <a:schemeClr val="tx1"/>
+                </a:solidFill>
+              </a:rPr>
+              <a:t>The </a:t>
+            </a:r>
+            <a:r>
+              <a:rPr lang="en-US" sz="3600" dirty="0">
+                <a:solidFill>
+                  <a:schemeClr val="tx1"/>
+                </a:solidFill>
+              </a:rPr>
+              <a:t>function return type, if required, is specified after the arguments.</a:t>
+            </a:r>
+            <a:endParaRPr lang="en-US" sz="3600" dirty="0">
+              <a:solidFill>
+                <a:schemeClr val="tx1"/>
+              </a:solidFill>
+            </a:endParaRPr>
+          </a:p>
+        </p:txBody>
+      </p:sp>
+      <p:pic>
+        <p:nvPicPr>
+          <p:cNvPr id="6" name="Picture 5"/>
+          <p:cNvPicPr>
+            <a:picLocks noChangeAspect="1"/>
+          </p:cNvPicPr>
+          <p:nvPr/>
+        </p:nvPicPr>
+        <p:blipFill>
+          <a:blip r:embed="rId3" cstate="print">
+            <a:extLst>
+              <a:ext uri="{28A0092B-C50C-407E-A947-70E740481C1C}">
+                <a14:useLocalDpi xmlns:a14="http://schemas.microsoft.com/office/drawing/2010/main" val="0"/>
+              </a:ext>
+            </a:extLst>
+          </a:blip>
+          <a:stretch>
+            <a:fillRect/>
+          </a:stretch>
+        </p:blipFill>
+        <p:spPr>
+          <a:xfrm>
+            <a:off x="10427110" y="0"/>
+            <a:ext cx="1764890" cy="1764890"/>
+          </a:xfrm>
+          <a:prstGeom prst="rect">
+            <a:avLst/>
+          </a:prstGeom>
+        </p:spPr>
+      </p:pic>
+      <p:sp>
+        <p:nvSpPr>
+          <p:cNvPr id="5" name="Rectangle 2"/>
+          <p:cNvSpPr>
+            <a:spLocks noChangeArrowheads="1"/>
+          </p:cNvSpPr>
+          <p:nvPr/>
+        </p:nvSpPr>
+        <p:spPr bwMode="auto">
+          <a:xfrm>
+            <a:off x="4121903" y="4825290"/>
+            <a:ext cx="7632218" cy="2031325"/>
+          </a:xfrm>
+          <a:prstGeom prst="rect">
+            <a:avLst/>
+          </a:prstGeom>
+          <a:solidFill>
+            <a:srgbClr val="2B2B2B"/>
+          </a:solidFill>
+          <a:ln>
+            <a:noFill/>
+          </a:ln>
+          <a:effectLst/>
+          <a:extLst>
+            <a:ext uri="{91240B29-F687-4F45-9708-019B960494DF}">
+              <a14:hiddenLine xmlns:a14="http://schemas.microsoft.com/office/drawing/2010/main" w="9525">
+                <a:solidFill>
+                  <a:schemeClr val="tx1"/>
+                </a:solidFill>
+                <a:miter lim="800000"/>
+                <a:headEnd/>
+                <a:tailEnd/>
+              </a14:hiddenLine>
+            </a:ext>
+            <a:ext uri="{AF507438-7753-43E0-B8FC-AC1667EBCBE1}">
+              <a14:hiddenEffects xmlns:a14="http://schemas.microsoft.com/office/drawing/2010/main">
+                <a:effectLst>
+                  <a:outerShdw dist="35921" dir="2700000" algn="ctr" rotWithShape="0">
+                    <a:schemeClr val="bg2"/>
+                  </a:outerShdw>
+                </a:effectLst>
+              </a14:hiddenEffects>
+            </a:ext>
+          </a:extLst>
+        </p:spPr>
+        <p:txBody>
+          <a:bodyPr vert="horz" wrap="none" lIns="91440" tIns="45720" rIns="91440" bIns="45720" numCol="1" anchor="ctr" anchorCtr="0" compatLnSpc="1">
+            <a:prstTxWarp prst="textNoShape">
+              <a:avLst/>
+            </a:prstTxWarp>
+            <a:spAutoFit/>
+          </a:bodyPr>
+          <a:lstStyle/>
+          <a:p>
+            <a:pPr marL="0" marR="0" lvl="0" indent="0" algn="l" defTabSz="914400" rtl="0" eaLnBrk="0" fontAlgn="base" latinLnBrk="0" hangingPunct="0">
+              <a:lnSpc>
+                <a:spcPct val="100000"/>
+              </a:lnSpc>
+              <a:spcBef>
+                <a:spcPct val="0"/>
+              </a:spcBef>
+              <a:spcAft>
+                <a:spcPct val="0"/>
+              </a:spcAft>
+              <a:buClrTx/>
+              <a:buSzTx/>
+              <a:buFontTx/>
+              <a:buNone/>
+              <a:tabLst/>
+            </a:pPr>
+            <a:r>
+              <a:rPr kumimoji="0" lang="en-US" altLang="en-US" sz="2100" b="0" i="0" u="none" strike="noStrike" cap="none" normalizeH="0" baseline="0" dirty="0" smtClean="0">
+                <a:ln>
+                  <a:noFill/>
+                </a:ln>
+                <a:solidFill>
+                  <a:srgbClr val="CC7832"/>
+                </a:solidFill>
+                <a:effectLst/>
+                <a:latin typeface="Courier New" panose="02070309020205020404" pitchFamily="49" charset="0"/>
+                <a:cs typeface="Courier New" panose="02070309020205020404" pitchFamily="49" charset="0"/>
+              </a:rPr>
+              <a:t>fun </a:t>
+            </a:r>
+            <a:r>
+              <a:rPr kumimoji="0" lang="en-US" altLang="en-US" sz="2100" b="0" i="0" u="none" strike="noStrike" cap="none" normalizeH="0" baseline="0" dirty="0" smtClean="0">
+                <a:ln>
+                  <a:noFill/>
+                </a:ln>
+                <a:solidFill>
+                  <a:srgbClr val="FFC66D"/>
+                </a:solidFill>
+                <a:effectLst/>
+                <a:latin typeface="Courier New" panose="02070309020205020404" pitchFamily="49" charset="0"/>
+                <a:cs typeface="Courier New" panose="02070309020205020404" pitchFamily="49" charset="0"/>
+              </a:rPr>
+              <a:t>hello</a:t>
+            </a:r>
+            <a:r>
+              <a:rPr kumimoji="0" lang="en-US" altLang="en-US" sz="2100" b="0" i="0" u="none" strike="noStrike" cap="none" normalizeH="0" baseline="0" dirty="0" smtClean="0">
+                <a:ln>
+                  <a:noFill/>
+                </a:ln>
+                <a:solidFill>
+                  <a:srgbClr val="A9B7C6"/>
+                </a:solidFill>
+                <a:effectLst/>
+                <a:latin typeface="Courier New" panose="02070309020205020404" pitchFamily="49" charset="0"/>
+                <a:cs typeface="Courier New" panose="02070309020205020404" pitchFamily="49" charset="0"/>
+              </a:rPr>
+              <a:t>(name: String = </a:t>
+            </a:r>
+            <a:r>
+              <a:rPr kumimoji="0" lang="en-US" altLang="en-US" sz="2100" b="0" i="0" u="none" strike="noStrike" cap="none" normalizeH="0" baseline="0" dirty="0" smtClean="0">
+                <a:ln>
+                  <a:noFill/>
+                </a:ln>
+                <a:solidFill>
+                  <a:srgbClr val="6A8759"/>
+                </a:solidFill>
+                <a:effectLst/>
+                <a:latin typeface="Courier New" panose="02070309020205020404" pitchFamily="49" charset="0"/>
+                <a:cs typeface="Courier New" panose="02070309020205020404" pitchFamily="49" charset="0"/>
+              </a:rPr>
+              <a:t>"world"</a:t>
+            </a:r>
+            <a:r>
+              <a:rPr kumimoji="0" lang="en-US" altLang="en-US" sz="2100" b="0" i="0" u="none" strike="noStrike" cap="none" normalizeH="0" baseline="0" dirty="0" smtClean="0">
+                <a:ln>
+                  <a:noFill/>
+                </a:ln>
+                <a:solidFill>
+                  <a:srgbClr val="A9B7C6"/>
+                </a:solidFill>
+                <a:effectLst/>
+                <a:latin typeface="Courier New" panose="02070309020205020404" pitchFamily="49" charset="0"/>
+                <a:cs typeface="Courier New" panose="02070309020205020404" pitchFamily="49" charset="0"/>
+              </a:rPr>
+              <a:t>): String {</a:t>
+            </a:r>
+            <a:br>
+              <a:rPr kumimoji="0" lang="en-US" altLang="en-US" sz="2100" b="0" i="0" u="none" strike="noStrike" cap="none" normalizeH="0" baseline="0" dirty="0" smtClean="0">
+                <a:ln>
+                  <a:noFill/>
+                </a:ln>
+                <a:solidFill>
+                  <a:srgbClr val="A9B7C6"/>
+                </a:solidFill>
+                <a:effectLst/>
+                <a:latin typeface="Courier New" panose="02070309020205020404" pitchFamily="49" charset="0"/>
+                <a:cs typeface="Courier New" panose="02070309020205020404" pitchFamily="49" charset="0"/>
+              </a:rPr>
+            </a:br>
+            <a:r>
+              <a:rPr kumimoji="0" lang="en-US" altLang="en-US" sz="2100" b="0" i="0" u="none" strike="noStrike" cap="none" normalizeH="0" baseline="0" dirty="0" smtClean="0">
+                <a:ln>
+                  <a:noFill/>
+                </a:ln>
+                <a:solidFill>
+                  <a:srgbClr val="A9B7C6"/>
+                </a:solidFill>
+                <a:effectLst/>
+                <a:latin typeface="Courier New" panose="02070309020205020404" pitchFamily="49" charset="0"/>
+                <a:cs typeface="Courier New" panose="02070309020205020404" pitchFamily="49" charset="0"/>
+              </a:rPr>
+              <a:t>    </a:t>
+            </a:r>
+            <a:r>
+              <a:rPr kumimoji="0" lang="en-US" altLang="en-US" sz="2100" b="0" i="0" u="none" strike="noStrike" cap="none" normalizeH="0" baseline="0" dirty="0" smtClean="0">
+                <a:ln>
+                  <a:noFill/>
+                </a:ln>
+                <a:solidFill>
+                  <a:srgbClr val="CC7832"/>
+                </a:solidFill>
+                <a:effectLst/>
+                <a:latin typeface="Courier New" panose="02070309020205020404" pitchFamily="49" charset="0"/>
+                <a:cs typeface="Courier New" panose="02070309020205020404" pitchFamily="49" charset="0"/>
+              </a:rPr>
+              <a:t>return </a:t>
+            </a:r>
+            <a:r>
+              <a:rPr kumimoji="0" lang="en-US" altLang="en-US" sz="2100" b="0" i="0" u="none" strike="noStrike" cap="none" normalizeH="0" baseline="0" dirty="0" smtClean="0">
+                <a:ln>
+                  <a:noFill/>
+                </a:ln>
+                <a:solidFill>
+                  <a:srgbClr val="6A8759"/>
+                </a:solidFill>
+                <a:effectLst/>
+                <a:latin typeface="Courier New" panose="02070309020205020404" pitchFamily="49" charset="0"/>
+                <a:cs typeface="Courier New" panose="02070309020205020404" pitchFamily="49" charset="0"/>
+              </a:rPr>
+              <a:t>"Hello, </a:t>
+            </a:r>
+            <a:r>
+              <a:rPr kumimoji="0" lang="en-US" altLang="en-US" sz="2100" b="0" i="0" u="none" strike="noStrike" cap="none" normalizeH="0" baseline="0" dirty="0" smtClean="0">
+                <a:ln>
+                  <a:noFill/>
+                </a:ln>
+                <a:solidFill>
+                  <a:srgbClr val="CC7832"/>
+                </a:solidFill>
+                <a:effectLst/>
+                <a:latin typeface="Courier New" panose="02070309020205020404" pitchFamily="49" charset="0"/>
+                <a:cs typeface="Courier New" panose="02070309020205020404" pitchFamily="49" charset="0"/>
+              </a:rPr>
+              <a:t>$</a:t>
+            </a:r>
+            <a:r>
+              <a:rPr kumimoji="0" lang="en-US" altLang="en-US" sz="2100" b="0" i="0" u="none" strike="noStrike" cap="none" normalizeH="0" baseline="0" dirty="0" smtClean="0">
+                <a:ln>
+                  <a:noFill/>
+                </a:ln>
+                <a:solidFill>
+                  <a:srgbClr val="A9B7C6"/>
+                </a:solidFill>
+                <a:effectLst/>
+                <a:latin typeface="Courier New" panose="02070309020205020404" pitchFamily="49" charset="0"/>
+                <a:cs typeface="Courier New" panose="02070309020205020404" pitchFamily="49" charset="0"/>
+              </a:rPr>
+              <a:t>name</a:t>
+            </a:r>
+            <a:r>
+              <a:rPr kumimoji="0" lang="en-US" altLang="en-US" sz="2100" b="0" i="0" u="none" strike="noStrike" cap="none" normalizeH="0" baseline="0" dirty="0" smtClean="0">
+                <a:ln>
+                  <a:noFill/>
+                </a:ln>
+                <a:solidFill>
+                  <a:srgbClr val="6A8759"/>
+                </a:solidFill>
+                <a:effectLst/>
+                <a:latin typeface="Courier New" panose="02070309020205020404" pitchFamily="49" charset="0"/>
+                <a:cs typeface="Courier New" panose="02070309020205020404" pitchFamily="49" charset="0"/>
+              </a:rPr>
+              <a:t>!"</a:t>
+            </a:r>
+            <a:br>
+              <a:rPr kumimoji="0" lang="en-US" altLang="en-US" sz="2100" b="0" i="0" u="none" strike="noStrike" cap="none" normalizeH="0" baseline="0" dirty="0" smtClean="0">
+                <a:ln>
+                  <a:noFill/>
+                </a:ln>
+                <a:solidFill>
+                  <a:srgbClr val="6A8759"/>
+                </a:solidFill>
+                <a:effectLst/>
+                <a:latin typeface="Courier New" panose="02070309020205020404" pitchFamily="49" charset="0"/>
+                <a:cs typeface="Courier New" panose="02070309020205020404" pitchFamily="49" charset="0"/>
+              </a:rPr>
+            </a:br>
+            <a:r>
+              <a:rPr kumimoji="0" lang="en-US" altLang="en-US" sz="2100" b="0" i="0" u="none" strike="noStrike" cap="none" normalizeH="0" baseline="0" dirty="0" smtClean="0">
+                <a:ln>
+                  <a:noFill/>
+                </a:ln>
+                <a:solidFill>
+                  <a:srgbClr val="A9B7C6"/>
+                </a:solidFill>
+                <a:effectLst/>
+                <a:latin typeface="Courier New" panose="02070309020205020404" pitchFamily="49" charset="0"/>
+                <a:cs typeface="Courier New" panose="02070309020205020404" pitchFamily="49" charset="0"/>
+              </a:rPr>
+              <a:t>}</a:t>
+            </a:r>
+            <a:br>
+              <a:rPr kumimoji="0" lang="en-US" altLang="en-US" sz="2100" b="0" i="0" u="none" strike="noStrike" cap="none" normalizeH="0" baseline="0" dirty="0" smtClean="0">
+                <a:ln>
+                  <a:noFill/>
+                </a:ln>
+                <a:solidFill>
+                  <a:srgbClr val="A9B7C6"/>
+                </a:solidFill>
+                <a:effectLst/>
+                <a:latin typeface="Courier New" panose="02070309020205020404" pitchFamily="49" charset="0"/>
+                <a:cs typeface="Courier New" panose="02070309020205020404" pitchFamily="49" charset="0"/>
+              </a:rPr>
+            </a:br>
+            <a:r>
+              <a:rPr kumimoji="0" lang="en-US" altLang="en-US" sz="2100" b="0" i="0" u="none" strike="noStrike" cap="none" normalizeH="0" baseline="0" dirty="0" smtClean="0">
+                <a:ln>
+                  <a:noFill/>
+                </a:ln>
+                <a:solidFill>
+                  <a:srgbClr val="A9B7C6"/>
+                </a:solidFill>
+                <a:effectLst/>
+                <a:latin typeface="Courier New" panose="02070309020205020404" pitchFamily="49" charset="0"/>
+                <a:cs typeface="Courier New" panose="02070309020205020404" pitchFamily="49" charset="0"/>
+              </a:rPr>
+              <a:t>println(hello(</a:t>
+            </a:r>
+            <a:r>
+              <a:rPr kumimoji="0" lang="en-US" altLang="en-US" sz="2100" b="0" i="0" u="none" strike="noStrike" cap="none" normalizeH="0" baseline="0" dirty="0" smtClean="0">
+                <a:ln>
+                  <a:noFill/>
+                </a:ln>
+                <a:solidFill>
+                  <a:srgbClr val="6A8759"/>
+                </a:solidFill>
+                <a:effectLst/>
+                <a:latin typeface="Courier New" panose="02070309020205020404" pitchFamily="49" charset="0"/>
+                <a:cs typeface="Courier New" panose="02070309020205020404" pitchFamily="49" charset="0"/>
+              </a:rPr>
+              <a:t>"foo"</a:t>
+            </a:r>
+            <a:r>
+              <a:rPr kumimoji="0" lang="en-US" altLang="en-US" sz="2100" b="0" i="0" u="none" strike="noStrike" cap="none" normalizeH="0" baseline="0" dirty="0" smtClean="0">
+                <a:ln>
+                  <a:noFill/>
+                </a:ln>
+                <a:solidFill>
+                  <a:srgbClr val="A9B7C6"/>
+                </a:solidFill>
+                <a:effectLst/>
+                <a:latin typeface="Courier New" panose="02070309020205020404" pitchFamily="49" charset="0"/>
+                <a:cs typeface="Courier New" panose="02070309020205020404" pitchFamily="49" charset="0"/>
+              </a:rPr>
+              <a:t>)) </a:t>
+            </a:r>
+            <a:r>
+              <a:rPr kumimoji="0" lang="en-US" altLang="en-US" sz="2100" b="0" i="0" u="none" strike="noStrike" cap="none" normalizeH="0" baseline="0" dirty="0" smtClean="0">
+                <a:ln>
+                  <a:noFill/>
+                </a:ln>
+                <a:solidFill>
+                  <a:srgbClr val="808080"/>
+                </a:solidFill>
+                <a:effectLst/>
+                <a:latin typeface="Courier New" panose="02070309020205020404" pitchFamily="49" charset="0"/>
+                <a:cs typeface="Courier New" panose="02070309020205020404" pitchFamily="49" charset="0"/>
+              </a:rPr>
+              <a:t>// =&gt; Hello, foo!</a:t>
+            </a:r>
+            <a:br>
+              <a:rPr kumimoji="0" lang="en-US" altLang="en-US" sz="2100" b="0" i="0" u="none" strike="noStrike" cap="none" normalizeH="0" baseline="0" dirty="0" smtClean="0">
+                <a:ln>
+                  <a:noFill/>
+                </a:ln>
+                <a:solidFill>
+                  <a:srgbClr val="808080"/>
+                </a:solidFill>
+                <a:effectLst/>
+                <a:latin typeface="Courier New" panose="02070309020205020404" pitchFamily="49" charset="0"/>
+                <a:cs typeface="Courier New" panose="02070309020205020404" pitchFamily="49" charset="0"/>
+              </a:rPr>
+            </a:br>
+            <a:r>
+              <a:rPr kumimoji="0" lang="en-US" altLang="en-US" sz="2100" b="0" i="0" u="none" strike="noStrike" cap="none" normalizeH="0" baseline="0" dirty="0" smtClean="0">
+                <a:ln>
+                  <a:noFill/>
+                </a:ln>
+                <a:solidFill>
+                  <a:srgbClr val="A9B7C6"/>
+                </a:solidFill>
+                <a:effectLst/>
+                <a:latin typeface="Courier New" panose="02070309020205020404" pitchFamily="49" charset="0"/>
+                <a:cs typeface="Courier New" panose="02070309020205020404" pitchFamily="49" charset="0"/>
+              </a:rPr>
+              <a:t>println(hello(name = </a:t>
+            </a:r>
+            <a:r>
+              <a:rPr kumimoji="0" lang="en-US" altLang="en-US" sz="2100" b="0" i="0" u="none" strike="noStrike" cap="none" normalizeH="0" baseline="0" dirty="0" smtClean="0">
+                <a:ln>
+                  <a:noFill/>
+                </a:ln>
+                <a:solidFill>
+                  <a:srgbClr val="6A8759"/>
+                </a:solidFill>
+                <a:effectLst/>
+                <a:latin typeface="Courier New" panose="02070309020205020404" pitchFamily="49" charset="0"/>
+                <a:cs typeface="Courier New" panose="02070309020205020404" pitchFamily="49" charset="0"/>
+              </a:rPr>
+              <a:t>"bar"</a:t>
+            </a:r>
+            <a:r>
+              <a:rPr kumimoji="0" lang="en-US" altLang="en-US" sz="2100" b="0" i="0" u="none" strike="noStrike" cap="none" normalizeH="0" baseline="0" dirty="0" smtClean="0">
+                <a:ln>
+                  <a:noFill/>
+                </a:ln>
+                <a:solidFill>
+                  <a:srgbClr val="A9B7C6"/>
+                </a:solidFill>
+                <a:effectLst/>
+                <a:latin typeface="Courier New" panose="02070309020205020404" pitchFamily="49" charset="0"/>
+                <a:cs typeface="Courier New" panose="02070309020205020404" pitchFamily="49" charset="0"/>
+              </a:rPr>
+              <a:t>)) </a:t>
+            </a:r>
+            <a:r>
+              <a:rPr kumimoji="0" lang="en-US" altLang="en-US" sz="2100" b="0" i="0" u="none" strike="noStrike" cap="none" normalizeH="0" baseline="0" dirty="0" smtClean="0">
+                <a:ln>
+                  <a:noFill/>
+                </a:ln>
+                <a:solidFill>
+                  <a:srgbClr val="808080"/>
+                </a:solidFill>
+                <a:effectLst/>
+                <a:latin typeface="Courier New" panose="02070309020205020404" pitchFamily="49" charset="0"/>
+                <a:cs typeface="Courier New" panose="02070309020205020404" pitchFamily="49" charset="0"/>
+              </a:rPr>
+              <a:t>// =&gt; Hello, bar!</a:t>
+            </a:r>
+            <a:br>
+              <a:rPr kumimoji="0" lang="en-US" altLang="en-US" sz="2100" b="0" i="0" u="none" strike="noStrike" cap="none" normalizeH="0" baseline="0" dirty="0" smtClean="0">
+                <a:ln>
+                  <a:noFill/>
+                </a:ln>
+                <a:solidFill>
+                  <a:srgbClr val="808080"/>
+                </a:solidFill>
+                <a:effectLst/>
+                <a:latin typeface="Courier New" panose="02070309020205020404" pitchFamily="49" charset="0"/>
+                <a:cs typeface="Courier New" panose="02070309020205020404" pitchFamily="49" charset="0"/>
+              </a:rPr>
+            </a:br>
+            <a:r>
+              <a:rPr kumimoji="0" lang="en-US" altLang="en-US" sz="2100" b="0" i="0" u="none" strike="noStrike" cap="none" normalizeH="0" baseline="0" dirty="0" smtClean="0">
+                <a:ln>
+                  <a:noFill/>
+                </a:ln>
+                <a:solidFill>
+                  <a:srgbClr val="A9B7C6"/>
+                </a:solidFill>
+                <a:effectLst/>
+                <a:latin typeface="Courier New" panose="02070309020205020404" pitchFamily="49" charset="0"/>
+                <a:cs typeface="Courier New" panose="02070309020205020404" pitchFamily="49" charset="0"/>
+              </a:rPr>
+              <a:t>println(hello()) </a:t>
+            </a:r>
+            <a:r>
+              <a:rPr kumimoji="0" lang="en-US" altLang="en-US" sz="2100" b="0" i="0" u="none" strike="noStrike" cap="none" normalizeH="0" baseline="0" dirty="0" smtClean="0">
+                <a:ln>
+                  <a:noFill/>
+                </a:ln>
+                <a:solidFill>
+                  <a:srgbClr val="808080"/>
+                </a:solidFill>
+                <a:effectLst/>
+                <a:latin typeface="Courier New" panose="02070309020205020404" pitchFamily="49" charset="0"/>
+                <a:cs typeface="Courier New" panose="02070309020205020404" pitchFamily="49" charset="0"/>
+              </a:rPr>
+              <a:t>// =&gt; Hello, world!</a:t>
+            </a:r>
+            <a:endParaRPr kumimoji="0" lang="en-US" altLang="en-US" sz="2100" b="0" i="0" u="none" strike="noStrike" cap="none" normalizeH="0" baseline="0" dirty="0" smtClean="0">
+              <a:ln>
+                <a:noFill/>
+              </a:ln>
+              <a:solidFill>
+                <a:schemeClr val="tx1"/>
+              </a:solidFill>
+              <a:effectLst/>
+              <a:latin typeface="Arial" panose="020B0604020202020204" pitchFamily="34" charset="0"/>
+            </a:endParaRPr>
+          </a:p>
+        </p:txBody>
+      </p:sp>
+    </p:spTree>
+    <p:extLst>
+      <p:ext uri="{BB962C8B-B14F-4D97-AF65-F5344CB8AC3E}">
+        <p14:creationId xmlns:p14="http://schemas.microsoft.com/office/powerpoint/2010/main" val="4122291713"/>
+      </p:ext>
+    </p:extLst>
+  </p:cSld>
+  <p:clrMapOvr>
+    <a:masterClrMapping/>
+  </p:clrMapOvr>
+  <p:timing>
+    <p:tnLst>
+      <p:par>
+        <p:cTn id="1" dur="indefinite" restart="never" nodeType="tmRoot"/>
+      </p:par>
+    </p:tnLst>
+  </p:timing>
+</p:sld>
+</file>
+
+<file path=ppt/slides/slide29.xml><?xml version="1.0" encoding="utf-8"?>
+<p:sld xmlns:a="http://schemas.openxmlformats.org/drawingml/2006/main" xmlns:r="http://schemas.openxmlformats.org/officeDocument/2006/relationships" xmlns:p="http://schemas.openxmlformats.org/presentationml/2006/main">
+  <p:cSld>
+    <p:spTree>
+      <p:nvGrpSpPr>
+        <p:cNvPr id="1" name=""/>
+        <p:cNvGrpSpPr/>
+        <p:nvPr/>
+      </p:nvGrpSpPr>
+      <p:grpSpPr>
+        <a:xfrm>
+          <a:off x="0" y="0"/>
+          <a:ext cx="0" cy="0"/>
+          <a:chOff x="0" y="0"/>
+          <a:chExt cx="0" cy="0"/>
+        </a:xfrm>
+      </p:grpSpPr>
+      <p:sp>
+        <p:nvSpPr>
+          <p:cNvPr id="2" name="Title 1"/>
+          <p:cNvSpPr>
+            <a:spLocks noGrp="1"/>
+          </p:cNvSpPr>
+          <p:nvPr>
+            <p:ph type="title"/>
+          </p:nvPr>
+        </p:nvSpPr>
+        <p:spPr/>
+        <p:txBody>
+          <a:bodyPr/>
+          <a:lstStyle/>
+          <a:p>
+            <a:r>
+              <a:rPr lang="en-US" b="1" dirty="0"/>
+              <a:t>Hello world</a:t>
+            </a:r>
+          </a:p>
+        </p:txBody>
+      </p:sp>
+      <p:sp>
+        <p:nvSpPr>
+          <p:cNvPr id="3" name="Content Placeholder 2"/>
+          <p:cNvSpPr>
+            <a:spLocks noGrp="1"/>
+          </p:cNvSpPr>
+          <p:nvPr>
+            <p:ph idx="1"/>
+          </p:nvPr>
+        </p:nvSpPr>
+        <p:spPr>
+          <a:xfrm>
+            <a:off x="676656" y="2011680"/>
+            <a:ext cx="10753725" cy="4507992"/>
+          </a:xfrm>
+        </p:spPr>
+        <p:txBody>
+          <a:bodyPr>
+            <a:noAutofit/>
+          </a:bodyPr>
+          <a:lstStyle/>
+          <a:p>
+            <a:pPr marL="284163" indent="-228600">
+              <a:buFont typeface="Arial" panose="020B0604020202020204" pitchFamily="34" charset="0"/>
+              <a:buChar char="•"/>
+            </a:pPr>
+            <a:r>
+              <a:rPr lang="en-US" sz="3600" dirty="0">
+                <a:solidFill>
+                  <a:schemeClr val="tx1"/>
+                </a:solidFill>
+              </a:rPr>
+              <a:t>A function parameter may be marked with the "</a:t>
+            </a:r>
+            <a:r>
+              <a:rPr lang="en-US" sz="3600" dirty="0" err="1">
+                <a:solidFill>
+                  <a:schemeClr val="tx1"/>
+                </a:solidFill>
+              </a:rPr>
+              <a:t>vararg</a:t>
+            </a:r>
+            <a:r>
+              <a:rPr lang="en-US" sz="3600" dirty="0">
+                <a:solidFill>
+                  <a:schemeClr val="tx1"/>
+                </a:solidFill>
+              </a:rPr>
+              <a:t>" </a:t>
+            </a:r>
+            <a:r>
+              <a:rPr lang="en-US" sz="3600" dirty="0" smtClean="0">
+                <a:solidFill>
+                  <a:schemeClr val="tx1"/>
+                </a:solidFill>
+              </a:rPr>
+              <a:t>keyword to </a:t>
+            </a:r>
+            <a:r>
+              <a:rPr lang="en-US" sz="3600" dirty="0">
+                <a:solidFill>
+                  <a:schemeClr val="tx1"/>
+                </a:solidFill>
+              </a:rPr>
+              <a:t>allow a variable number of arguments to be passed to the function.</a:t>
+            </a:r>
+            <a:endParaRPr lang="en-US" sz="3600" dirty="0">
+              <a:solidFill>
+                <a:schemeClr val="tx1"/>
+              </a:solidFill>
+            </a:endParaRPr>
+          </a:p>
+        </p:txBody>
+      </p:sp>
+      <p:sp>
+        <p:nvSpPr>
+          <p:cNvPr id="4" name="Rectangle 1"/>
+          <p:cNvSpPr>
+            <a:spLocks noChangeArrowheads="1"/>
+          </p:cNvSpPr>
+          <p:nvPr/>
+        </p:nvSpPr>
+        <p:spPr bwMode="auto">
+          <a:xfrm>
+            <a:off x="2002572" y="3644120"/>
+            <a:ext cx="8186857" cy="1938992"/>
+          </a:xfrm>
+          <a:prstGeom prst="rect">
+            <a:avLst/>
+          </a:prstGeom>
+          <a:solidFill>
+            <a:srgbClr val="2B2B2B"/>
+          </a:solidFill>
+          <a:ln>
+            <a:noFill/>
+          </a:ln>
+          <a:effectLst/>
+          <a:extLst>
+            <a:ext uri="{91240B29-F687-4F45-9708-019B960494DF}">
+              <a14:hiddenLine xmlns:a14="http://schemas.microsoft.com/office/drawing/2010/main" w="9525">
+                <a:solidFill>
+                  <a:schemeClr val="tx1"/>
+                </a:solidFill>
+                <a:miter lim="800000"/>
+                <a:headEnd/>
+                <a:tailEnd/>
+              </a14:hiddenLine>
+            </a:ext>
+            <a:ext uri="{AF507438-7753-43E0-B8FC-AC1667EBCBE1}">
+              <a14:hiddenEffects xmlns:a14="http://schemas.microsoft.com/office/drawing/2010/main">
+                <a:effectLst>
+                  <a:outerShdw dist="35921" dir="2700000" algn="ctr" rotWithShape="0">
+                    <a:schemeClr val="bg2"/>
+                  </a:outerShdw>
+                </a:effectLst>
+              </a14:hiddenEffects>
+            </a:ext>
+          </a:extLst>
+        </p:spPr>
+        <p:txBody>
+          <a:bodyPr vert="horz" wrap="none" lIns="91440" tIns="45720" rIns="91440" bIns="45720" numCol="1" anchor="ctr" anchorCtr="0" compatLnSpc="1">
+            <a:prstTxWarp prst="textNoShape">
+              <a:avLst/>
+            </a:prstTxWarp>
+            <a:spAutoFit/>
+          </a:bodyPr>
+          <a:lstStyle/>
+          <a:p>
+            <a:pPr marL="0" marR="0" lvl="0" indent="0" algn="l" defTabSz="914400" rtl="0" eaLnBrk="0" fontAlgn="base" latinLnBrk="0" hangingPunct="0">
+              <a:lnSpc>
+                <a:spcPct val="100000"/>
+              </a:lnSpc>
+              <a:spcBef>
+                <a:spcPct val="0"/>
+              </a:spcBef>
+              <a:spcAft>
+                <a:spcPct val="0"/>
+              </a:spcAft>
+              <a:buClrTx/>
+              <a:buSzTx/>
+              <a:buFontTx/>
+              <a:buNone/>
+              <a:tabLst/>
+            </a:pPr>
+            <a:r>
+              <a:rPr kumimoji="0" lang="en-US" altLang="en-US" sz="2000" b="0" i="0" u="none" strike="noStrike" cap="none" normalizeH="0" baseline="0" dirty="0" smtClean="0">
+                <a:ln>
+                  <a:noFill/>
+                </a:ln>
+                <a:solidFill>
+                  <a:srgbClr val="CC7832"/>
+                </a:solidFill>
+                <a:effectLst/>
+                <a:latin typeface="Courier New" panose="02070309020205020404" pitchFamily="49" charset="0"/>
+                <a:cs typeface="Courier New" panose="02070309020205020404" pitchFamily="49" charset="0"/>
+              </a:rPr>
+              <a:t>fun </a:t>
+            </a:r>
+            <a:r>
+              <a:rPr kumimoji="0" lang="en-US" altLang="en-US" sz="2000" b="0" i="0" u="none" strike="noStrike" cap="none" normalizeH="0" baseline="0" dirty="0" err="1" smtClean="0">
+                <a:ln>
+                  <a:noFill/>
+                </a:ln>
+                <a:solidFill>
+                  <a:srgbClr val="FFC66D"/>
+                </a:solidFill>
+                <a:effectLst/>
+                <a:latin typeface="Courier New" panose="02070309020205020404" pitchFamily="49" charset="0"/>
+                <a:cs typeface="Courier New" panose="02070309020205020404" pitchFamily="49" charset="0"/>
+              </a:rPr>
+              <a:t>varargExample</a:t>
+            </a:r>
+            <a:r>
+              <a:rPr kumimoji="0" lang="en-US" altLang="en-US" sz="2000" b="0" i="0" u="none" strike="noStrike" cap="none" normalizeH="0" baseline="0" dirty="0" smtClean="0">
+                <a:ln>
+                  <a:noFill/>
+                </a:ln>
+                <a:solidFill>
+                  <a:srgbClr val="A9B7C6"/>
+                </a:solidFill>
+                <a:effectLst/>
+                <a:latin typeface="Courier New" panose="02070309020205020404" pitchFamily="49" charset="0"/>
+                <a:cs typeface="Courier New" panose="02070309020205020404" pitchFamily="49" charset="0"/>
+              </a:rPr>
+              <a:t>(</a:t>
+            </a:r>
+            <a:r>
+              <a:rPr kumimoji="0" lang="en-US" altLang="en-US" sz="2000" b="0" i="0" u="none" strike="noStrike" cap="none" normalizeH="0" baseline="0" dirty="0" err="1" smtClean="0">
+                <a:ln>
+                  <a:noFill/>
+                </a:ln>
+                <a:solidFill>
+                  <a:srgbClr val="CC7832"/>
+                </a:solidFill>
+                <a:effectLst/>
+                <a:latin typeface="Courier New" panose="02070309020205020404" pitchFamily="49" charset="0"/>
+                <a:cs typeface="Courier New" panose="02070309020205020404" pitchFamily="49" charset="0"/>
+              </a:rPr>
+              <a:t>vararg</a:t>
+            </a:r>
+            <a:r>
+              <a:rPr kumimoji="0" lang="en-US" altLang="en-US" sz="2000" b="0" i="0" u="none" strike="noStrike" cap="none" normalizeH="0" baseline="0" dirty="0" smtClean="0">
+                <a:ln>
+                  <a:noFill/>
+                </a:ln>
+                <a:solidFill>
+                  <a:srgbClr val="CC7832"/>
+                </a:solidFill>
+                <a:effectLst/>
+                <a:latin typeface="Courier New" panose="02070309020205020404" pitchFamily="49" charset="0"/>
+                <a:cs typeface="Courier New" panose="02070309020205020404" pitchFamily="49" charset="0"/>
+              </a:rPr>
+              <a:t> </a:t>
+            </a:r>
+            <a:r>
+              <a:rPr kumimoji="0" lang="en-US" altLang="en-US" sz="2000" b="0" i="0" u="none" strike="noStrike" cap="none" normalizeH="0" baseline="0" dirty="0" smtClean="0">
+                <a:ln>
+                  <a:noFill/>
+                </a:ln>
+                <a:solidFill>
+                  <a:srgbClr val="A9B7C6"/>
+                </a:solidFill>
+                <a:effectLst/>
+                <a:latin typeface="Courier New" panose="02070309020205020404" pitchFamily="49" charset="0"/>
+                <a:cs typeface="Courier New" panose="02070309020205020404" pitchFamily="49" charset="0"/>
+              </a:rPr>
+              <a:t>names: Int) {</a:t>
+            </a:r>
+            <a:br>
+              <a:rPr kumimoji="0" lang="en-US" altLang="en-US" sz="2000" b="0" i="0" u="none" strike="noStrike" cap="none" normalizeH="0" baseline="0" dirty="0" smtClean="0">
+                <a:ln>
+                  <a:noFill/>
+                </a:ln>
+                <a:solidFill>
+                  <a:srgbClr val="A9B7C6"/>
+                </a:solidFill>
+                <a:effectLst/>
+                <a:latin typeface="Courier New" panose="02070309020205020404" pitchFamily="49" charset="0"/>
+                <a:cs typeface="Courier New" panose="02070309020205020404" pitchFamily="49" charset="0"/>
+              </a:rPr>
+            </a:br>
+            <a:r>
+              <a:rPr kumimoji="0" lang="en-US" altLang="en-US" sz="2000" b="0" i="0" u="none" strike="noStrike" cap="none" normalizeH="0" baseline="0" dirty="0" smtClean="0">
+                <a:ln>
+                  <a:noFill/>
+                </a:ln>
+                <a:solidFill>
+                  <a:srgbClr val="A9B7C6"/>
+                </a:solidFill>
+                <a:effectLst/>
+                <a:latin typeface="Courier New" panose="02070309020205020404" pitchFamily="49" charset="0"/>
+                <a:cs typeface="Courier New" panose="02070309020205020404" pitchFamily="49" charset="0"/>
+              </a:rPr>
+              <a:t>    </a:t>
+            </a:r>
+            <a:r>
+              <a:rPr kumimoji="0" lang="en-US" altLang="en-US" sz="2000" b="0" i="1" u="none" strike="noStrike" cap="none" normalizeH="0" baseline="0" dirty="0" smtClean="0">
+                <a:ln>
+                  <a:noFill/>
+                </a:ln>
+                <a:solidFill>
+                  <a:srgbClr val="A9B7C6"/>
+                </a:solidFill>
+                <a:effectLst/>
+                <a:latin typeface="Courier New" panose="02070309020205020404" pitchFamily="49" charset="0"/>
+                <a:cs typeface="Courier New" panose="02070309020205020404" pitchFamily="49" charset="0"/>
+              </a:rPr>
+              <a:t>println</a:t>
+            </a:r>
+            <a:r>
+              <a:rPr kumimoji="0" lang="en-US" altLang="en-US" sz="2000" b="0" i="0" u="none" strike="noStrike" cap="none" normalizeH="0" baseline="0" dirty="0" smtClean="0">
+                <a:ln>
+                  <a:noFill/>
+                </a:ln>
+                <a:solidFill>
+                  <a:srgbClr val="A9B7C6"/>
+                </a:solidFill>
+                <a:effectLst/>
+                <a:latin typeface="Courier New" panose="02070309020205020404" pitchFamily="49" charset="0"/>
+                <a:cs typeface="Courier New" panose="02070309020205020404" pitchFamily="49" charset="0"/>
+              </a:rPr>
+              <a:t>(</a:t>
+            </a:r>
+            <a:r>
+              <a:rPr kumimoji="0" lang="en-US" altLang="en-US" sz="2000" b="0" i="0" u="none" strike="noStrike" cap="none" normalizeH="0" baseline="0" dirty="0" smtClean="0">
+                <a:ln>
+                  <a:noFill/>
+                </a:ln>
+                <a:solidFill>
+                  <a:srgbClr val="6A8759"/>
+                </a:solidFill>
+                <a:effectLst/>
+                <a:latin typeface="Courier New" panose="02070309020205020404" pitchFamily="49" charset="0"/>
+                <a:cs typeface="Courier New" panose="02070309020205020404" pitchFamily="49" charset="0"/>
+              </a:rPr>
+              <a:t>"Argument has </a:t>
+            </a:r>
+            <a:r>
+              <a:rPr kumimoji="0" lang="en-US" altLang="en-US" sz="2000" b="0" i="0" u="none" strike="noStrike" cap="none" normalizeH="0" baseline="0" dirty="0" smtClean="0">
+                <a:ln>
+                  <a:noFill/>
+                </a:ln>
+                <a:solidFill>
+                  <a:srgbClr val="CC7832"/>
+                </a:solidFill>
+                <a:effectLst/>
+                <a:latin typeface="Courier New" panose="02070309020205020404" pitchFamily="49" charset="0"/>
+                <a:cs typeface="Courier New" panose="02070309020205020404" pitchFamily="49" charset="0"/>
+              </a:rPr>
+              <a:t>${</a:t>
+            </a:r>
+            <a:r>
+              <a:rPr kumimoji="0" lang="en-US" altLang="en-US" sz="2000" b="0" i="0" u="none" strike="noStrike" cap="none" normalizeH="0" baseline="0" dirty="0" err="1" smtClean="0">
+                <a:ln>
+                  <a:noFill/>
+                </a:ln>
+                <a:solidFill>
+                  <a:srgbClr val="A9B7C6"/>
+                </a:solidFill>
+                <a:effectLst/>
+                <a:latin typeface="Courier New" panose="02070309020205020404" pitchFamily="49" charset="0"/>
+                <a:cs typeface="Courier New" panose="02070309020205020404" pitchFamily="49" charset="0"/>
+              </a:rPr>
+              <a:t>names.</a:t>
+            </a:r>
+            <a:r>
+              <a:rPr kumimoji="0" lang="en-US" altLang="en-US" sz="2000" b="0" i="0" u="none" strike="noStrike" cap="none" normalizeH="0" baseline="0" dirty="0" err="1" smtClean="0">
+                <a:ln>
+                  <a:noFill/>
+                </a:ln>
+                <a:solidFill>
+                  <a:srgbClr val="9876AA"/>
+                </a:solidFill>
+                <a:effectLst/>
+                <a:latin typeface="Courier New" panose="02070309020205020404" pitchFamily="49" charset="0"/>
+                <a:cs typeface="Courier New" panose="02070309020205020404" pitchFamily="49" charset="0"/>
+              </a:rPr>
+              <a:t>size</a:t>
+            </a:r>
+            <a:r>
+              <a:rPr kumimoji="0" lang="en-US" altLang="en-US" sz="2000" b="0" i="0" u="none" strike="noStrike" cap="none" normalizeH="0" baseline="0" dirty="0" smtClean="0">
+                <a:ln>
+                  <a:noFill/>
+                </a:ln>
+                <a:solidFill>
+                  <a:srgbClr val="CC7832"/>
+                </a:solidFill>
+                <a:effectLst/>
+                <a:latin typeface="Courier New" panose="02070309020205020404" pitchFamily="49" charset="0"/>
+                <a:cs typeface="Courier New" panose="02070309020205020404" pitchFamily="49" charset="0"/>
+              </a:rPr>
+              <a:t>}</a:t>
+            </a:r>
+            <a:r>
+              <a:rPr kumimoji="0" lang="en-US" altLang="en-US" sz="2000" b="0" i="0" u="none" strike="noStrike" cap="none" normalizeH="0" baseline="0" dirty="0" smtClean="0">
+                <a:ln>
+                  <a:noFill/>
+                </a:ln>
+                <a:solidFill>
+                  <a:srgbClr val="6A8759"/>
+                </a:solidFill>
+                <a:effectLst/>
+                <a:latin typeface="Courier New" panose="02070309020205020404" pitchFamily="49" charset="0"/>
+                <a:cs typeface="Courier New" panose="02070309020205020404" pitchFamily="49" charset="0"/>
+              </a:rPr>
+              <a:t> elements"</a:t>
+            </a:r>
+            <a:r>
+              <a:rPr kumimoji="0" lang="en-US" altLang="en-US" sz="2000" b="0" i="0" u="none" strike="noStrike" cap="none" normalizeH="0" baseline="0" dirty="0" smtClean="0">
+                <a:ln>
+                  <a:noFill/>
+                </a:ln>
+                <a:solidFill>
+                  <a:srgbClr val="A9B7C6"/>
+                </a:solidFill>
+                <a:effectLst/>
+                <a:latin typeface="Courier New" panose="02070309020205020404" pitchFamily="49" charset="0"/>
+                <a:cs typeface="Courier New" panose="02070309020205020404" pitchFamily="49" charset="0"/>
+              </a:rPr>
+              <a:t>)</a:t>
+            </a:r>
+            <a:br>
+              <a:rPr kumimoji="0" lang="en-US" altLang="en-US" sz="2000" b="0" i="0" u="none" strike="noStrike" cap="none" normalizeH="0" baseline="0" dirty="0" smtClean="0">
+                <a:ln>
+                  <a:noFill/>
+                </a:ln>
+                <a:solidFill>
+                  <a:srgbClr val="A9B7C6"/>
+                </a:solidFill>
+                <a:effectLst/>
+                <a:latin typeface="Courier New" panose="02070309020205020404" pitchFamily="49" charset="0"/>
+                <a:cs typeface="Courier New" panose="02070309020205020404" pitchFamily="49" charset="0"/>
+              </a:rPr>
+            </a:br>
+            <a:r>
+              <a:rPr kumimoji="0" lang="en-US" altLang="en-US" sz="2000" b="0" i="0" u="none" strike="noStrike" cap="none" normalizeH="0" baseline="0" dirty="0" smtClean="0">
+                <a:ln>
+                  <a:noFill/>
+                </a:ln>
+                <a:solidFill>
+                  <a:srgbClr val="A9B7C6"/>
+                </a:solidFill>
+                <a:effectLst/>
+                <a:latin typeface="Courier New" panose="02070309020205020404" pitchFamily="49" charset="0"/>
+                <a:cs typeface="Courier New" panose="02070309020205020404" pitchFamily="49" charset="0"/>
+              </a:rPr>
+              <a:t>}</a:t>
+            </a:r>
+            <a:br>
+              <a:rPr kumimoji="0" lang="en-US" altLang="en-US" sz="2000" b="0" i="0" u="none" strike="noStrike" cap="none" normalizeH="0" baseline="0" dirty="0" smtClean="0">
+                <a:ln>
+                  <a:noFill/>
+                </a:ln>
+                <a:solidFill>
+                  <a:srgbClr val="A9B7C6"/>
+                </a:solidFill>
+                <a:effectLst/>
+                <a:latin typeface="Courier New" panose="02070309020205020404" pitchFamily="49" charset="0"/>
+                <a:cs typeface="Courier New" panose="02070309020205020404" pitchFamily="49" charset="0"/>
+              </a:rPr>
+            </a:br>
+            <a:r>
+              <a:rPr kumimoji="0" lang="en-US" altLang="en-US" sz="2000" b="0" i="0" u="none" strike="noStrike" cap="none" normalizeH="0" baseline="0" dirty="0" err="1" smtClean="0">
+                <a:ln>
+                  <a:noFill/>
+                </a:ln>
+                <a:solidFill>
+                  <a:srgbClr val="A9B7C6"/>
+                </a:solidFill>
+                <a:effectLst/>
+                <a:latin typeface="Courier New" panose="02070309020205020404" pitchFamily="49" charset="0"/>
+                <a:cs typeface="Courier New" panose="02070309020205020404" pitchFamily="49" charset="0"/>
+              </a:rPr>
+              <a:t>varargExample</a:t>
+            </a:r>
+            <a:r>
+              <a:rPr kumimoji="0" lang="en-US" altLang="en-US" sz="2000" b="0" i="0" u="none" strike="noStrike" cap="none" normalizeH="0" baseline="0" dirty="0" smtClean="0">
+                <a:ln>
+                  <a:noFill/>
+                </a:ln>
+                <a:solidFill>
+                  <a:srgbClr val="A9B7C6"/>
+                </a:solidFill>
+                <a:effectLst/>
+                <a:latin typeface="Courier New" panose="02070309020205020404" pitchFamily="49" charset="0"/>
+                <a:cs typeface="Courier New" panose="02070309020205020404" pitchFamily="49" charset="0"/>
+              </a:rPr>
+              <a:t>() </a:t>
+            </a:r>
+            <a:r>
+              <a:rPr kumimoji="0" lang="en-US" altLang="en-US" sz="2000" b="0" i="0" u="none" strike="noStrike" cap="none" normalizeH="0" baseline="0" dirty="0" smtClean="0">
+                <a:ln>
+                  <a:noFill/>
+                </a:ln>
+                <a:solidFill>
+                  <a:srgbClr val="808080"/>
+                </a:solidFill>
+                <a:effectLst/>
+                <a:latin typeface="Courier New" panose="02070309020205020404" pitchFamily="49" charset="0"/>
+                <a:cs typeface="Courier New" panose="02070309020205020404" pitchFamily="49" charset="0"/>
+              </a:rPr>
+              <a:t>// =&gt; Argument has 0 elements</a:t>
+            </a:r>
+            <a:br>
+              <a:rPr kumimoji="0" lang="en-US" altLang="en-US" sz="2000" b="0" i="0" u="none" strike="noStrike" cap="none" normalizeH="0" baseline="0" dirty="0" smtClean="0">
+                <a:ln>
+                  <a:noFill/>
+                </a:ln>
+                <a:solidFill>
+                  <a:srgbClr val="808080"/>
+                </a:solidFill>
+                <a:effectLst/>
+                <a:latin typeface="Courier New" panose="02070309020205020404" pitchFamily="49" charset="0"/>
+                <a:cs typeface="Courier New" panose="02070309020205020404" pitchFamily="49" charset="0"/>
+              </a:rPr>
+            </a:br>
+            <a:r>
+              <a:rPr kumimoji="0" lang="en-US" altLang="en-US" sz="2000" b="0" i="0" u="none" strike="noStrike" cap="none" normalizeH="0" baseline="0" dirty="0" err="1" smtClean="0">
+                <a:ln>
+                  <a:noFill/>
+                </a:ln>
+                <a:solidFill>
+                  <a:srgbClr val="A9B7C6"/>
+                </a:solidFill>
+                <a:effectLst/>
+                <a:latin typeface="Courier New" panose="02070309020205020404" pitchFamily="49" charset="0"/>
+                <a:cs typeface="Courier New" panose="02070309020205020404" pitchFamily="49" charset="0"/>
+              </a:rPr>
+              <a:t>varargExample</a:t>
+            </a:r>
+            <a:r>
+              <a:rPr kumimoji="0" lang="en-US" altLang="en-US" sz="2000" b="0" i="0" u="none" strike="noStrike" cap="none" normalizeH="0" baseline="0" dirty="0" smtClean="0">
+                <a:ln>
+                  <a:noFill/>
+                </a:ln>
+                <a:solidFill>
+                  <a:srgbClr val="A9B7C6"/>
+                </a:solidFill>
+                <a:effectLst/>
+                <a:latin typeface="Courier New" panose="02070309020205020404" pitchFamily="49" charset="0"/>
+                <a:cs typeface="Courier New" panose="02070309020205020404" pitchFamily="49" charset="0"/>
+              </a:rPr>
+              <a:t>(</a:t>
+            </a:r>
+            <a:r>
+              <a:rPr kumimoji="0" lang="en-US" altLang="en-US" sz="2000" b="0" i="0" u="none" strike="noStrike" cap="none" normalizeH="0" baseline="0" dirty="0" smtClean="0">
+                <a:ln>
+                  <a:noFill/>
+                </a:ln>
+                <a:solidFill>
+                  <a:srgbClr val="6897BB"/>
+                </a:solidFill>
+                <a:effectLst/>
+                <a:latin typeface="Courier New" panose="02070309020205020404" pitchFamily="49" charset="0"/>
+                <a:cs typeface="Courier New" panose="02070309020205020404" pitchFamily="49" charset="0"/>
+              </a:rPr>
+              <a:t>1</a:t>
+            </a:r>
+            <a:r>
+              <a:rPr kumimoji="0" lang="en-US" altLang="en-US" sz="2000" b="0" i="0" u="none" strike="noStrike" cap="none" normalizeH="0" baseline="0" dirty="0" smtClean="0">
+                <a:ln>
+                  <a:noFill/>
+                </a:ln>
+                <a:solidFill>
+                  <a:srgbClr val="A9B7C6"/>
+                </a:solidFill>
+                <a:effectLst/>
+                <a:latin typeface="Courier New" panose="02070309020205020404" pitchFamily="49" charset="0"/>
+                <a:cs typeface="Courier New" panose="02070309020205020404" pitchFamily="49" charset="0"/>
+              </a:rPr>
+              <a:t>) </a:t>
+            </a:r>
+            <a:r>
+              <a:rPr kumimoji="0" lang="en-US" altLang="en-US" sz="2000" b="0" i="0" u="none" strike="noStrike" cap="none" normalizeH="0" baseline="0" dirty="0" smtClean="0">
+                <a:ln>
+                  <a:noFill/>
+                </a:ln>
+                <a:solidFill>
+                  <a:srgbClr val="808080"/>
+                </a:solidFill>
+                <a:effectLst/>
+                <a:latin typeface="Courier New" panose="02070309020205020404" pitchFamily="49" charset="0"/>
+                <a:cs typeface="Courier New" panose="02070309020205020404" pitchFamily="49" charset="0"/>
+              </a:rPr>
+              <a:t>// =&gt; Argument has 1 elements</a:t>
+            </a:r>
+            <a:br>
+              <a:rPr kumimoji="0" lang="en-US" altLang="en-US" sz="2000" b="0" i="0" u="none" strike="noStrike" cap="none" normalizeH="0" baseline="0" dirty="0" smtClean="0">
+                <a:ln>
+                  <a:noFill/>
+                </a:ln>
+                <a:solidFill>
+                  <a:srgbClr val="808080"/>
+                </a:solidFill>
+                <a:effectLst/>
+                <a:latin typeface="Courier New" panose="02070309020205020404" pitchFamily="49" charset="0"/>
+                <a:cs typeface="Courier New" panose="02070309020205020404" pitchFamily="49" charset="0"/>
+              </a:rPr>
+            </a:br>
+            <a:r>
+              <a:rPr kumimoji="0" lang="en-US" altLang="en-US" sz="2000" b="0" i="0" u="none" strike="noStrike" cap="none" normalizeH="0" baseline="0" dirty="0" err="1" smtClean="0">
+                <a:ln>
+                  <a:noFill/>
+                </a:ln>
+                <a:solidFill>
+                  <a:srgbClr val="A9B7C6"/>
+                </a:solidFill>
+                <a:effectLst/>
+                <a:latin typeface="Courier New" panose="02070309020205020404" pitchFamily="49" charset="0"/>
+                <a:cs typeface="Courier New" panose="02070309020205020404" pitchFamily="49" charset="0"/>
+              </a:rPr>
+              <a:t>varargExample</a:t>
+            </a:r>
+            <a:r>
+              <a:rPr kumimoji="0" lang="en-US" altLang="en-US" sz="2000" b="0" i="0" u="none" strike="noStrike" cap="none" normalizeH="0" baseline="0" dirty="0" smtClean="0">
+                <a:ln>
+                  <a:noFill/>
+                </a:ln>
+                <a:solidFill>
+                  <a:srgbClr val="A9B7C6"/>
+                </a:solidFill>
+                <a:effectLst/>
+                <a:latin typeface="Courier New" panose="02070309020205020404" pitchFamily="49" charset="0"/>
+                <a:cs typeface="Courier New" panose="02070309020205020404" pitchFamily="49" charset="0"/>
+              </a:rPr>
+              <a:t>(</a:t>
+            </a:r>
+            <a:r>
+              <a:rPr kumimoji="0" lang="en-US" altLang="en-US" sz="2000" b="0" i="0" u="none" strike="noStrike" cap="none" normalizeH="0" baseline="0" dirty="0" smtClean="0">
+                <a:ln>
+                  <a:noFill/>
+                </a:ln>
+                <a:solidFill>
+                  <a:srgbClr val="6897BB"/>
+                </a:solidFill>
+                <a:effectLst/>
+                <a:latin typeface="Courier New" panose="02070309020205020404" pitchFamily="49" charset="0"/>
+                <a:cs typeface="Courier New" panose="02070309020205020404" pitchFamily="49" charset="0"/>
+              </a:rPr>
+              <a:t>1</a:t>
+            </a:r>
+            <a:r>
+              <a:rPr kumimoji="0" lang="en-US" altLang="en-US" sz="2000" b="0" i="0" u="none" strike="noStrike" cap="none" normalizeH="0" baseline="0" dirty="0" smtClean="0">
+                <a:ln>
+                  <a:noFill/>
+                </a:ln>
+                <a:solidFill>
+                  <a:srgbClr val="CC7832"/>
+                </a:solidFill>
+                <a:effectLst/>
+                <a:latin typeface="Courier New" panose="02070309020205020404" pitchFamily="49" charset="0"/>
+                <a:cs typeface="Courier New" panose="02070309020205020404" pitchFamily="49" charset="0"/>
+              </a:rPr>
+              <a:t>, </a:t>
+            </a:r>
+            <a:r>
+              <a:rPr kumimoji="0" lang="en-US" altLang="en-US" sz="2000" b="0" i="0" u="none" strike="noStrike" cap="none" normalizeH="0" baseline="0" dirty="0" smtClean="0">
+                <a:ln>
+                  <a:noFill/>
+                </a:ln>
+                <a:solidFill>
+                  <a:srgbClr val="6897BB"/>
+                </a:solidFill>
+                <a:effectLst/>
+                <a:latin typeface="Courier New" panose="02070309020205020404" pitchFamily="49" charset="0"/>
+                <a:cs typeface="Courier New" panose="02070309020205020404" pitchFamily="49" charset="0"/>
+              </a:rPr>
+              <a:t>2</a:t>
+            </a:r>
+            <a:r>
+              <a:rPr kumimoji="0" lang="en-US" altLang="en-US" sz="2000" b="0" i="0" u="none" strike="noStrike" cap="none" normalizeH="0" baseline="0" dirty="0" smtClean="0">
+                <a:ln>
+                  <a:noFill/>
+                </a:ln>
+                <a:solidFill>
+                  <a:srgbClr val="CC7832"/>
+                </a:solidFill>
+                <a:effectLst/>
+                <a:latin typeface="Courier New" panose="02070309020205020404" pitchFamily="49" charset="0"/>
+                <a:cs typeface="Courier New" panose="02070309020205020404" pitchFamily="49" charset="0"/>
+              </a:rPr>
+              <a:t>, </a:t>
+            </a:r>
+            <a:r>
+              <a:rPr kumimoji="0" lang="en-US" altLang="en-US" sz="2000" b="0" i="0" u="none" strike="noStrike" cap="none" normalizeH="0" baseline="0" dirty="0" smtClean="0">
+                <a:ln>
+                  <a:noFill/>
+                </a:ln>
+                <a:solidFill>
+                  <a:srgbClr val="6897BB"/>
+                </a:solidFill>
+                <a:effectLst/>
+                <a:latin typeface="Courier New" panose="02070309020205020404" pitchFamily="49" charset="0"/>
+                <a:cs typeface="Courier New" panose="02070309020205020404" pitchFamily="49" charset="0"/>
+              </a:rPr>
+              <a:t>3</a:t>
+            </a:r>
+            <a:r>
+              <a:rPr kumimoji="0" lang="en-US" altLang="en-US" sz="2000" b="0" i="0" u="none" strike="noStrike" cap="none" normalizeH="0" baseline="0" dirty="0" smtClean="0">
+                <a:ln>
+                  <a:noFill/>
+                </a:ln>
+                <a:solidFill>
+                  <a:srgbClr val="A9B7C6"/>
+                </a:solidFill>
+                <a:effectLst/>
+                <a:latin typeface="Courier New" panose="02070309020205020404" pitchFamily="49" charset="0"/>
+                <a:cs typeface="Courier New" panose="02070309020205020404" pitchFamily="49" charset="0"/>
+              </a:rPr>
+              <a:t>) </a:t>
+            </a:r>
+            <a:r>
+              <a:rPr kumimoji="0" lang="en-US" altLang="en-US" sz="2000" b="0" i="0" u="none" strike="noStrike" cap="none" normalizeH="0" baseline="0" dirty="0" smtClean="0">
+                <a:ln>
+                  <a:noFill/>
+                </a:ln>
+                <a:solidFill>
+                  <a:srgbClr val="808080"/>
+                </a:solidFill>
+                <a:effectLst/>
+                <a:latin typeface="Courier New" panose="02070309020205020404" pitchFamily="49" charset="0"/>
+                <a:cs typeface="Courier New" panose="02070309020205020404" pitchFamily="49" charset="0"/>
+              </a:rPr>
+              <a:t>// =&gt; Argument has 3 elements</a:t>
+            </a:r>
+            <a:endParaRPr kumimoji="0" lang="en-US" altLang="en-US" sz="4800" b="0" i="0" u="none" strike="noStrike" cap="none" normalizeH="0" baseline="0" dirty="0" smtClean="0">
+              <a:ln>
+                <a:noFill/>
+              </a:ln>
+              <a:solidFill>
+                <a:schemeClr val="tx1"/>
+              </a:solidFill>
+              <a:effectLst/>
+              <a:latin typeface="Arial" panose="020B0604020202020204" pitchFamily="34" charset="0"/>
+            </a:endParaRPr>
+          </a:p>
+        </p:txBody>
+      </p:sp>
+      <p:pic>
+        <p:nvPicPr>
+          <p:cNvPr id="6" name="Picture 5"/>
+          <p:cNvPicPr>
+            <a:picLocks noChangeAspect="1"/>
+          </p:cNvPicPr>
+          <p:nvPr/>
+        </p:nvPicPr>
+        <p:blipFill>
+          <a:blip r:embed="rId3" cstate="print">
+            <a:extLst>
+              <a:ext uri="{28A0092B-C50C-407E-A947-70E740481C1C}">
+                <a14:useLocalDpi xmlns:a14="http://schemas.microsoft.com/office/drawing/2010/main" val="0"/>
+              </a:ext>
+            </a:extLst>
+          </a:blip>
+          <a:stretch>
+            <a:fillRect/>
+          </a:stretch>
+        </p:blipFill>
+        <p:spPr>
+          <a:xfrm>
+            <a:off x="10427110" y="0"/>
+            <a:ext cx="1764890" cy="1764890"/>
+          </a:xfrm>
+          <a:prstGeom prst="rect">
+            <a:avLst/>
+          </a:prstGeom>
+        </p:spPr>
+      </p:pic>
+    </p:spTree>
+    <p:extLst>
+      <p:ext uri="{BB962C8B-B14F-4D97-AF65-F5344CB8AC3E}">
+        <p14:creationId xmlns:p14="http://schemas.microsoft.com/office/powerpoint/2010/main" val="3681563513"/>
       </p:ext>
     </p:extLst>
   </p:cSld>
@@ -12385,6 +17315,3102 @@
     <p:extLst>
       <p:ext uri="{BB962C8B-B14F-4D97-AF65-F5344CB8AC3E}">
         <p14:creationId xmlns:p14="http://schemas.microsoft.com/office/powerpoint/2010/main" val="83871928"/>
+      </p:ext>
+    </p:extLst>
+  </p:cSld>
+  <p:clrMapOvr>
+    <a:masterClrMapping/>
+  </p:clrMapOvr>
+  <p:timing>
+    <p:tnLst>
+      <p:par>
+        <p:cTn id="1" dur="indefinite" restart="never" nodeType="tmRoot"/>
+      </p:par>
+    </p:tnLst>
+  </p:timing>
+</p:sld>
+</file>
+
+<file path=ppt/slides/slide30.xml><?xml version="1.0" encoding="utf-8"?>
+<p:sld xmlns:a="http://schemas.openxmlformats.org/drawingml/2006/main" xmlns:r="http://schemas.openxmlformats.org/officeDocument/2006/relationships" xmlns:p="http://schemas.openxmlformats.org/presentationml/2006/main">
+  <p:cSld>
+    <p:spTree>
+      <p:nvGrpSpPr>
+        <p:cNvPr id="1" name=""/>
+        <p:cNvGrpSpPr/>
+        <p:nvPr/>
+      </p:nvGrpSpPr>
+      <p:grpSpPr>
+        <a:xfrm>
+          <a:off x="0" y="0"/>
+          <a:ext cx="0" cy="0"/>
+          <a:chOff x="0" y="0"/>
+          <a:chExt cx="0" cy="0"/>
+        </a:xfrm>
+      </p:grpSpPr>
+      <p:sp>
+        <p:nvSpPr>
+          <p:cNvPr id="2" name="Title 1"/>
+          <p:cNvSpPr>
+            <a:spLocks noGrp="1"/>
+          </p:cNvSpPr>
+          <p:nvPr>
+            <p:ph type="title"/>
+          </p:nvPr>
+        </p:nvSpPr>
+        <p:spPr/>
+        <p:txBody>
+          <a:bodyPr/>
+          <a:lstStyle/>
+          <a:p>
+            <a:r>
+              <a:rPr lang="en-US" b="1" dirty="0"/>
+              <a:t>Hello world</a:t>
+            </a:r>
+          </a:p>
+        </p:txBody>
+      </p:sp>
+      <p:sp>
+        <p:nvSpPr>
+          <p:cNvPr id="3" name="Content Placeholder 2"/>
+          <p:cNvSpPr>
+            <a:spLocks noGrp="1"/>
+          </p:cNvSpPr>
+          <p:nvPr>
+            <p:ph idx="1"/>
+          </p:nvPr>
+        </p:nvSpPr>
+        <p:spPr>
+          <a:xfrm>
+            <a:off x="676656" y="2011680"/>
+            <a:ext cx="10753725" cy="4507992"/>
+          </a:xfrm>
+        </p:spPr>
+        <p:txBody>
+          <a:bodyPr>
+            <a:noAutofit/>
+          </a:bodyPr>
+          <a:lstStyle/>
+          <a:p>
+            <a:pPr marL="284163" indent="-228600">
+              <a:buFont typeface="Arial" panose="020B0604020202020204" pitchFamily="34" charset="0"/>
+              <a:buChar char="•"/>
+            </a:pPr>
+            <a:r>
+              <a:rPr lang="en-US" sz="3600" dirty="0">
+                <a:solidFill>
+                  <a:schemeClr val="tx1"/>
+                </a:solidFill>
+              </a:rPr>
+              <a:t>When a function consists of a single expression then the curly brackets </a:t>
+            </a:r>
+            <a:r>
+              <a:rPr lang="en-US" sz="3600" dirty="0" smtClean="0">
+                <a:solidFill>
+                  <a:schemeClr val="tx1"/>
+                </a:solidFill>
+              </a:rPr>
+              <a:t>can be </a:t>
+            </a:r>
+            <a:r>
+              <a:rPr lang="en-US" sz="3600" dirty="0">
+                <a:solidFill>
+                  <a:schemeClr val="tx1"/>
+                </a:solidFill>
+              </a:rPr>
+              <a:t>omitted. The body is specified after a = symbol</a:t>
+            </a:r>
+            <a:r>
+              <a:rPr lang="en-US" sz="3600" dirty="0" smtClean="0">
+                <a:solidFill>
+                  <a:schemeClr val="tx1"/>
+                </a:solidFill>
+              </a:rPr>
+              <a:t>.</a:t>
+            </a:r>
+          </a:p>
+          <a:p>
+            <a:pPr marL="284163" indent="-228600">
+              <a:buFont typeface="Arial" panose="020B0604020202020204" pitchFamily="34" charset="0"/>
+              <a:buChar char="•"/>
+            </a:pPr>
+            <a:endParaRPr lang="en-US" sz="3600" dirty="0">
+              <a:solidFill>
+                <a:schemeClr val="tx1"/>
+              </a:solidFill>
+            </a:endParaRPr>
+          </a:p>
+          <a:p>
+            <a:pPr marL="284163" indent="-228600">
+              <a:buFont typeface="Arial" panose="020B0604020202020204" pitchFamily="34" charset="0"/>
+              <a:buChar char="•"/>
+            </a:pPr>
+            <a:endParaRPr lang="en-US" sz="3600" dirty="0" smtClean="0">
+              <a:solidFill>
+                <a:schemeClr val="tx1"/>
+              </a:solidFill>
+            </a:endParaRPr>
+          </a:p>
+          <a:p>
+            <a:pPr marL="284163" indent="-228600">
+              <a:buFont typeface="Arial" panose="020B0604020202020204" pitchFamily="34" charset="0"/>
+              <a:buChar char="•"/>
+            </a:pPr>
+            <a:r>
+              <a:rPr lang="en-US" sz="3600" dirty="0" smtClean="0">
+                <a:solidFill>
+                  <a:schemeClr val="tx1"/>
+                </a:solidFill>
+              </a:rPr>
+              <a:t>If </a:t>
+            </a:r>
+            <a:r>
+              <a:rPr lang="en-US" sz="3600" dirty="0">
+                <a:solidFill>
+                  <a:schemeClr val="tx1"/>
+                </a:solidFill>
+              </a:rPr>
+              <a:t>the return type can be inferred then we don't need to specify it.</a:t>
+            </a:r>
+            <a:endParaRPr lang="en-US" sz="3600" dirty="0">
+              <a:solidFill>
+                <a:schemeClr val="tx1"/>
+              </a:solidFill>
+            </a:endParaRPr>
+          </a:p>
+        </p:txBody>
+      </p:sp>
+      <p:pic>
+        <p:nvPicPr>
+          <p:cNvPr id="6" name="Picture 5"/>
+          <p:cNvPicPr>
+            <a:picLocks noChangeAspect="1"/>
+          </p:cNvPicPr>
+          <p:nvPr/>
+        </p:nvPicPr>
+        <p:blipFill>
+          <a:blip r:embed="rId3" cstate="print">
+            <a:extLst>
+              <a:ext uri="{28A0092B-C50C-407E-A947-70E740481C1C}">
+                <a14:useLocalDpi xmlns:a14="http://schemas.microsoft.com/office/drawing/2010/main" val="0"/>
+              </a:ext>
+            </a:extLst>
+          </a:blip>
+          <a:stretch>
+            <a:fillRect/>
+          </a:stretch>
+        </p:blipFill>
+        <p:spPr>
+          <a:xfrm>
+            <a:off x="10427110" y="0"/>
+            <a:ext cx="1764890" cy="1764890"/>
+          </a:xfrm>
+          <a:prstGeom prst="rect">
+            <a:avLst/>
+          </a:prstGeom>
+        </p:spPr>
+      </p:pic>
+      <p:sp>
+        <p:nvSpPr>
+          <p:cNvPr id="7" name="Rectangle 2"/>
+          <p:cNvSpPr>
+            <a:spLocks noChangeArrowheads="1"/>
+          </p:cNvSpPr>
+          <p:nvPr/>
+        </p:nvSpPr>
+        <p:spPr bwMode="auto">
+          <a:xfrm>
+            <a:off x="3156734" y="3605483"/>
+            <a:ext cx="5878532" cy="1015663"/>
+          </a:xfrm>
+          <a:prstGeom prst="rect">
+            <a:avLst/>
+          </a:prstGeom>
+          <a:solidFill>
+            <a:srgbClr val="2B2B2B"/>
+          </a:solidFill>
+          <a:ln>
+            <a:noFill/>
+          </a:ln>
+          <a:effectLst/>
+          <a:extLst>
+            <a:ext uri="{91240B29-F687-4F45-9708-019B960494DF}">
+              <a14:hiddenLine xmlns:a14="http://schemas.microsoft.com/office/drawing/2010/main" w="9525">
+                <a:solidFill>
+                  <a:schemeClr val="tx1"/>
+                </a:solidFill>
+                <a:miter lim="800000"/>
+                <a:headEnd/>
+                <a:tailEnd/>
+              </a14:hiddenLine>
+            </a:ext>
+            <a:ext uri="{AF507438-7753-43E0-B8FC-AC1667EBCBE1}">
+              <a14:hiddenEffects xmlns:a14="http://schemas.microsoft.com/office/drawing/2010/main">
+                <a:effectLst>
+                  <a:outerShdw dist="35921" dir="2700000" algn="ctr" rotWithShape="0">
+                    <a:schemeClr val="bg2"/>
+                  </a:outerShdw>
+                </a:effectLst>
+              </a14:hiddenEffects>
+            </a:ext>
+          </a:extLst>
+        </p:spPr>
+        <p:txBody>
+          <a:bodyPr vert="horz" wrap="none" lIns="91440" tIns="45720" rIns="91440" bIns="45720" numCol="1" anchor="ctr" anchorCtr="0" compatLnSpc="1">
+            <a:prstTxWarp prst="textNoShape">
+              <a:avLst/>
+            </a:prstTxWarp>
+            <a:spAutoFit/>
+          </a:bodyPr>
+          <a:lstStyle/>
+          <a:p>
+            <a:pPr marL="0" marR="0" lvl="0" indent="0" algn="l" defTabSz="914400" rtl="0" eaLnBrk="0" fontAlgn="base" latinLnBrk="0" hangingPunct="0">
+              <a:lnSpc>
+                <a:spcPct val="100000"/>
+              </a:lnSpc>
+              <a:spcBef>
+                <a:spcPct val="0"/>
+              </a:spcBef>
+              <a:spcAft>
+                <a:spcPct val="0"/>
+              </a:spcAft>
+              <a:buClrTx/>
+              <a:buSzTx/>
+              <a:buFontTx/>
+              <a:buNone/>
+              <a:tabLst/>
+            </a:pPr>
+            <a:r>
+              <a:rPr kumimoji="0" lang="en-US" altLang="en-US" sz="2000" b="0" i="0" u="none" strike="noStrike" cap="none" normalizeH="0" baseline="0" dirty="0" smtClean="0">
+                <a:ln>
+                  <a:noFill/>
+                </a:ln>
+                <a:solidFill>
+                  <a:srgbClr val="CC7832"/>
+                </a:solidFill>
+                <a:effectLst/>
+                <a:latin typeface="Courier New" panose="02070309020205020404" pitchFamily="49" charset="0"/>
+                <a:cs typeface="Courier New" panose="02070309020205020404" pitchFamily="49" charset="0"/>
+              </a:rPr>
+              <a:t>fun </a:t>
+            </a:r>
+            <a:r>
+              <a:rPr kumimoji="0" lang="en-US" altLang="en-US" sz="2000" b="0" i="0" u="none" strike="noStrike" cap="none" normalizeH="0" baseline="0" dirty="0" smtClean="0">
+                <a:ln>
+                  <a:noFill/>
+                </a:ln>
+                <a:solidFill>
+                  <a:srgbClr val="FFC66D"/>
+                </a:solidFill>
+                <a:effectLst/>
+                <a:latin typeface="Courier New" panose="02070309020205020404" pitchFamily="49" charset="0"/>
+                <a:cs typeface="Courier New" panose="02070309020205020404" pitchFamily="49" charset="0"/>
+              </a:rPr>
+              <a:t>odd</a:t>
+            </a:r>
+            <a:r>
+              <a:rPr kumimoji="0" lang="en-US" altLang="en-US" sz="2000" b="0" i="0" u="none" strike="noStrike" cap="none" normalizeH="0" baseline="0" dirty="0" smtClean="0">
+                <a:ln>
+                  <a:noFill/>
+                </a:ln>
+                <a:solidFill>
+                  <a:srgbClr val="A9B7C6"/>
+                </a:solidFill>
+                <a:effectLst/>
+                <a:latin typeface="Courier New" panose="02070309020205020404" pitchFamily="49" charset="0"/>
+                <a:cs typeface="Courier New" panose="02070309020205020404" pitchFamily="49" charset="0"/>
+              </a:rPr>
+              <a:t>(x: Int): Boolean = x % </a:t>
+            </a:r>
+            <a:r>
+              <a:rPr kumimoji="0" lang="en-US" altLang="en-US" sz="2000" b="0" i="0" u="none" strike="noStrike" cap="none" normalizeH="0" baseline="0" dirty="0" smtClean="0">
+                <a:ln>
+                  <a:noFill/>
+                </a:ln>
+                <a:solidFill>
+                  <a:srgbClr val="6897BB"/>
+                </a:solidFill>
+                <a:effectLst/>
+                <a:latin typeface="Courier New" panose="02070309020205020404" pitchFamily="49" charset="0"/>
+                <a:cs typeface="Courier New" panose="02070309020205020404" pitchFamily="49" charset="0"/>
+              </a:rPr>
+              <a:t>2 </a:t>
+            </a:r>
+            <a:r>
+              <a:rPr kumimoji="0" lang="en-US" altLang="en-US" sz="2000" b="0" i="0" u="none" strike="noStrike" cap="none" normalizeH="0" baseline="0" dirty="0" smtClean="0">
+                <a:ln>
+                  <a:noFill/>
+                </a:ln>
+                <a:solidFill>
+                  <a:srgbClr val="A9B7C6"/>
+                </a:solidFill>
+                <a:effectLst/>
+                <a:latin typeface="Courier New" panose="02070309020205020404" pitchFamily="49" charset="0"/>
+                <a:cs typeface="Courier New" panose="02070309020205020404" pitchFamily="49" charset="0"/>
+              </a:rPr>
+              <a:t>== </a:t>
+            </a:r>
+            <a:r>
+              <a:rPr kumimoji="0" lang="en-US" altLang="en-US" sz="2000" b="0" i="0" u="none" strike="noStrike" cap="none" normalizeH="0" baseline="0" dirty="0" smtClean="0">
+                <a:ln>
+                  <a:noFill/>
+                </a:ln>
+                <a:solidFill>
+                  <a:srgbClr val="6897BB"/>
+                </a:solidFill>
+                <a:effectLst/>
+                <a:latin typeface="Courier New" panose="02070309020205020404" pitchFamily="49" charset="0"/>
+                <a:cs typeface="Courier New" panose="02070309020205020404" pitchFamily="49" charset="0"/>
+              </a:rPr>
+              <a:t>1</a:t>
+            </a:r>
+            <a:br>
+              <a:rPr kumimoji="0" lang="en-US" altLang="en-US" sz="2000" b="0" i="0" u="none" strike="noStrike" cap="none" normalizeH="0" baseline="0" dirty="0" smtClean="0">
+                <a:ln>
+                  <a:noFill/>
+                </a:ln>
+                <a:solidFill>
+                  <a:srgbClr val="6897BB"/>
+                </a:solidFill>
+                <a:effectLst/>
+                <a:latin typeface="Courier New" panose="02070309020205020404" pitchFamily="49" charset="0"/>
+                <a:cs typeface="Courier New" panose="02070309020205020404" pitchFamily="49" charset="0"/>
+              </a:rPr>
+            </a:br>
+            <a:r>
+              <a:rPr kumimoji="0" lang="en-US" altLang="en-US" sz="2000" b="0" i="0" u="none" strike="noStrike" cap="none" normalizeH="0" baseline="0" dirty="0" smtClean="0">
+                <a:ln>
+                  <a:noFill/>
+                </a:ln>
+                <a:solidFill>
+                  <a:srgbClr val="A9B7C6"/>
+                </a:solidFill>
+                <a:effectLst/>
+                <a:latin typeface="Courier New" panose="02070309020205020404" pitchFamily="49" charset="0"/>
+                <a:cs typeface="Courier New" panose="02070309020205020404" pitchFamily="49" charset="0"/>
+              </a:rPr>
+              <a:t>println(odd(</a:t>
+            </a:r>
+            <a:r>
+              <a:rPr kumimoji="0" lang="en-US" altLang="en-US" sz="2000" b="0" i="0" u="none" strike="noStrike" cap="none" normalizeH="0" baseline="0" dirty="0" smtClean="0">
+                <a:ln>
+                  <a:noFill/>
+                </a:ln>
+                <a:solidFill>
+                  <a:srgbClr val="6897BB"/>
+                </a:solidFill>
+                <a:effectLst/>
+                <a:latin typeface="Courier New" panose="02070309020205020404" pitchFamily="49" charset="0"/>
+                <a:cs typeface="Courier New" panose="02070309020205020404" pitchFamily="49" charset="0"/>
+              </a:rPr>
+              <a:t>6</a:t>
+            </a:r>
+            <a:r>
+              <a:rPr kumimoji="0" lang="en-US" altLang="en-US" sz="2000" b="0" i="0" u="none" strike="noStrike" cap="none" normalizeH="0" baseline="0" dirty="0" smtClean="0">
+                <a:ln>
+                  <a:noFill/>
+                </a:ln>
+                <a:solidFill>
+                  <a:srgbClr val="A9B7C6"/>
+                </a:solidFill>
+                <a:effectLst/>
+                <a:latin typeface="Courier New" panose="02070309020205020404" pitchFamily="49" charset="0"/>
+                <a:cs typeface="Courier New" panose="02070309020205020404" pitchFamily="49" charset="0"/>
+              </a:rPr>
+              <a:t>)) </a:t>
+            </a:r>
+            <a:r>
+              <a:rPr kumimoji="0" lang="en-US" altLang="en-US" sz="2000" b="0" i="0" u="none" strike="noStrike" cap="none" normalizeH="0" baseline="0" dirty="0" smtClean="0">
+                <a:ln>
+                  <a:noFill/>
+                </a:ln>
+                <a:solidFill>
+                  <a:srgbClr val="808080"/>
+                </a:solidFill>
+                <a:effectLst/>
+                <a:latin typeface="Courier New" panose="02070309020205020404" pitchFamily="49" charset="0"/>
+                <a:cs typeface="Courier New" panose="02070309020205020404" pitchFamily="49" charset="0"/>
+              </a:rPr>
+              <a:t>// =&gt; false</a:t>
+            </a:r>
+            <a:br>
+              <a:rPr kumimoji="0" lang="en-US" altLang="en-US" sz="2000" b="0" i="0" u="none" strike="noStrike" cap="none" normalizeH="0" baseline="0" dirty="0" smtClean="0">
+                <a:ln>
+                  <a:noFill/>
+                </a:ln>
+                <a:solidFill>
+                  <a:srgbClr val="808080"/>
+                </a:solidFill>
+                <a:effectLst/>
+                <a:latin typeface="Courier New" panose="02070309020205020404" pitchFamily="49" charset="0"/>
+                <a:cs typeface="Courier New" panose="02070309020205020404" pitchFamily="49" charset="0"/>
+              </a:rPr>
+            </a:br>
+            <a:r>
+              <a:rPr kumimoji="0" lang="en-US" altLang="en-US" sz="2000" b="0" i="0" u="none" strike="noStrike" cap="none" normalizeH="0" baseline="0" dirty="0" smtClean="0">
+                <a:ln>
+                  <a:noFill/>
+                </a:ln>
+                <a:solidFill>
+                  <a:srgbClr val="A9B7C6"/>
+                </a:solidFill>
+                <a:effectLst/>
+                <a:latin typeface="Courier New" panose="02070309020205020404" pitchFamily="49" charset="0"/>
+                <a:cs typeface="Courier New" panose="02070309020205020404" pitchFamily="49" charset="0"/>
+              </a:rPr>
+              <a:t>println(odd(</a:t>
+            </a:r>
+            <a:r>
+              <a:rPr kumimoji="0" lang="en-US" altLang="en-US" sz="2000" b="0" i="0" u="none" strike="noStrike" cap="none" normalizeH="0" baseline="0" dirty="0" smtClean="0">
+                <a:ln>
+                  <a:noFill/>
+                </a:ln>
+                <a:solidFill>
+                  <a:srgbClr val="6897BB"/>
+                </a:solidFill>
+                <a:effectLst/>
+                <a:latin typeface="Courier New" panose="02070309020205020404" pitchFamily="49" charset="0"/>
+                <a:cs typeface="Courier New" panose="02070309020205020404" pitchFamily="49" charset="0"/>
+              </a:rPr>
+              <a:t>7</a:t>
+            </a:r>
+            <a:r>
+              <a:rPr kumimoji="0" lang="en-US" altLang="en-US" sz="2000" b="0" i="0" u="none" strike="noStrike" cap="none" normalizeH="0" baseline="0" dirty="0" smtClean="0">
+                <a:ln>
+                  <a:noFill/>
+                </a:ln>
+                <a:solidFill>
+                  <a:srgbClr val="A9B7C6"/>
+                </a:solidFill>
+                <a:effectLst/>
+                <a:latin typeface="Courier New" panose="02070309020205020404" pitchFamily="49" charset="0"/>
+                <a:cs typeface="Courier New" panose="02070309020205020404" pitchFamily="49" charset="0"/>
+              </a:rPr>
+              <a:t>)) </a:t>
+            </a:r>
+            <a:r>
+              <a:rPr kumimoji="0" lang="en-US" altLang="en-US" sz="2000" b="0" i="0" u="none" strike="noStrike" cap="none" normalizeH="0" baseline="0" dirty="0" smtClean="0">
+                <a:ln>
+                  <a:noFill/>
+                </a:ln>
+                <a:solidFill>
+                  <a:srgbClr val="808080"/>
+                </a:solidFill>
+                <a:effectLst/>
+                <a:latin typeface="Courier New" panose="02070309020205020404" pitchFamily="49" charset="0"/>
+                <a:cs typeface="Courier New" panose="02070309020205020404" pitchFamily="49" charset="0"/>
+              </a:rPr>
+              <a:t>// =&gt; true</a:t>
+            </a:r>
+            <a:endParaRPr kumimoji="0" lang="en-US" altLang="en-US" sz="4800" b="0" i="0" u="none" strike="noStrike" cap="none" normalizeH="0" baseline="0" dirty="0" smtClean="0">
+              <a:ln>
+                <a:noFill/>
+              </a:ln>
+              <a:solidFill>
+                <a:schemeClr val="tx1"/>
+              </a:solidFill>
+              <a:effectLst/>
+              <a:latin typeface="Arial" panose="020B0604020202020204" pitchFamily="34" charset="0"/>
+            </a:endParaRPr>
+          </a:p>
+        </p:txBody>
+      </p:sp>
+      <p:sp>
+        <p:nvSpPr>
+          <p:cNvPr id="9" name="Rectangle 4"/>
+          <p:cNvSpPr>
+            <a:spLocks noChangeArrowheads="1"/>
+          </p:cNvSpPr>
+          <p:nvPr/>
+        </p:nvSpPr>
+        <p:spPr bwMode="auto">
+          <a:xfrm>
+            <a:off x="3772287" y="5580663"/>
+            <a:ext cx="4647426" cy="1015663"/>
+          </a:xfrm>
+          <a:prstGeom prst="rect">
+            <a:avLst/>
+          </a:prstGeom>
+          <a:solidFill>
+            <a:srgbClr val="2B2B2B"/>
+          </a:solidFill>
+          <a:ln>
+            <a:noFill/>
+          </a:ln>
+          <a:effectLst/>
+          <a:extLst>
+            <a:ext uri="{91240B29-F687-4F45-9708-019B960494DF}">
+              <a14:hiddenLine xmlns:a14="http://schemas.microsoft.com/office/drawing/2010/main" w="9525">
+                <a:solidFill>
+                  <a:schemeClr val="tx1"/>
+                </a:solidFill>
+                <a:miter lim="800000"/>
+                <a:headEnd/>
+                <a:tailEnd/>
+              </a14:hiddenLine>
+            </a:ext>
+            <a:ext uri="{AF507438-7753-43E0-B8FC-AC1667EBCBE1}">
+              <a14:hiddenEffects xmlns:a14="http://schemas.microsoft.com/office/drawing/2010/main">
+                <a:effectLst>
+                  <a:outerShdw dist="35921" dir="2700000" algn="ctr" rotWithShape="0">
+                    <a:schemeClr val="bg2"/>
+                  </a:outerShdw>
+                </a:effectLst>
+              </a14:hiddenEffects>
+            </a:ext>
+          </a:extLst>
+        </p:spPr>
+        <p:txBody>
+          <a:bodyPr vert="horz" wrap="none" lIns="91440" tIns="45720" rIns="91440" bIns="45720" numCol="1" anchor="ctr" anchorCtr="0" compatLnSpc="1">
+            <a:prstTxWarp prst="textNoShape">
+              <a:avLst/>
+            </a:prstTxWarp>
+            <a:spAutoFit/>
+          </a:bodyPr>
+          <a:lstStyle/>
+          <a:p>
+            <a:pPr marL="0" marR="0" lvl="0" indent="0" algn="l" defTabSz="914400" rtl="0" eaLnBrk="0" fontAlgn="base" latinLnBrk="0" hangingPunct="0">
+              <a:lnSpc>
+                <a:spcPct val="100000"/>
+              </a:lnSpc>
+              <a:spcBef>
+                <a:spcPct val="0"/>
+              </a:spcBef>
+              <a:spcAft>
+                <a:spcPct val="0"/>
+              </a:spcAft>
+              <a:buClrTx/>
+              <a:buSzTx/>
+              <a:buFontTx/>
+              <a:buNone/>
+              <a:tabLst/>
+            </a:pPr>
+            <a:r>
+              <a:rPr kumimoji="0" lang="en-US" altLang="en-US" sz="2000" b="0" i="0" u="none" strike="noStrike" cap="none" normalizeH="0" baseline="0" dirty="0" smtClean="0">
+                <a:ln>
+                  <a:noFill/>
+                </a:ln>
+                <a:solidFill>
+                  <a:srgbClr val="CC7832"/>
+                </a:solidFill>
+                <a:effectLst/>
+                <a:latin typeface="Courier New" panose="02070309020205020404" pitchFamily="49" charset="0"/>
+                <a:cs typeface="Courier New" panose="02070309020205020404" pitchFamily="49" charset="0"/>
+              </a:rPr>
+              <a:t>fun </a:t>
+            </a:r>
+            <a:r>
+              <a:rPr kumimoji="0" lang="en-US" altLang="en-US" sz="2000" b="0" i="0" u="none" strike="noStrike" cap="none" normalizeH="0" baseline="0" dirty="0" smtClean="0">
+                <a:ln>
+                  <a:noFill/>
+                </a:ln>
+                <a:solidFill>
+                  <a:srgbClr val="FFC66D"/>
+                </a:solidFill>
+                <a:effectLst/>
+                <a:latin typeface="Courier New" panose="02070309020205020404" pitchFamily="49" charset="0"/>
+                <a:cs typeface="Courier New" panose="02070309020205020404" pitchFamily="49" charset="0"/>
+              </a:rPr>
+              <a:t>even</a:t>
+            </a:r>
+            <a:r>
+              <a:rPr kumimoji="0" lang="en-US" altLang="en-US" sz="2000" b="0" i="0" u="none" strike="noStrike" cap="none" normalizeH="0" baseline="0" dirty="0" smtClean="0">
+                <a:ln>
+                  <a:noFill/>
+                </a:ln>
+                <a:solidFill>
+                  <a:srgbClr val="A9B7C6"/>
+                </a:solidFill>
+                <a:effectLst/>
+                <a:latin typeface="Courier New" panose="02070309020205020404" pitchFamily="49" charset="0"/>
+                <a:cs typeface="Courier New" panose="02070309020205020404" pitchFamily="49" charset="0"/>
+              </a:rPr>
+              <a:t>(x: Int) = x % </a:t>
+            </a:r>
+            <a:r>
+              <a:rPr kumimoji="0" lang="en-US" altLang="en-US" sz="2000" b="0" i="0" u="none" strike="noStrike" cap="none" normalizeH="0" baseline="0" dirty="0" smtClean="0">
+                <a:ln>
+                  <a:noFill/>
+                </a:ln>
+                <a:solidFill>
+                  <a:srgbClr val="6897BB"/>
+                </a:solidFill>
+                <a:effectLst/>
+                <a:latin typeface="Courier New" panose="02070309020205020404" pitchFamily="49" charset="0"/>
+                <a:cs typeface="Courier New" panose="02070309020205020404" pitchFamily="49" charset="0"/>
+              </a:rPr>
+              <a:t>2 </a:t>
+            </a:r>
+            <a:r>
+              <a:rPr kumimoji="0" lang="en-US" altLang="en-US" sz="2000" b="0" i="0" u="none" strike="noStrike" cap="none" normalizeH="0" baseline="0" dirty="0" smtClean="0">
+                <a:ln>
+                  <a:noFill/>
+                </a:ln>
+                <a:solidFill>
+                  <a:srgbClr val="A9B7C6"/>
+                </a:solidFill>
+                <a:effectLst/>
+                <a:latin typeface="Courier New" panose="02070309020205020404" pitchFamily="49" charset="0"/>
+                <a:cs typeface="Courier New" panose="02070309020205020404" pitchFamily="49" charset="0"/>
+              </a:rPr>
+              <a:t>== </a:t>
+            </a:r>
+            <a:r>
+              <a:rPr kumimoji="0" lang="en-US" altLang="en-US" sz="2000" b="0" i="0" u="none" strike="noStrike" cap="none" normalizeH="0" baseline="0" dirty="0" smtClean="0">
+                <a:ln>
+                  <a:noFill/>
+                </a:ln>
+                <a:solidFill>
+                  <a:srgbClr val="6897BB"/>
+                </a:solidFill>
+                <a:effectLst/>
+                <a:latin typeface="Courier New" panose="02070309020205020404" pitchFamily="49" charset="0"/>
+                <a:cs typeface="Courier New" panose="02070309020205020404" pitchFamily="49" charset="0"/>
+              </a:rPr>
+              <a:t>0</a:t>
+            </a:r>
+            <a:br>
+              <a:rPr kumimoji="0" lang="en-US" altLang="en-US" sz="2000" b="0" i="0" u="none" strike="noStrike" cap="none" normalizeH="0" baseline="0" dirty="0" smtClean="0">
+                <a:ln>
+                  <a:noFill/>
+                </a:ln>
+                <a:solidFill>
+                  <a:srgbClr val="6897BB"/>
+                </a:solidFill>
+                <a:effectLst/>
+                <a:latin typeface="Courier New" panose="02070309020205020404" pitchFamily="49" charset="0"/>
+                <a:cs typeface="Courier New" panose="02070309020205020404" pitchFamily="49" charset="0"/>
+              </a:rPr>
+            </a:br>
+            <a:r>
+              <a:rPr kumimoji="0" lang="en-US" altLang="en-US" sz="2000" b="0" i="0" u="none" strike="noStrike" cap="none" normalizeH="0" baseline="0" dirty="0" smtClean="0">
+                <a:ln>
+                  <a:noFill/>
+                </a:ln>
+                <a:solidFill>
+                  <a:srgbClr val="A9B7C6"/>
+                </a:solidFill>
+                <a:effectLst/>
+                <a:latin typeface="Courier New" panose="02070309020205020404" pitchFamily="49" charset="0"/>
+                <a:cs typeface="Courier New" panose="02070309020205020404" pitchFamily="49" charset="0"/>
+              </a:rPr>
+              <a:t>println(even(</a:t>
+            </a:r>
+            <a:r>
+              <a:rPr kumimoji="0" lang="en-US" altLang="en-US" sz="2000" b="0" i="0" u="none" strike="noStrike" cap="none" normalizeH="0" baseline="0" dirty="0" smtClean="0">
+                <a:ln>
+                  <a:noFill/>
+                </a:ln>
+                <a:solidFill>
+                  <a:srgbClr val="6897BB"/>
+                </a:solidFill>
+                <a:effectLst/>
+                <a:latin typeface="Courier New" panose="02070309020205020404" pitchFamily="49" charset="0"/>
+                <a:cs typeface="Courier New" panose="02070309020205020404" pitchFamily="49" charset="0"/>
+              </a:rPr>
+              <a:t>6</a:t>
+            </a:r>
+            <a:r>
+              <a:rPr kumimoji="0" lang="en-US" altLang="en-US" sz="2000" b="0" i="0" u="none" strike="noStrike" cap="none" normalizeH="0" baseline="0" dirty="0" smtClean="0">
+                <a:ln>
+                  <a:noFill/>
+                </a:ln>
+                <a:solidFill>
+                  <a:srgbClr val="A9B7C6"/>
+                </a:solidFill>
+                <a:effectLst/>
+                <a:latin typeface="Courier New" panose="02070309020205020404" pitchFamily="49" charset="0"/>
+                <a:cs typeface="Courier New" panose="02070309020205020404" pitchFamily="49" charset="0"/>
+              </a:rPr>
+              <a:t>)) </a:t>
+            </a:r>
+            <a:r>
+              <a:rPr kumimoji="0" lang="en-US" altLang="en-US" sz="2000" b="0" i="0" u="none" strike="noStrike" cap="none" normalizeH="0" baseline="0" dirty="0" smtClean="0">
+                <a:ln>
+                  <a:noFill/>
+                </a:ln>
+                <a:solidFill>
+                  <a:srgbClr val="808080"/>
+                </a:solidFill>
+                <a:effectLst/>
+                <a:latin typeface="Courier New" panose="02070309020205020404" pitchFamily="49" charset="0"/>
+                <a:cs typeface="Courier New" panose="02070309020205020404" pitchFamily="49" charset="0"/>
+              </a:rPr>
+              <a:t>// =&gt; true</a:t>
+            </a:r>
+            <a:br>
+              <a:rPr kumimoji="0" lang="en-US" altLang="en-US" sz="2000" b="0" i="0" u="none" strike="noStrike" cap="none" normalizeH="0" baseline="0" dirty="0" smtClean="0">
+                <a:ln>
+                  <a:noFill/>
+                </a:ln>
+                <a:solidFill>
+                  <a:srgbClr val="808080"/>
+                </a:solidFill>
+                <a:effectLst/>
+                <a:latin typeface="Courier New" panose="02070309020205020404" pitchFamily="49" charset="0"/>
+                <a:cs typeface="Courier New" panose="02070309020205020404" pitchFamily="49" charset="0"/>
+              </a:rPr>
+            </a:br>
+            <a:r>
+              <a:rPr kumimoji="0" lang="en-US" altLang="en-US" sz="2000" b="0" i="0" u="none" strike="noStrike" cap="none" normalizeH="0" baseline="0" dirty="0" smtClean="0">
+                <a:ln>
+                  <a:noFill/>
+                </a:ln>
+                <a:solidFill>
+                  <a:srgbClr val="A9B7C6"/>
+                </a:solidFill>
+                <a:effectLst/>
+                <a:latin typeface="Courier New" panose="02070309020205020404" pitchFamily="49" charset="0"/>
+                <a:cs typeface="Courier New" panose="02070309020205020404" pitchFamily="49" charset="0"/>
+              </a:rPr>
+              <a:t>println(even(</a:t>
+            </a:r>
+            <a:r>
+              <a:rPr kumimoji="0" lang="en-US" altLang="en-US" sz="2000" b="0" i="0" u="none" strike="noStrike" cap="none" normalizeH="0" baseline="0" dirty="0" smtClean="0">
+                <a:ln>
+                  <a:noFill/>
+                </a:ln>
+                <a:solidFill>
+                  <a:srgbClr val="6897BB"/>
+                </a:solidFill>
+                <a:effectLst/>
+                <a:latin typeface="Courier New" panose="02070309020205020404" pitchFamily="49" charset="0"/>
+                <a:cs typeface="Courier New" panose="02070309020205020404" pitchFamily="49" charset="0"/>
+              </a:rPr>
+              <a:t>7</a:t>
+            </a:r>
+            <a:r>
+              <a:rPr kumimoji="0" lang="en-US" altLang="en-US" sz="2000" b="0" i="0" u="none" strike="noStrike" cap="none" normalizeH="0" baseline="0" dirty="0" smtClean="0">
+                <a:ln>
+                  <a:noFill/>
+                </a:ln>
+                <a:solidFill>
+                  <a:srgbClr val="A9B7C6"/>
+                </a:solidFill>
+                <a:effectLst/>
+                <a:latin typeface="Courier New" panose="02070309020205020404" pitchFamily="49" charset="0"/>
+                <a:cs typeface="Courier New" panose="02070309020205020404" pitchFamily="49" charset="0"/>
+              </a:rPr>
+              <a:t>)) </a:t>
+            </a:r>
+            <a:r>
+              <a:rPr kumimoji="0" lang="en-US" altLang="en-US" sz="2000" b="0" i="0" u="none" strike="noStrike" cap="none" normalizeH="0" baseline="0" dirty="0" smtClean="0">
+                <a:ln>
+                  <a:noFill/>
+                </a:ln>
+                <a:solidFill>
+                  <a:srgbClr val="808080"/>
+                </a:solidFill>
+                <a:effectLst/>
+                <a:latin typeface="Courier New" panose="02070309020205020404" pitchFamily="49" charset="0"/>
+                <a:cs typeface="Courier New" panose="02070309020205020404" pitchFamily="49" charset="0"/>
+              </a:rPr>
+              <a:t>// =&gt; false</a:t>
+            </a:r>
+            <a:endParaRPr kumimoji="0" lang="en-US" altLang="en-US" sz="4800" b="0" i="0" u="none" strike="noStrike" cap="none" normalizeH="0" baseline="0" dirty="0" smtClean="0">
+              <a:ln>
+                <a:noFill/>
+              </a:ln>
+              <a:solidFill>
+                <a:schemeClr val="tx1"/>
+              </a:solidFill>
+              <a:effectLst/>
+              <a:latin typeface="Arial" panose="020B0604020202020204" pitchFamily="34" charset="0"/>
+            </a:endParaRPr>
+          </a:p>
+        </p:txBody>
+      </p:sp>
+    </p:spTree>
+    <p:extLst>
+      <p:ext uri="{BB962C8B-B14F-4D97-AF65-F5344CB8AC3E}">
+        <p14:creationId xmlns:p14="http://schemas.microsoft.com/office/powerpoint/2010/main" val="1959910986"/>
+      </p:ext>
+    </p:extLst>
+  </p:cSld>
+  <p:clrMapOvr>
+    <a:masterClrMapping/>
+  </p:clrMapOvr>
+  <p:timing>
+    <p:tnLst>
+      <p:par>
+        <p:cTn id="1" dur="indefinite" restart="never" nodeType="tmRoot"/>
+      </p:par>
+    </p:tnLst>
+  </p:timing>
+</p:sld>
+</file>
+
+<file path=ppt/slides/slide31.xml><?xml version="1.0" encoding="utf-8"?>
+<p:sld xmlns:a="http://schemas.openxmlformats.org/drawingml/2006/main" xmlns:r="http://schemas.openxmlformats.org/officeDocument/2006/relationships" xmlns:p="http://schemas.openxmlformats.org/presentationml/2006/main">
+  <p:cSld>
+    <p:spTree>
+      <p:nvGrpSpPr>
+        <p:cNvPr id="1" name=""/>
+        <p:cNvGrpSpPr/>
+        <p:nvPr/>
+      </p:nvGrpSpPr>
+      <p:grpSpPr>
+        <a:xfrm>
+          <a:off x="0" y="0"/>
+          <a:ext cx="0" cy="0"/>
+          <a:chOff x="0" y="0"/>
+          <a:chExt cx="0" cy="0"/>
+        </a:xfrm>
+      </p:grpSpPr>
+      <p:sp>
+        <p:nvSpPr>
+          <p:cNvPr id="2" name="Title 1"/>
+          <p:cNvSpPr>
+            <a:spLocks noGrp="1"/>
+          </p:cNvSpPr>
+          <p:nvPr>
+            <p:ph type="title"/>
+          </p:nvPr>
+        </p:nvSpPr>
+        <p:spPr/>
+        <p:txBody>
+          <a:bodyPr/>
+          <a:lstStyle/>
+          <a:p>
+            <a:r>
+              <a:rPr lang="en-US" b="1" dirty="0"/>
+              <a:t>Hello world</a:t>
+            </a:r>
+          </a:p>
+        </p:txBody>
+      </p:sp>
+      <p:sp>
+        <p:nvSpPr>
+          <p:cNvPr id="3" name="Content Placeholder 2"/>
+          <p:cNvSpPr>
+            <a:spLocks noGrp="1"/>
+          </p:cNvSpPr>
+          <p:nvPr>
+            <p:ph idx="1"/>
+          </p:nvPr>
+        </p:nvSpPr>
+        <p:spPr>
+          <a:xfrm>
+            <a:off x="676656" y="2011680"/>
+            <a:ext cx="10753725" cy="4507992"/>
+          </a:xfrm>
+        </p:spPr>
+        <p:txBody>
+          <a:bodyPr>
+            <a:noAutofit/>
+          </a:bodyPr>
+          <a:lstStyle/>
+          <a:p>
+            <a:pPr marL="284163" indent="-228600">
+              <a:buFont typeface="Arial" panose="020B0604020202020204" pitchFamily="34" charset="0"/>
+              <a:buChar char="•"/>
+            </a:pPr>
+            <a:r>
+              <a:rPr lang="en-US" sz="3600" dirty="0">
+                <a:solidFill>
+                  <a:schemeClr val="tx1"/>
+                </a:solidFill>
+              </a:rPr>
+              <a:t>In Kotlin, functions are first-class citizen. </a:t>
+            </a:r>
+            <a:endParaRPr lang="en-US" sz="3600" dirty="0" smtClean="0">
+              <a:solidFill>
+                <a:schemeClr val="tx1"/>
+              </a:solidFill>
+            </a:endParaRPr>
+          </a:p>
+          <a:p>
+            <a:pPr marL="284163" indent="-228600">
+              <a:buFont typeface="Arial" panose="020B0604020202020204" pitchFamily="34" charset="0"/>
+              <a:buChar char="•"/>
+            </a:pPr>
+            <a:r>
+              <a:rPr lang="en-US" sz="3600" dirty="0" smtClean="0">
+                <a:solidFill>
+                  <a:schemeClr val="tx1"/>
+                </a:solidFill>
+              </a:rPr>
+              <a:t>It </a:t>
+            </a:r>
+            <a:r>
+              <a:rPr lang="en-US" sz="3600" dirty="0">
+                <a:solidFill>
+                  <a:schemeClr val="tx1"/>
+                </a:solidFill>
+              </a:rPr>
+              <a:t>means that functions can be assigned to the variables, passed as an arguments or returned from another function. </a:t>
+            </a:r>
+            <a:endParaRPr lang="en-US" sz="3600" dirty="0" smtClean="0">
+              <a:solidFill>
+                <a:schemeClr val="tx1"/>
+              </a:solidFill>
+            </a:endParaRPr>
+          </a:p>
+          <a:p>
+            <a:pPr marL="284163" indent="-228600">
+              <a:buFont typeface="Arial" panose="020B0604020202020204" pitchFamily="34" charset="0"/>
+              <a:buChar char="•"/>
+            </a:pPr>
+            <a:r>
+              <a:rPr lang="en-US" sz="3600" dirty="0" smtClean="0">
+                <a:solidFill>
+                  <a:schemeClr val="tx1"/>
+                </a:solidFill>
+              </a:rPr>
+              <a:t>While </a:t>
+            </a:r>
+            <a:r>
+              <a:rPr lang="en-US" sz="3600" dirty="0">
+                <a:solidFill>
+                  <a:schemeClr val="tx1"/>
+                </a:solidFill>
+              </a:rPr>
+              <a:t>Kotlin is statically typed, to make it possible, functions need to have a type. It exists and it is called function </a:t>
+            </a:r>
+            <a:r>
+              <a:rPr lang="en-US" sz="3600" dirty="0" smtClean="0">
+                <a:solidFill>
+                  <a:schemeClr val="tx1"/>
+                </a:solidFill>
+              </a:rPr>
+              <a:t>type.</a:t>
+            </a:r>
+          </a:p>
+          <a:p>
+            <a:pPr marL="284163" indent="-228600">
+              <a:buFont typeface="Arial" panose="020B0604020202020204" pitchFamily="34" charset="0"/>
+              <a:buChar char="•"/>
+            </a:pPr>
+            <a:endParaRPr lang="en-US" sz="3600" dirty="0">
+              <a:solidFill>
+                <a:schemeClr val="tx1"/>
+              </a:solidFill>
+            </a:endParaRPr>
+          </a:p>
+        </p:txBody>
+      </p:sp>
+      <p:pic>
+        <p:nvPicPr>
+          <p:cNvPr id="6" name="Picture 5"/>
+          <p:cNvPicPr>
+            <a:picLocks noChangeAspect="1"/>
+          </p:cNvPicPr>
+          <p:nvPr/>
+        </p:nvPicPr>
+        <p:blipFill>
+          <a:blip r:embed="rId3" cstate="print">
+            <a:extLst>
+              <a:ext uri="{28A0092B-C50C-407E-A947-70E740481C1C}">
+                <a14:useLocalDpi xmlns:a14="http://schemas.microsoft.com/office/drawing/2010/main" val="0"/>
+              </a:ext>
+            </a:extLst>
+          </a:blip>
+          <a:stretch>
+            <a:fillRect/>
+          </a:stretch>
+        </p:blipFill>
+        <p:spPr>
+          <a:xfrm>
+            <a:off x="10427110" y="0"/>
+            <a:ext cx="1764890" cy="1764890"/>
+          </a:xfrm>
+          <a:prstGeom prst="rect">
+            <a:avLst/>
+          </a:prstGeom>
+        </p:spPr>
+      </p:pic>
+    </p:spTree>
+    <p:extLst>
+      <p:ext uri="{BB962C8B-B14F-4D97-AF65-F5344CB8AC3E}">
+        <p14:creationId xmlns:p14="http://schemas.microsoft.com/office/powerpoint/2010/main" val="2274293486"/>
+      </p:ext>
+    </p:extLst>
+  </p:cSld>
+  <p:clrMapOvr>
+    <a:masterClrMapping/>
+  </p:clrMapOvr>
+  <p:timing>
+    <p:tnLst>
+      <p:par>
+        <p:cTn id="1" dur="indefinite" restart="never" nodeType="tmRoot"/>
+      </p:par>
+    </p:tnLst>
+  </p:timing>
+</p:sld>
+</file>
+
+<file path=ppt/slides/slide32.xml><?xml version="1.0" encoding="utf-8"?>
+<p:sld xmlns:a="http://schemas.openxmlformats.org/drawingml/2006/main" xmlns:r="http://schemas.openxmlformats.org/officeDocument/2006/relationships" xmlns:p="http://schemas.openxmlformats.org/presentationml/2006/main">
+  <p:cSld>
+    <p:spTree>
+      <p:nvGrpSpPr>
+        <p:cNvPr id="1" name=""/>
+        <p:cNvGrpSpPr/>
+        <p:nvPr/>
+      </p:nvGrpSpPr>
+      <p:grpSpPr>
+        <a:xfrm>
+          <a:off x="0" y="0"/>
+          <a:ext cx="0" cy="0"/>
+          <a:chOff x="0" y="0"/>
+          <a:chExt cx="0" cy="0"/>
+        </a:xfrm>
+      </p:grpSpPr>
+      <p:sp>
+        <p:nvSpPr>
+          <p:cNvPr id="2" name="Title 1"/>
+          <p:cNvSpPr>
+            <a:spLocks noGrp="1"/>
+          </p:cNvSpPr>
+          <p:nvPr>
+            <p:ph type="title"/>
+          </p:nvPr>
+        </p:nvSpPr>
+        <p:spPr/>
+        <p:txBody>
+          <a:bodyPr/>
+          <a:lstStyle/>
+          <a:p>
+            <a:r>
+              <a:rPr lang="en-US" b="1" dirty="0"/>
+              <a:t>Hello world</a:t>
+            </a:r>
+          </a:p>
+        </p:txBody>
+      </p:sp>
+      <p:sp>
+        <p:nvSpPr>
+          <p:cNvPr id="3" name="Content Placeholder 2"/>
+          <p:cNvSpPr>
+            <a:spLocks noGrp="1"/>
+          </p:cNvSpPr>
+          <p:nvPr>
+            <p:ph idx="1"/>
+          </p:nvPr>
+        </p:nvSpPr>
+        <p:spPr>
+          <a:xfrm>
+            <a:off x="676656" y="2011680"/>
+            <a:ext cx="10753725" cy="4507992"/>
+          </a:xfrm>
+        </p:spPr>
+        <p:txBody>
+          <a:bodyPr>
+            <a:noAutofit/>
+          </a:bodyPr>
+          <a:lstStyle/>
+          <a:p>
+            <a:pPr marL="284163" indent="-228600">
+              <a:buFont typeface="Arial" panose="020B0604020202020204" pitchFamily="34" charset="0"/>
+              <a:buChar char="•"/>
+            </a:pPr>
+            <a:r>
+              <a:rPr lang="en-US" sz="3600" dirty="0">
+                <a:solidFill>
+                  <a:schemeClr val="tx1"/>
+                </a:solidFill>
+              </a:rPr>
+              <a:t> </a:t>
+            </a:r>
+            <a:r>
+              <a:rPr lang="en-US" sz="3600" dirty="0" smtClean="0">
+                <a:solidFill>
+                  <a:schemeClr val="tx1"/>
+                </a:solidFill>
+              </a:rPr>
+              <a:t>                 The </a:t>
+            </a:r>
+            <a:r>
+              <a:rPr lang="en-US" sz="3600" dirty="0">
+                <a:solidFill>
+                  <a:schemeClr val="tx1"/>
+                </a:solidFill>
+              </a:rPr>
+              <a:t>function type that returns nothing useful (Unit) and takes no arguments</a:t>
+            </a:r>
+            <a:r>
+              <a:rPr lang="en-US" sz="3600" dirty="0" smtClean="0">
+                <a:solidFill>
+                  <a:schemeClr val="tx1"/>
+                </a:solidFill>
+              </a:rPr>
+              <a:t>.</a:t>
+            </a:r>
+          </a:p>
+          <a:p>
+            <a:pPr marL="284163" indent="-228600">
+              <a:buFont typeface="Arial" panose="020B0604020202020204" pitchFamily="34" charset="0"/>
+              <a:buChar char="•"/>
+            </a:pPr>
+            <a:r>
+              <a:rPr lang="en-US" sz="3600" dirty="0">
+                <a:solidFill>
+                  <a:schemeClr val="tx1"/>
+                </a:solidFill>
+              </a:rPr>
+              <a:t> </a:t>
+            </a:r>
+            <a:r>
+              <a:rPr lang="en-US" sz="3600" dirty="0" smtClean="0">
+                <a:solidFill>
+                  <a:schemeClr val="tx1"/>
+                </a:solidFill>
+              </a:rPr>
+              <a:t>                    The </a:t>
+            </a:r>
+            <a:r>
+              <a:rPr lang="en-US" sz="3600" dirty="0">
+                <a:solidFill>
+                  <a:schemeClr val="tx1"/>
+                </a:solidFill>
+              </a:rPr>
+              <a:t>function type that returns Int and takes single argument of type Int</a:t>
+            </a:r>
+            <a:r>
+              <a:rPr lang="en-US" sz="3600" dirty="0" smtClean="0">
+                <a:solidFill>
+                  <a:schemeClr val="tx1"/>
+                </a:solidFill>
+              </a:rPr>
+              <a:t>.</a:t>
+            </a:r>
+            <a:endParaRPr lang="en-US" sz="3600" dirty="0">
+              <a:solidFill>
+                <a:schemeClr val="tx1"/>
+              </a:solidFill>
+            </a:endParaRPr>
+          </a:p>
+          <a:p>
+            <a:pPr marL="284163" indent="-228600">
+              <a:buFont typeface="Arial" panose="020B0604020202020204" pitchFamily="34" charset="0"/>
+              <a:buChar char="•"/>
+            </a:pPr>
+            <a:r>
+              <a:rPr lang="en-US" sz="3600" dirty="0" smtClean="0">
+                <a:solidFill>
+                  <a:schemeClr val="tx1"/>
+                </a:solidFill>
+              </a:rPr>
+              <a:t>                         The </a:t>
+            </a:r>
+            <a:r>
+              <a:rPr lang="en-US" sz="3600" dirty="0">
+                <a:solidFill>
+                  <a:schemeClr val="tx1"/>
+                </a:solidFill>
+              </a:rPr>
+              <a:t>function type that returns another function that returns nothing useful (Unit). Both functions take no arguments.</a:t>
+            </a:r>
+          </a:p>
+          <a:p>
+            <a:pPr marL="284163" indent="-228600">
+              <a:buFont typeface="Arial" panose="020B0604020202020204" pitchFamily="34" charset="0"/>
+              <a:buChar char="•"/>
+            </a:pPr>
+            <a:endParaRPr lang="en-US" sz="3600" dirty="0">
+              <a:solidFill>
+                <a:schemeClr val="tx1"/>
+              </a:solidFill>
+            </a:endParaRPr>
+          </a:p>
+        </p:txBody>
+      </p:sp>
+      <p:pic>
+        <p:nvPicPr>
+          <p:cNvPr id="6" name="Picture 5"/>
+          <p:cNvPicPr>
+            <a:picLocks noChangeAspect="1"/>
+          </p:cNvPicPr>
+          <p:nvPr/>
+        </p:nvPicPr>
+        <p:blipFill>
+          <a:blip r:embed="rId3" cstate="print">
+            <a:extLst>
+              <a:ext uri="{28A0092B-C50C-407E-A947-70E740481C1C}">
+                <a14:useLocalDpi xmlns:a14="http://schemas.microsoft.com/office/drawing/2010/main" val="0"/>
+              </a:ext>
+            </a:extLst>
+          </a:blip>
+          <a:stretch>
+            <a:fillRect/>
+          </a:stretch>
+        </p:blipFill>
+        <p:spPr>
+          <a:xfrm>
+            <a:off x="10427110" y="0"/>
+            <a:ext cx="1764890" cy="1764890"/>
+          </a:xfrm>
+          <a:prstGeom prst="rect">
+            <a:avLst/>
+          </a:prstGeom>
+        </p:spPr>
+      </p:pic>
+      <p:sp>
+        <p:nvSpPr>
+          <p:cNvPr id="4" name="Rectangle 1"/>
+          <p:cNvSpPr>
+            <a:spLocks noChangeArrowheads="1"/>
+          </p:cNvSpPr>
+          <p:nvPr/>
+        </p:nvSpPr>
+        <p:spPr bwMode="auto">
+          <a:xfrm>
+            <a:off x="1120463" y="2045852"/>
+            <a:ext cx="1659429" cy="461665"/>
+          </a:xfrm>
+          <a:prstGeom prst="rect">
+            <a:avLst/>
+          </a:prstGeom>
+          <a:solidFill>
+            <a:srgbClr val="2B2B2B"/>
+          </a:solidFill>
+          <a:ln>
+            <a:noFill/>
+          </a:ln>
+          <a:effectLst/>
+          <a:extLst>
+            <a:ext uri="{91240B29-F687-4F45-9708-019B960494DF}">
+              <a14:hiddenLine xmlns:a14="http://schemas.microsoft.com/office/drawing/2010/main" w="9525">
+                <a:solidFill>
+                  <a:schemeClr val="tx1"/>
+                </a:solidFill>
+                <a:miter lim="800000"/>
+                <a:headEnd/>
+                <a:tailEnd/>
+              </a14:hiddenLine>
+            </a:ext>
+            <a:ext uri="{AF507438-7753-43E0-B8FC-AC1667EBCBE1}">
+              <a14:hiddenEffects xmlns:a14="http://schemas.microsoft.com/office/drawing/2010/main">
+                <a:effectLst>
+                  <a:outerShdw dist="35921" dir="2700000" algn="ctr" rotWithShape="0">
+                    <a:schemeClr val="bg2"/>
+                  </a:outerShdw>
+                </a:effectLst>
+              </a14:hiddenEffects>
+            </a:ext>
+          </a:extLst>
+        </p:spPr>
+        <p:txBody>
+          <a:bodyPr vert="horz" wrap="none" lIns="91440" tIns="45720" rIns="91440" bIns="45720" numCol="1" anchor="ctr" anchorCtr="0" compatLnSpc="1">
+            <a:prstTxWarp prst="textNoShape">
+              <a:avLst/>
+            </a:prstTxWarp>
+            <a:spAutoFit/>
+          </a:bodyPr>
+          <a:lstStyle/>
+          <a:p>
+            <a:pPr marL="0" marR="0" lvl="0" indent="0" algn="l" defTabSz="914400" rtl="0" eaLnBrk="0" fontAlgn="base" latinLnBrk="0" hangingPunct="0">
+              <a:lnSpc>
+                <a:spcPct val="100000"/>
+              </a:lnSpc>
+              <a:spcBef>
+                <a:spcPct val="0"/>
+              </a:spcBef>
+              <a:spcAft>
+                <a:spcPct val="0"/>
+              </a:spcAft>
+              <a:buClrTx/>
+              <a:buSzTx/>
+              <a:buFontTx/>
+              <a:buNone/>
+              <a:tabLst/>
+            </a:pPr>
+            <a:r>
+              <a:rPr kumimoji="0" lang="en-US" altLang="en-US" sz="2400" b="0" i="0" u="none" strike="noStrike" cap="none" normalizeH="0" baseline="0" dirty="0" smtClean="0">
+                <a:ln>
+                  <a:noFill/>
+                </a:ln>
+                <a:solidFill>
+                  <a:srgbClr val="A9B7C6"/>
+                </a:solidFill>
+                <a:effectLst/>
+                <a:latin typeface="Courier New" panose="02070309020205020404" pitchFamily="49" charset="0"/>
+                <a:cs typeface="Courier New" panose="02070309020205020404" pitchFamily="49" charset="0"/>
+              </a:rPr>
+              <a:t>()-&gt;Unit</a:t>
+            </a:r>
+            <a:endParaRPr kumimoji="0" lang="en-US" altLang="en-US" sz="5400" b="0" i="0" u="none" strike="noStrike" cap="none" normalizeH="0" baseline="0" dirty="0" smtClean="0">
+              <a:ln>
+                <a:noFill/>
+              </a:ln>
+              <a:solidFill>
+                <a:schemeClr val="tx1"/>
+              </a:solidFill>
+              <a:effectLst/>
+              <a:latin typeface="Arial" panose="020B0604020202020204" pitchFamily="34" charset="0"/>
+            </a:endParaRPr>
+          </a:p>
+        </p:txBody>
+      </p:sp>
+      <p:sp>
+        <p:nvSpPr>
+          <p:cNvPr id="5" name="Rectangle 2"/>
+          <p:cNvSpPr>
+            <a:spLocks noChangeArrowheads="1"/>
+          </p:cNvSpPr>
+          <p:nvPr/>
+        </p:nvSpPr>
+        <p:spPr bwMode="auto">
+          <a:xfrm>
+            <a:off x="1120463" y="3140215"/>
+            <a:ext cx="2028119" cy="461665"/>
+          </a:xfrm>
+          <a:prstGeom prst="rect">
+            <a:avLst/>
+          </a:prstGeom>
+          <a:solidFill>
+            <a:srgbClr val="2B2B2B"/>
+          </a:solidFill>
+          <a:ln>
+            <a:noFill/>
+          </a:ln>
+          <a:effectLst/>
+          <a:extLst>
+            <a:ext uri="{91240B29-F687-4F45-9708-019B960494DF}">
+              <a14:hiddenLine xmlns:a14="http://schemas.microsoft.com/office/drawing/2010/main" w="9525">
+                <a:solidFill>
+                  <a:schemeClr val="tx1"/>
+                </a:solidFill>
+                <a:miter lim="800000"/>
+                <a:headEnd/>
+                <a:tailEnd/>
+              </a14:hiddenLine>
+            </a:ext>
+            <a:ext uri="{AF507438-7753-43E0-B8FC-AC1667EBCBE1}">
+              <a14:hiddenEffects xmlns:a14="http://schemas.microsoft.com/office/drawing/2010/main">
+                <a:effectLst>
+                  <a:outerShdw dist="35921" dir="2700000" algn="ctr" rotWithShape="0">
+                    <a:schemeClr val="bg2"/>
+                  </a:outerShdw>
+                </a:effectLst>
+              </a14:hiddenEffects>
+            </a:ext>
+          </a:extLst>
+        </p:spPr>
+        <p:txBody>
+          <a:bodyPr vert="horz" wrap="none" lIns="91440" tIns="45720" rIns="91440" bIns="45720" numCol="1" anchor="ctr" anchorCtr="0" compatLnSpc="1">
+            <a:prstTxWarp prst="textNoShape">
+              <a:avLst/>
+            </a:prstTxWarp>
+            <a:spAutoFit/>
+          </a:bodyPr>
+          <a:lstStyle/>
+          <a:p>
+            <a:pPr marL="0" marR="0" lvl="0" indent="0" algn="l" defTabSz="914400" rtl="0" eaLnBrk="0" fontAlgn="base" latinLnBrk="0" hangingPunct="0">
+              <a:lnSpc>
+                <a:spcPct val="100000"/>
+              </a:lnSpc>
+              <a:spcBef>
+                <a:spcPct val="0"/>
+              </a:spcBef>
+              <a:spcAft>
+                <a:spcPct val="0"/>
+              </a:spcAft>
+              <a:buClrTx/>
+              <a:buSzTx/>
+              <a:buFontTx/>
+              <a:buNone/>
+              <a:tabLst/>
+            </a:pPr>
+            <a:r>
+              <a:rPr kumimoji="0" lang="en-US" altLang="en-US" sz="2400" b="0" i="0" u="none" strike="noStrike" cap="none" normalizeH="0" baseline="0" dirty="0" smtClean="0">
+                <a:ln>
+                  <a:noFill/>
+                </a:ln>
+                <a:solidFill>
+                  <a:srgbClr val="A9B7C6"/>
+                </a:solidFill>
+                <a:effectLst/>
+                <a:latin typeface="Courier New" panose="02070309020205020404" pitchFamily="49" charset="0"/>
+                <a:cs typeface="Courier New" panose="02070309020205020404" pitchFamily="49" charset="0"/>
+              </a:rPr>
+              <a:t>(Int)-&gt;Int</a:t>
+            </a:r>
+            <a:endParaRPr kumimoji="0" lang="en-US" altLang="en-US" sz="5400" b="0" i="0" u="none" strike="noStrike" cap="none" normalizeH="0" baseline="0" dirty="0" smtClean="0">
+              <a:ln>
+                <a:noFill/>
+              </a:ln>
+              <a:solidFill>
+                <a:schemeClr val="tx1"/>
+              </a:solidFill>
+              <a:effectLst/>
+              <a:latin typeface="Arial" panose="020B0604020202020204" pitchFamily="34" charset="0"/>
+            </a:endParaRPr>
+          </a:p>
+        </p:txBody>
+      </p:sp>
+      <p:sp>
+        <p:nvSpPr>
+          <p:cNvPr id="7" name="Rectangle 3"/>
+          <p:cNvSpPr>
+            <a:spLocks noChangeArrowheads="1"/>
+          </p:cNvSpPr>
+          <p:nvPr/>
+        </p:nvSpPr>
+        <p:spPr bwMode="auto">
+          <a:xfrm>
+            <a:off x="1120463" y="4224741"/>
+            <a:ext cx="2396810" cy="461665"/>
+          </a:xfrm>
+          <a:prstGeom prst="rect">
+            <a:avLst/>
+          </a:prstGeom>
+          <a:solidFill>
+            <a:srgbClr val="2B2B2B"/>
+          </a:solidFill>
+          <a:ln>
+            <a:noFill/>
+          </a:ln>
+          <a:effectLst/>
+          <a:extLst>
+            <a:ext uri="{91240B29-F687-4F45-9708-019B960494DF}">
+              <a14:hiddenLine xmlns:a14="http://schemas.microsoft.com/office/drawing/2010/main" w="9525">
+                <a:solidFill>
+                  <a:schemeClr val="tx1"/>
+                </a:solidFill>
+                <a:miter lim="800000"/>
+                <a:headEnd/>
+                <a:tailEnd/>
+              </a14:hiddenLine>
+            </a:ext>
+            <a:ext uri="{AF507438-7753-43E0-B8FC-AC1667EBCBE1}">
+              <a14:hiddenEffects xmlns:a14="http://schemas.microsoft.com/office/drawing/2010/main">
+                <a:effectLst>
+                  <a:outerShdw dist="35921" dir="2700000" algn="ctr" rotWithShape="0">
+                    <a:schemeClr val="bg2"/>
+                  </a:outerShdw>
+                </a:effectLst>
+              </a14:hiddenEffects>
+            </a:ext>
+          </a:extLst>
+        </p:spPr>
+        <p:txBody>
+          <a:bodyPr vert="horz" wrap="none" lIns="91440" tIns="45720" rIns="91440" bIns="45720" numCol="1" anchor="ctr" anchorCtr="0" compatLnSpc="1">
+            <a:prstTxWarp prst="textNoShape">
+              <a:avLst/>
+            </a:prstTxWarp>
+            <a:spAutoFit/>
+          </a:bodyPr>
+          <a:lstStyle/>
+          <a:p>
+            <a:pPr marL="0" marR="0" lvl="0" indent="0" algn="l" defTabSz="914400" rtl="0" eaLnBrk="0" fontAlgn="base" latinLnBrk="0" hangingPunct="0">
+              <a:lnSpc>
+                <a:spcPct val="100000"/>
+              </a:lnSpc>
+              <a:spcBef>
+                <a:spcPct val="0"/>
+              </a:spcBef>
+              <a:spcAft>
+                <a:spcPct val="0"/>
+              </a:spcAft>
+              <a:buClrTx/>
+              <a:buSzTx/>
+              <a:buFontTx/>
+              <a:buNone/>
+              <a:tabLst/>
+            </a:pPr>
+            <a:r>
+              <a:rPr kumimoji="0" lang="en-US" altLang="en-US" sz="2400" b="0" i="0" u="none" strike="noStrike" cap="none" normalizeH="0" baseline="0" dirty="0" smtClean="0">
+                <a:ln>
+                  <a:noFill/>
+                </a:ln>
+                <a:solidFill>
+                  <a:srgbClr val="A9B7C6"/>
+                </a:solidFill>
+                <a:effectLst/>
+                <a:latin typeface="Courier New" panose="02070309020205020404" pitchFamily="49" charset="0"/>
+                <a:cs typeface="Courier New" panose="02070309020205020404" pitchFamily="49" charset="0"/>
+              </a:rPr>
+              <a:t>()-&gt;()-&gt;Unit</a:t>
+            </a:r>
+            <a:endParaRPr kumimoji="0" lang="en-US" altLang="en-US" sz="5400" b="0" i="0" u="none" strike="noStrike" cap="none" normalizeH="0" baseline="0" dirty="0" smtClean="0">
+              <a:ln>
+                <a:noFill/>
+              </a:ln>
+              <a:solidFill>
+                <a:schemeClr val="tx1"/>
+              </a:solidFill>
+              <a:effectLst/>
+              <a:latin typeface="Arial" panose="020B0604020202020204" pitchFamily="34" charset="0"/>
+            </a:endParaRPr>
+          </a:p>
+        </p:txBody>
+      </p:sp>
+    </p:spTree>
+    <p:extLst>
+      <p:ext uri="{BB962C8B-B14F-4D97-AF65-F5344CB8AC3E}">
+        <p14:creationId xmlns:p14="http://schemas.microsoft.com/office/powerpoint/2010/main" val="3657501582"/>
+      </p:ext>
+    </p:extLst>
+  </p:cSld>
+  <p:clrMapOvr>
+    <a:masterClrMapping/>
+  </p:clrMapOvr>
+  <p:timing>
+    <p:tnLst>
+      <p:par>
+        <p:cTn id="1" dur="indefinite" restart="never" nodeType="tmRoot"/>
+      </p:par>
+    </p:tnLst>
+  </p:timing>
+</p:sld>
+</file>
+
+<file path=ppt/slides/slide33.xml><?xml version="1.0" encoding="utf-8"?>
+<p:sld xmlns:a="http://schemas.openxmlformats.org/drawingml/2006/main" xmlns:r="http://schemas.openxmlformats.org/officeDocument/2006/relationships" xmlns:p="http://schemas.openxmlformats.org/presentationml/2006/main">
+  <p:cSld>
+    <p:spTree>
+      <p:nvGrpSpPr>
+        <p:cNvPr id="1" name=""/>
+        <p:cNvGrpSpPr/>
+        <p:nvPr/>
+      </p:nvGrpSpPr>
+      <p:grpSpPr>
+        <a:xfrm>
+          <a:off x="0" y="0"/>
+          <a:ext cx="0" cy="0"/>
+          <a:chOff x="0" y="0"/>
+          <a:chExt cx="0" cy="0"/>
+        </a:xfrm>
+      </p:grpSpPr>
+      <p:sp>
+        <p:nvSpPr>
+          <p:cNvPr id="2" name="Title 1"/>
+          <p:cNvSpPr>
+            <a:spLocks noGrp="1"/>
+          </p:cNvSpPr>
+          <p:nvPr>
+            <p:ph type="title"/>
+          </p:nvPr>
+        </p:nvSpPr>
+        <p:spPr/>
+        <p:txBody>
+          <a:bodyPr/>
+          <a:lstStyle/>
+          <a:p>
+            <a:r>
+              <a:rPr lang="en-US" b="1" dirty="0"/>
+              <a:t>Hello world</a:t>
+            </a:r>
+          </a:p>
+        </p:txBody>
+      </p:sp>
+      <p:sp>
+        <p:nvSpPr>
+          <p:cNvPr id="3" name="Content Placeholder 2"/>
+          <p:cNvSpPr>
+            <a:spLocks noGrp="1"/>
+          </p:cNvSpPr>
+          <p:nvPr>
+            <p:ph idx="1"/>
+          </p:nvPr>
+        </p:nvSpPr>
+        <p:spPr>
+          <a:xfrm>
+            <a:off x="676656" y="2011680"/>
+            <a:ext cx="10753725" cy="4507992"/>
+          </a:xfrm>
+        </p:spPr>
+        <p:txBody>
+          <a:bodyPr>
+            <a:noAutofit/>
+          </a:bodyPr>
+          <a:lstStyle/>
+          <a:p>
+            <a:pPr marL="284163" indent="-228600">
+              <a:buFont typeface="Arial" panose="020B0604020202020204" pitchFamily="34" charset="0"/>
+              <a:buChar char="•"/>
+            </a:pPr>
+            <a:r>
+              <a:rPr lang="en-US" sz="3600" dirty="0">
+                <a:solidFill>
+                  <a:schemeClr val="tx1"/>
+                </a:solidFill>
+              </a:rPr>
+              <a:t>Function type is just a syntactic sugar for an interface, but the interface cannot be used explicitly. Nevertheless we can use function types like interfaces, what includes using them as type arguments or implementing them:</a:t>
+            </a:r>
+          </a:p>
+        </p:txBody>
+      </p:sp>
+      <p:pic>
+        <p:nvPicPr>
+          <p:cNvPr id="6" name="Picture 5"/>
+          <p:cNvPicPr>
+            <a:picLocks noChangeAspect="1"/>
+          </p:cNvPicPr>
+          <p:nvPr/>
+        </p:nvPicPr>
+        <p:blipFill>
+          <a:blip r:embed="rId3" cstate="print">
+            <a:extLst>
+              <a:ext uri="{28A0092B-C50C-407E-A947-70E740481C1C}">
+                <a14:useLocalDpi xmlns:a14="http://schemas.microsoft.com/office/drawing/2010/main" val="0"/>
+              </a:ext>
+            </a:extLst>
+          </a:blip>
+          <a:stretch>
+            <a:fillRect/>
+          </a:stretch>
+        </p:blipFill>
+        <p:spPr>
+          <a:xfrm>
+            <a:off x="10427110" y="0"/>
+            <a:ext cx="1764890" cy="1764890"/>
+          </a:xfrm>
+          <a:prstGeom prst="rect">
+            <a:avLst/>
+          </a:prstGeom>
+        </p:spPr>
+      </p:pic>
+      <p:sp>
+        <p:nvSpPr>
+          <p:cNvPr id="8" name="Rectangle 1"/>
+          <p:cNvSpPr>
+            <a:spLocks noChangeArrowheads="1"/>
+          </p:cNvSpPr>
+          <p:nvPr/>
+        </p:nvSpPr>
+        <p:spPr bwMode="auto">
+          <a:xfrm>
+            <a:off x="3720189" y="3965695"/>
+            <a:ext cx="4751622" cy="2800767"/>
+          </a:xfrm>
+          <a:prstGeom prst="rect">
+            <a:avLst/>
+          </a:prstGeom>
+          <a:solidFill>
+            <a:srgbClr val="2B2B2B"/>
+          </a:solidFill>
+          <a:ln>
+            <a:noFill/>
+          </a:ln>
+          <a:effectLst/>
+          <a:extLst>
+            <a:ext uri="{91240B29-F687-4F45-9708-019B960494DF}">
+              <a14:hiddenLine xmlns:a14="http://schemas.microsoft.com/office/drawing/2010/main" w="9525">
+                <a:solidFill>
+                  <a:schemeClr val="tx1"/>
+                </a:solidFill>
+                <a:miter lim="800000"/>
+                <a:headEnd/>
+                <a:tailEnd/>
+              </a14:hiddenLine>
+            </a:ext>
+            <a:ext uri="{AF507438-7753-43E0-B8FC-AC1667EBCBE1}">
+              <a14:hiddenEffects xmlns:a14="http://schemas.microsoft.com/office/drawing/2010/main">
+                <a:effectLst>
+                  <a:outerShdw dist="35921" dir="2700000" algn="ctr" rotWithShape="0">
+                    <a:schemeClr val="bg2"/>
+                  </a:outerShdw>
+                </a:effectLst>
+              </a14:hiddenEffects>
+            </a:ext>
+          </a:extLst>
+        </p:spPr>
+        <p:txBody>
+          <a:bodyPr vert="horz" wrap="none" lIns="91440" tIns="45720" rIns="91440" bIns="45720" numCol="1" anchor="ctr" anchorCtr="0" compatLnSpc="1">
+            <a:prstTxWarp prst="textNoShape">
+              <a:avLst/>
+            </a:prstTxWarp>
+            <a:spAutoFit/>
+          </a:bodyPr>
+          <a:lstStyle/>
+          <a:p>
+            <a:pPr marL="0" marR="0" lvl="0" indent="0" algn="l" defTabSz="914400" rtl="0" eaLnBrk="0" fontAlgn="base" latinLnBrk="0" hangingPunct="0">
+              <a:lnSpc>
+                <a:spcPct val="100000"/>
+              </a:lnSpc>
+              <a:spcBef>
+                <a:spcPct val="0"/>
+              </a:spcBef>
+              <a:spcAft>
+                <a:spcPct val="0"/>
+              </a:spcAft>
+              <a:buClrTx/>
+              <a:buSzTx/>
+              <a:buFontTx/>
+              <a:buNone/>
+              <a:tabLst/>
+            </a:pPr>
+            <a:r>
+              <a:rPr kumimoji="0" lang="en-US" altLang="en-US" sz="1600" b="0" i="0" u="none" strike="noStrike" cap="none" normalizeH="0" baseline="0" dirty="0" smtClean="0">
+                <a:ln>
+                  <a:noFill/>
+                </a:ln>
+                <a:solidFill>
+                  <a:srgbClr val="CC7832"/>
+                </a:solidFill>
+                <a:effectLst/>
+                <a:latin typeface="Courier New" panose="02070309020205020404" pitchFamily="49" charset="0"/>
+                <a:cs typeface="Courier New" panose="02070309020205020404" pitchFamily="49" charset="0"/>
+              </a:rPr>
+              <a:t>class </a:t>
+            </a:r>
+            <a:r>
+              <a:rPr kumimoji="0" lang="en-US" altLang="en-US" sz="1600" b="0" i="0" u="none" strike="noStrike" cap="none" normalizeH="0" baseline="0" dirty="0" err="1" smtClean="0">
+                <a:ln>
+                  <a:noFill/>
+                </a:ln>
+                <a:solidFill>
+                  <a:srgbClr val="A9B7C6"/>
+                </a:solidFill>
+                <a:effectLst/>
+                <a:latin typeface="Courier New" panose="02070309020205020404" pitchFamily="49" charset="0"/>
+                <a:cs typeface="Courier New" panose="02070309020205020404" pitchFamily="49" charset="0"/>
+              </a:rPr>
+              <a:t>MyFunction</a:t>
+            </a:r>
+            <a:r>
+              <a:rPr kumimoji="0" lang="en-US" altLang="en-US" sz="1600" b="0" i="0" u="none" strike="noStrike" cap="none" normalizeH="0" baseline="0" dirty="0" smtClean="0">
+                <a:ln>
+                  <a:noFill/>
+                </a:ln>
+                <a:solidFill>
+                  <a:srgbClr val="A9B7C6"/>
+                </a:solidFill>
+                <a:effectLst/>
+                <a:latin typeface="Courier New" panose="02070309020205020404" pitchFamily="49" charset="0"/>
+                <a:cs typeface="Courier New" panose="02070309020205020404" pitchFamily="49" charset="0"/>
+              </a:rPr>
+              <a:t> : () -&gt; Unit {</a:t>
+            </a:r>
+            <a:br>
+              <a:rPr kumimoji="0" lang="en-US" altLang="en-US" sz="1600" b="0" i="0" u="none" strike="noStrike" cap="none" normalizeH="0" baseline="0" dirty="0" smtClean="0">
+                <a:ln>
+                  <a:noFill/>
+                </a:ln>
+                <a:solidFill>
+                  <a:srgbClr val="A9B7C6"/>
+                </a:solidFill>
+                <a:effectLst/>
+                <a:latin typeface="Courier New" panose="02070309020205020404" pitchFamily="49" charset="0"/>
+                <a:cs typeface="Courier New" panose="02070309020205020404" pitchFamily="49" charset="0"/>
+              </a:rPr>
+            </a:br>
+            <a:r>
+              <a:rPr kumimoji="0" lang="en-US" altLang="en-US" sz="1600" b="0" i="0" u="none" strike="noStrike" cap="none" normalizeH="0" baseline="0" dirty="0" smtClean="0">
+                <a:ln>
+                  <a:noFill/>
+                </a:ln>
+                <a:solidFill>
+                  <a:srgbClr val="A9B7C6"/>
+                </a:solidFill>
+                <a:effectLst/>
+                <a:latin typeface="Courier New" panose="02070309020205020404" pitchFamily="49" charset="0"/>
+                <a:cs typeface="Courier New" panose="02070309020205020404" pitchFamily="49" charset="0"/>
+              </a:rPr>
+              <a:t/>
+            </a:r>
+            <a:br>
+              <a:rPr kumimoji="0" lang="en-US" altLang="en-US" sz="1600" b="0" i="0" u="none" strike="noStrike" cap="none" normalizeH="0" baseline="0" dirty="0" smtClean="0">
+                <a:ln>
+                  <a:noFill/>
+                </a:ln>
+                <a:solidFill>
+                  <a:srgbClr val="A9B7C6"/>
+                </a:solidFill>
+                <a:effectLst/>
+                <a:latin typeface="Courier New" panose="02070309020205020404" pitchFamily="49" charset="0"/>
+                <a:cs typeface="Courier New" panose="02070309020205020404" pitchFamily="49" charset="0"/>
+              </a:rPr>
+            </a:br>
+            <a:r>
+              <a:rPr kumimoji="0" lang="en-US" altLang="en-US" sz="1600" b="0" i="0" u="none" strike="noStrike" cap="none" normalizeH="0" baseline="0" dirty="0" smtClean="0">
+                <a:ln>
+                  <a:noFill/>
+                </a:ln>
+                <a:solidFill>
+                  <a:srgbClr val="A9B7C6"/>
+                </a:solidFill>
+                <a:effectLst/>
+                <a:latin typeface="Courier New" panose="02070309020205020404" pitchFamily="49" charset="0"/>
+                <a:cs typeface="Courier New" panose="02070309020205020404" pitchFamily="49" charset="0"/>
+              </a:rPr>
+              <a:t>    </a:t>
+            </a:r>
+            <a:r>
+              <a:rPr kumimoji="0" lang="en-US" altLang="en-US" sz="1600" b="0" i="0" u="none" strike="noStrike" cap="none" normalizeH="0" baseline="0" dirty="0" smtClean="0">
+                <a:ln>
+                  <a:noFill/>
+                </a:ln>
+                <a:solidFill>
+                  <a:srgbClr val="CC7832"/>
+                </a:solidFill>
+                <a:effectLst/>
+                <a:latin typeface="Courier New" panose="02070309020205020404" pitchFamily="49" charset="0"/>
+                <a:cs typeface="Courier New" panose="02070309020205020404" pitchFamily="49" charset="0"/>
+              </a:rPr>
+              <a:t>override fun </a:t>
+            </a:r>
+            <a:r>
+              <a:rPr kumimoji="0" lang="en-US" altLang="en-US" sz="1600" b="0" i="0" u="none" strike="noStrike" cap="none" normalizeH="0" baseline="0" dirty="0" smtClean="0">
+                <a:ln>
+                  <a:noFill/>
+                </a:ln>
+                <a:solidFill>
+                  <a:srgbClr val="FFC66D"/>
+                </a:solidFill>
+                <a:effectLst/>
+                <a:latin typeface="Courier New" panose="02070309020205020404" pitchFamily="49" charset="0"/>
+                <a:cs typeface="Courier New" panose="02070309020205020404" pitchFamily="49" charset="0"/>
+              </a:rPr>
+              <a:t>invoke</a:t>
+            </a:r>
+            <a:r>
+              <a:rPr kumimoji="0" lang="en-US" altLang="en-US" sz="1600" b="0" i="0" u="none" strike="noStrike" cap="none" normalizeH="0" baseline="0" dirty="0" smtClean="0">
+                <a:ln>
+                  <a:noFill/>
+                </a:ln>
+                <a:solidFill>
+                  <a:srgbClr val="A9B7C6"/>
+                </a:solidFill>
+                <a:effectLst/>
+                <a:latin typeface="Courier New" panose="02070309020205020404" pitchFamily="49" charset="0"/>
+                <a:cs typeface="Courier New" panose="02070309020205020404" pitchFamily="49" charset="0"/>
+              </a:rPr>
+              <a:t>() {</a:t>
+            </a:r>
+            <a:br>
+              <a:rPr kumimoji="0" lang="en-US" altLang="en-US" sz="1600" b="0" i="0" u="none" strike="noStrike" cap="none" normalizeH="0" baseline="0" dirty="0" smtClean="0">
+                <a:ln>
+                  <a:noFill/>
+                </a:ln>
+                <a:solidFill>
+                  <a:srgbClr val="A9B7C6"/>
+                </a:solidFill>
+                <a:effectLst/>
+                <a:latin typeface="Courier New" panose="02070309020205020404" pitchFamily="49" charset="0"/>
+                <a:cs typeface="Courier New" panose="02070309020205020404" pitchFamily="49" charset="0"/>
+              </a:rPr>
+            </a:br>
+            <a:r>
+              <a:rPr kumimoji="0" lang="en-US" altLang="en-US" sz="1600" b="0" i="0" u="none" strike="noStrike" cap="none" normalizeH="0" baseline="0" dirty="0" smtClean="0">
+                <a:ln>
+                  <a:noFill/>
+                </a:ln>
+                <a:solidFill>
+                  <a:srgbClr val="A9B7C6"/>
+                </a:solidFill>
+                <a:effectLst/>
+                <a:latin typeface="Courier New" panose="02070309020205020404" pitchFamily="49" charset="0"/>
+                <a:cs typeface="Courier New" panose="02070309020205020404" pitchFamily="49" charset="0"/>
+              </a:rPr>
+              <a:t>        </a:t>
+            </a:r>
+            <a:r>
+              <a:rPr kumimoji="0" lang="en-US" altLang="en-US" sz="1600" b="0" i="1" u="none" strike="noStrike" cap="none" normalizeH="0" baseline="0" dirty="0" smtClean="0">
+                <a:ln>
+                  <a:noFill/>
+                </a:ln>
+                <a:solidFill>
+                  <a:srgbClr val="A9B7C6"/>
+                </a:solidFill>
+                <a:effectLst/>
+                <a:latin typeface="Courier New" panose="02070309020205020404" pitchFamily="49" charset="0"/>
+                <a:cs typeface="Courier New" panose="02070309020205020404" pitchFamily="49" charset="0"/>
+              </a:rPr>
+              <a:t>println</a:t>
+            </a:r>
+            <a:r>
+              <a:rPr kumimoji="0" lang="en-US" altLang="en-US" sz="1600" b="0" i="0" u="none" strike="noStrike" cap="none" normalizeH="0" baseline="0" dirty="0" smtClean="0">
+                <a:ln>
+                  <a:noFill/>
+                </a:ln>
+                <a:solidFill>
+                  <a:srgbClr val="A9B7C6"/>
+                </a:solidFill>
+                <a:effectLst/>
+                <a:latin typeface="Courier New" panose="02070309020205020404" pitchFamily="49" charset="0"/>
+                <a:cs typeface="Courier New" panose="02070309020205020404" pitchFamily="49" charset="0"/>
+              </a:rPr>
+              <a:t>(</a:t>
+            </a:r>
+            <a:r>
+              <a:rPr kumimoji="0" lang="en-US" altLang="en-US" sz="1600" b="0" i="0" u="none" strike="noStrike" cap="none" normalizeH="0" baseline="0" dirty="0" smtClean="0">
+                <a:ln>
+                  <a:noFill/>
+                </a:ln>
+                <a:solidFill>
+                  <a:srgbClr val="6A8759"/>
+                </a:solidFill>
+                <a:effectLst/>
+                <a:latin typeface="Courier New" panose="02070309020205020404" pitchFamily="49" charset="0"/>
+                <a:cs typeface="Courier New" panose="02070309020205020404" pitchFamily="49" charset="0"/>
+              </a:rPr>
+              <a:t>"I am called"</a:t>
+            </a:r>
+            <a:r>
+              <a:rPr kumimoji="0" lang="en-US" altLang="en-US" sz="1600" b="0" i="0" u="none" strike="noStrike" cap="none" normalizeH="0" baseline="0" dirty="0" smtClean="0">
+                <a:ln>
+                  <a:noFill/>
+                </a:ln>
+                <a:solidFill>
+                  <a:srgbClr val="A9B7C6"/>
+                </a:solidFill>
+                <a:effectLst/>
+                <a:latin typeface="Courier New" panose="02070309020205020404" pitchFamily="49" charset="0"/>
+                <a:cs typeface="Courier New" panose="02070309020205020404" pitchFamily="49" charset="0"/>
+              </a:rPr>
+              <a:t>)</a:t>
+            </a:r>
+            <a:br>
+              <a:rPr kumimoji="0" lang="en-US" altLang="en-US" sz="1600" b="0" i="0" u="none" strike="noStrike" cap="none" normalizeH="0" baseline="0" dirty="0" smtClean="0">
+                <a:ln>
+                  <a:noFill/>
+                </a:ln>
+                <a:solidFill>
+                  <a:srgbClr val="A9B7C6"/>
+                </a:solidFill>
+                <a:effectLst/>
+                <a:latin typeface="Courier New" panose="02070309020205020404" pitchFamily="49" charset="0"/>
+                <a:cs typeface="Courier New" panose="02070309020205020404" pitchFamily="49" charset="0"/>
+              </a:rPr>
+            </a:br>
+            <a:r>
+              <a:rPr kumimoji="0" lang="en-US" altLang="en-US" sz="1600" b="0" i="0" u="none" strike="noStrike" cap="none" normalizeH="0" baseline="0" dirty="0" smtClean="0">
+                <a:ln>
+                  <a:noFill/>
+                </a:ln>
+                <a:solidFill>
+                  <a:srgbClr val="A9B7C6"/>
+                </a:solidFill>
+                <a:effectLst/>
+                <a:latin typeface="Courier New" panose="02070309020205020404" pitchFamily="49" charset="0"/>
+                <a:cs typeface="Courier New" panose="02070309020205020404" pitchFamily="49" charset="0"/>
+              </a:rPr>
+              <a:t>    }</a:t>
+            </a:r>
+            <a:br>
+              <a:rPr kumimoji="0" lang="en-US" altLang="en-US" sz="1600" b="0" i="0" u="none" strike="noStrike" cap="none" normalizeH="0" baseline="0" dirty="0" smtClean="0">
+                <a:ln>
+                  <a:noFill/>
+                </a:ln>
+                <a:solidFill>
+                  <a:srgbClr val="A9B7C6"/>
+                </a:solidFill>
+                <a:effectLst/>
+                <a:latin typeface="Courier New" panose="02070309020205020404" pitchFamily="49" charset="0"/>
+                <a:cs typeface="Courier New" panose="02070309020205020404" pitchFamily="49" charset="0"/>
+              </a:rPr>
+            </a:br>
+            <a:r>
+              <a:rPr kumimoji="0" lang="en-US" altLang="en-US" sz="1600" b="0" i="0" u="none" strike="noStrike" cap="none" normalizeH="0" baseline="0" dirty="0" smtClean="0">
+                <a:ln>
+                  <a:noFill/>
+                </a:ln>
+                <a:solidFill>
+                  <a:srgbClr val="A9B7C6"/>
+                </a:solidFill>
+                <a:effectLst/>
+                <a:latin typeface="Courier New" panose="02070309020205020404" pitchFamily="49" charset="0"/>
+                <a:cs typeface="Courier New" panose="02070309020205020404" pitchFamily="49" charset="0"/>
+              </a:rPr>
+              <a:t>}</a:t>
+            </a:r>
+            <a:br>
+              <a:rPr kumimoji="0" lang="en-US" altLang="en-US" sz="1600" b="0" i="0" u="none" strike="noStrike" cap="none" normalizeH="0" baseline="0" dirty="0" smtClean="0">
+                <a:ln>
+                  <a:noFill/>
+                </a:ln>
+                <a:solidFill>
+                  <a:srgbClr val="A9B7C6"/>
+                </a:solidFill>
+                <a:effectLst/>
+                <a:latin typeface="Courier New" panose="02070309020205020404" pitchFamily="49" charset="0"/>
+                <a:cs typeface="Courier New" panose="02070309020205020404" pitchFamily="49" charset="0"/>
+              </a:rPr>
+            </a:br>
+            <a:r>
+              <a:rPr kumimoji="0" lang="en-US" altLang="en-US" sz="1600" b="0" i="0" u="none" strike="noStrike" cap="none" normalizeH="0" baseline="0" dirty="0" smtClean="0">
+                <a:ln>
+                  <a:noFill/>
+                </a:ln>
+                <a:solidFill>
+                  <a:srgbClr val="A9B7C6"/>
+                </a:solidFill>
+                <a:effectLst/>
+                <a:latin typeface="Courier New" panose="02070309020205020404" pitchFamily="49" charset="0"/>
+                <a:cs typeface="Courier New" panose="02070309020205020404" pitchFamily="49" charset="0"/>
+              </a:rPr>
+              <a:t/>
+            </a:r>
+            <a:br>
+              <a:rPr kumimoji="0" lang="en-US" altLang="en-US" sz="1600" b="0" i="0" u="none" strike="noStrike" cap="none" normalizeH="0" baseline="0" dirty="0" smtClean="0">
+                <a:ln>
+                  <a:noFill/>
+                </a:ln>
+                <a:solidFill>
+                  <a:srgbClr val="A9B7C6"/>
+                </a:solidFill>
+                <a:effectLst/>
+                <a:latin typeface="Courier New" panose="02070309020205020404" pitchFamily="49" charset="0"/>
+                <a:cs typeface="Courier New" panose="02070309020205020404" pitchFamily="49" charset="0"/>
+              </a:rPr>
+            </a:br>
+            <a:r>
+              <a:rPr kumimoji="0" lang="en-US" altLang="en-US" sz="1600" b="0" i="0" u="none" strike="noStrike" cap="none" normalizeH="0" baseline="0" dirty="0" smtClean="0">
+                <a:ln>
+                  <a:noFill/>
+                </a:ln>
+                <a:solidFill>
+                  <a:srgbClr val="CC7832"/>
+                </a:solidFill>
+                <a:effectLst/>
+                <a:latin typeface="Courier New" panose="02070309020205020404" pitchFamily="49" charset="0"/>
+                <a:cs typeface="Courier New" panose="02070309020205020404" pitchFamily="49" charset="0"/>
+              </a:rPr>
+              <a:t>fun </a:t>
+            </a:r>
+            <a:r>
+              <a:rPr kumimoji="0" lang="en-US" altLang="en-US" sz="1600" b="0" i="0" u="none" strike="noStrike" cap="none" normalizeH="0" baseline="0" dirty="0" smtClean="0">
+                <a:ln>
+                  <a:noFill/>
+                </a:ln>
+                <a:solidFill>
+                  <a:srgbClr val="FFC66D"/>
+                </a:solidFill>
+                <a:effectLst/>
+                <a:latin typeface="Courier New" panose="02070309020205020404" pitchFamily="49" charset="0"/>
+                <a:cs typeface="Courier New" panose="02070309020205020404" pitchFamily="49" charset="0"/>
+              </a:rPr>
+              <a:t>main</a:t>
+            </a:r>
+            <a:r>
+              <a:rPr kumimoji="0" lang="en-US" altLang="en-US" sz="1600" b="0" i="0" u="none" strike="noStrike" cap="none" normalizeH="0" baseline="0" dirty="0" smtClean="0">
+                <a:ln>
+                  <a:noFill/>
+                </a:ln>
+                <a:solidFill>
+                  <a:srgbClr val="A9B7C6"/>
+                </a:solidFill>
+                <a:effectLst/>
+                <a:latin typeface="Courier New" panose="02070309020205020404" pitchFamily="49" charset="0"/>
+                <a:cs typeface="Courier New" panose="02070309020205020404" pitchFamily="49" charset="0"/>
+              </a:rPr>
+              <a:t>(</a:t>
+            </a:r>
+            <a:r>
+              <a:rPr kumimoji="0" lang="en-US" altLang="en-US" sz="1600" b="0" i="0" u="none" strike="noStrike" cap="none" normalizeH="0" baseline="0" dirty="0" err="1" smtClean="0">
+                <a:ln>
+                  <a:noFill/>
+                </a:ln>
+                <a:solidFill>
+                  <a:srgbClr val="808080"/>
+                </a:solidFill>
+                <a:effectLst/>
+                <a:latin typeface="Courier New" panose="02070309020205020404" pitchFamily="49" charset="0"/>
+                <a:cs typeface="Courier New" panose="02070309020205020404" pitchFamily="49" charset="0"/>
+              </a:rPr>
+              <a:t>args</a:t>
+            </a:r>
+            <a:r>
+              <a:rPr kumimoji="0" lang="en-US" altLang="en-US" sz="1600" b="0" i="0" u="none" strike="noStrike" cap="none" normalizeH="0" baseline="0" dirty="0" smtClean="0">
+                <a:ln>
+                  <a:noFill/>
+                </a:ln>
+                <a:solidFill>
+                  <a:srgbClr val="808080"/>
+                </a:solidFill>
+                <a:effectLst/>
+                <a:latin typeface="Courier New" panose="02070309020205020404" pitchFamily="49" charset="0"/>
+                <a:cs typeface="Courier New" panose="02070309020205020404" pitchFamily="49" charset="0"/>
+              </a:rPr>
+              <a:t>: Array&lt;String&gt;</a:t>
+            </a:r>
+            <a:r>
+              <a:rPr kumimoji="0" lang="en-US" altLang="en-US" sz="1600" b="0" i="0" u="none" strike="noStrike" cap="none" normalizeH="0" baseline="0" dirty="0" smtClean="0">
+                <a:ln>
+                  <a:noFill/>
+                </a:ln>
+                <a:solidFill>
+                  <a:srgbClr val="A9B7C6"/>
+                </a:solidFill>
+                <a:effectLst/>
+                <a:latin typeface="Courier New" panose="02070309020205020404" pitchFamily="49" charset="0"/>
+                <a:cs typeface="Courier New" panose="02070309020205020404" pitchFamily="49" charset="0"/>
+              </a:rPr>
+              <a:t>) {</a:t>
+            </a:r>
+            <a:br>
+              <a:rPr kumimoji="0" lang="en-US" altLang="en-US" sz="1600" b="0" i="0" u="none" strike="noStrike" cap="none" normalizeH="0" baseline="0" dirty="0" smtClean="0">
+                <a:ln>
+                  <a:noFill/>
+                </a:ln>
+                <a:solidFill>
+                  <a:srgbClr val="A9B7C6"/>
+                </a:solidFill>
+                <a:effectLst/>
+                <a:latin typeface="Courier New" panose="02070309020205020404" pitchFamily="49" charset="0"/>
+                <a:cs typeface="Courier New" panose="02070309020205020404" pitchFamily="49" charset="0"/>
+              </a:rPr>
+            </a:br>
+            <a:r>
+              <a:rPr kumimoji="0" lang="en-US" altLang="en-US" sz="1600" b="0" i="0" u="none" strike="noStrike" cap="none" normalizeH="0" baseline="0" dirty="0" smtClean="0">
+                <a:ln>
+                  <a:noFill/>
+                </a:ln>
+                <a:solidFill>
+                  <a:srgbClr val="A9B7C6"/>
+                </a:solidFill>
+                <a:effectLst/>
+                <a:latin typeface="Courier New" panose="02070309020205020404" pitchFamily="49" charset="0"/>
+                <a:cs typeface="Courier New" panose="02070309020205020404" pitchFamily="49" charset="0"/>
+              </a:rPr>
+              <a:t>    </a:t>
+            </a:r>
+            <a:r>
+              <a:rPr kumimoji="0" lang="en-US" altLang="en-US" sz="1600" b="0" i="0" u="none" strike="noStrike" cap="none" normalizeH="0" baseline="0" dirty="0" smtClean="0">
+                <a:ln>
+                  <a:noFill/>
+                </a:ln>
+                <a:solidFill>
+                  <a:srgbClr val="CC7832"/>
+                </a:solidFill>
+                <a:effectLst/>
+                <a:latin typeface="Courier New" panose="02070309020205020404" pitchFamily="49" charset="0"/>
+                <a:cs typeface="Courier New" panose="02070309020205020404" pitchFamily="49" charset="0"/>
+              </a:rPr>
+              <a:t>val </a:t>
+            </a:r>
+            <a:r>
+              <a:rPr kumimoji="0" lang="en-US" altLang="en-US" sz="1600" b="0" i="0" u="none" strike="noStrike" cap="none" normalizeH="0" baseline="0" dirty="0" smtClean="0">
+                <a:ln>
+                  <a:noFill/>
+                </a:ln>
+                <a:solidFill>
+                  <a:srgbClr val="A9B7C6"/>
+                </a:solidFill>
+                <a:effectLst/>
+                <a:latin typeface="Courier New" panose="02070309020205020404" pitchFamily="49" charset="0"/>
+                <a:cs typeface="Courier New" panose="02070309020205020404" pitchFamily="49" charset="0"/>
+              </a:rPr>
+              <a:t>function = </a:t>
+            </a:r>
+            <a:r>
+              <a:rPr kumimoji="0" lang="en-US" altLang="en-US" sz="1600" b="0" i="0" u="none" strike="noStrike" cap="none" normalizeH="0" baseline="0" dirty="0" err="1" smtClean="0">
+                <a:ln>
+                  <a:noFill/>
+                </a:ln>
+                <a:solidFill>
+                  <a:srgbClr val="A9B7C6"/>
+                </a:solidFill>
+                <a:effectLst/>
+                <a:latin typeface="Courier New" panose="02070309020205020404" pitchFamily="49" charset="0"/>
+                <a:cs typeface="Courier New" panose="02070309020205020404" pitchFamily="49" charset="0"/>
+              </a:rPr>
+              <a:t>MyFunction</a:t>
+            </a:r>
+            <a:r>
+              <a:rPr kumimoji="0" lang="en-US" altLang="en-US" sz="1600" b="0" i="0" u="none" strike="noStrike" cap="none" normalizeH="0" baseline="0" dirty="0" smtClean="0">
+                <a:ln>
+                  <a:noFill/>
+                </a:ln>
+                <a:solidFill>
+                  <a:srgbClr val="A9B7C6"/>
+                </a:solidFill>
+                <a:effectLst/>
+                <a:latin typeface="Courier New" panose="02070309020205020404" pitchFamily="49" charset="0"/>
+                <a:cs typeface="Courier New" panose="02070309020205020404" pitchFamily="49" charset="0"/>
+              </a:rPr>
+              <a:t>()</a:t>
+            </a:r>
+            <a:br>
+              <a:rPr kumimoji="0" lang="en-US" altLang="en-US" sz="1600" b="0" i="0" u="none" strike="noStrike" cap="none" normalizeH="0" baseline="0" dirty="0" smtClean="0">
+                <a:ln>
+                  <a:noFill/>
+                </a:ln>
+                <a:solidFill>
+                  <a:srgbClr val="A9B7C6"/>
+                </a:solidFill>
+                <a:effectLst/>
+                <a:latin typeface="Courier New" panose="02070309020205020404" pitchFamily="49" charset="0"/>
+                <a:cs typeface="Courier New" panose="02070309020205020404" pitchFamily="49" charset="0"/>
+              </a:rPr>
+            </a:br>
+            <a:r>
+              <a:rPr kumimoji="0" lang="en-US" altLang="en-US" sz="1600" b="0" i="0" u="none" strike="noStrike" cap="none" normalizeH="0" baseline="0" dirty="0" smtClean="0">
+                <a:ln>
+                  <a:noFill/>
+                </a:ln>
+                <a:solidFill>
+                  <a:srgbClr val="A9B7C6"/>
+                </a:solidFill>
+                <a:effectLst/>
+                <a:latin typeface="Courier New" panose="02070309020205020404" pitchFamily="49" charset="0"/>
+                <a:cs typeface="Courier New" panose="02070309020205020404" pitchFamily="49" charset="0"/>
+              </a:rPr>
+              <a:t>    function() </a:t>
+            </a:r>
+            <a:r>
+              <a:rPr kumimoji="0" lang="en-US" altLang="en-US" sz="1600" b="0" i="0" u="none" strike="noStrike" cap="none" normalizeH="0" baseline="0" dirty="0" smtClean="0">
+                <a:ln>
+                  <a:noFill/>
+                </a:ln>
+                <a:solidFill>
+                  <a:srgbClr val="808080"/>
+                </a:solidFill>
+                <a:effectLst/>
+                <a:latin typeface="Courier New" panose="02070309020205020404" pitchFamily="49" charset="0"/>
+                <a:cs typeface="Courier New" panose="02070309020205020404" pitchFamily="49" charset="0"/>
+              </a:rPr>
+              <a:t>// Prints: I am called</a:t>
+            </a:r>
+            <a:br>
+              <a:rPr kumimoji="0" lang="en-US" altLang="en-US" sz="1600" b="0" i="0" u="none" strike="noStrike" cap="none" normalizeH="0" baseline="0" dirty="0" smtClean="0">
+                <a:ln>
+                  <a:noFill/>
+                </a:ln>
+                <a:solidFill>
+                  <a:srgbClr val="808080"/>
+                </a:solidFill>
+                <a:effectLst/>
+                <a:latin typeface="Courier New" panose="02070309020205020404" pitchFamily="49" charset="0"/>
+                <a:cs typeface="Courier New" panose="02070309020205020404" pitchFamily="49" charset="0"/>
+              </a:rPr>
+            </a:br>
+            <a:r>
+              <a:rPr kumimoji="0" lang="en-US" altLang="en-US" sz="1600" b="0" i="0" u="none" strike="noStrike" cap="none" normalizeH="0" baseline="0" dirty="0" smtClean="0">
+                <a:ln>
+                  <a:noFill/>
+                </a:ln>
+                <a:solidFill>
+                  <a:srgbClr val="A9B7C6"/>
+                </a:solidFill>
+                <a:effectLst/>
+                <a:latin typeface="Courier New" panose="02070309020205020404" pitchFamily="49" charset="0"/>
+                <a:cs typeface="Courier New" panose="02070309020205020404" pitchFamily="49" charset="0"/>
+              </a:rPr>
+              <a:t>}</a:t>
+            </a:r>
+            <a:endParaRPr kumimoji="0" lang="en-US" altLang="en-US" sz="4000" b="0" i="0" u="none" strike="noStrike" cap="none" normalizeH="0" baseline="0" dirty="0" smtClean="0">
+              <a:ln>
+                <a:noFill/>
+              </a:ln>
+              <a:solidFill>
+                <a:schemeClr val="tx1"/>
+              </a:solidFill>
+              <a:effectLst/>
+              <a:latin typeface="Arial" panose="020B0604020202020204" pitchFamily="34" charset="0"/>
+            </a:endParaRPr>
+          </a:p>
+        </p:txBody>
+      </p:sp>
+    </p:spTree>
+    <p:extLst>
+      <p:ext uri="{BB962C8B-B14F-4D97-AF65-F5344CB8AC3E}">
+        <p14:creationId xmlns:p14="http://schemas.microsoft.com/office/powerpoint/2010/main" val="2532443772"/>
+      </p:ext>
+    </p:extLst>
+  </p:cSld>
+  <p:clrMapOvr>
+    <a:masterClrMapping/>
+  </p:clrMapOvr>
+  <p:timing>
+    <p:tnLst>
+      <p:par>
+        <p:cTn id="1" dur="indefinite" restart="never" nodeType="tmRoot"/>
+      </p:par>
+    </p:tnLst>
+  </p:timing>
+</p:sld>
+</file>
+
+<file path=ppt/slides/slide34.xml><?xml version="1.0" encoding="utf-8"?>
+<p:sld xmlns:a="http://schemas.openxmlformats.org/drawingml/2006/main" xmlns:r="http://schemas.openxmlformats.org/officeDocument/2006/relationships" xmlns:p="http://schemas.openxmlformats.org/presentationml/2006/main">
+  <p:cSld>
+    <p:spTree>
+      <p:nvGrpSpPr>
+        <p:cNvPr id="1" name=""/>
+        <p:cNvGrpSpPr/>
+        <p:nvPr/>
+      </p:nvGrpSpPr>
+      <p:grpSpPr>
+        <a:xfrm>
+          <a:off x="0" y="0"/>
+          <a:ext cx="0" cy="0"/>
+          <a:chOff x="0" y="0"/>
+          <a:chExt cx="0" cy="0"/>
+        </a:xfrm>
+      </p:grpSpPr>
+      <p:sp>
+        <p:nvSpPr>
+          <p:cNvPr id="2" name="Title 1"/>
+          <p:cNvSpPr>
+            <a:spLocks noGrp="1"/>
+          </p:cNvSpPr>
+          <p:nvPr>
+            <p:ph type="title"/>
+          </p:nvPr>
+        </p:nvSpPr>
+        <p:spPr/>
+        <p:txBody>
+          <a:bodyPr/>
+          <a:lstStyle/>
+          <a:p>
+            <a:r>
+              <a:rPr lang="en-US" b="1" dirty="0"/>
+              <a:t>Hello world</a:t>
+            </a:r>
+          </a:p>
+        </p:txBody>
+      </p:sp>
+      <p:sp>
+        <p:nvSpPr>
+          <p:cNvPr id="3" name="Content Placeholder 2"/>
+          <p:cNvSpPr>
+            <a:spLocks noGrp="1"/>
+          </p:cNvSpPr>
+          <p:nvPr>
+            <p:ph idx="1"/>
+          </p:nvPr>
+        </p:nvSpPr>
+        <p:spPr>
+          <a:xfrm>
+            <a:off x="676656" y="2011680"/>
+            <a:ext cx="10753725" cy="4507992"/>
+          </a:xfrm>
+        </p:spPr>
+        <p:txBody>
+          <a:bodyPr>
+            <a:noAutofit/>
+          </a:bodyPr>
+          <a:lstStyle/>
+          <a:p>
+            <a:pPr marL="284163" indent="-228600">
+              <a:buFont typeface="Arial" panose="020B0604020202020204" pitchFamily="34" charset="0"/>
+              <a:buChar char="•"/>
+            </a:pPr>
+            <a:r>
+              <a:rPr lang="en-US" sz="3600" dirty="0">
+                <a:solidFill>
+                  <a:schemeClr val="tx1"/>
+                </a:solidFill>
+              </a:rPr>
+              <a:t>Functions can take functions as arguments and return functions</a:t>
+            </a:r>
+            <a:r>
+              <a:rPr lang="en-US" sz="3600" dirty="0" smtClean="0">
+                <a:solidFill>
+                  <a:schemeClr val="tx1"/>
+                </a:solidFill>
+              </a:rPr>
+              <a:t>.</a:t>
+            </a:r>
+          </a:p>
+          <a:p>
+            <a:pPr marL="284163" indent="-228600">
+              <a:buFont typeface="Arial" panose="020B0604020202020204" pitchFamily="34" charset="0"/>
+              <a:buChar char="•"/>
+            </a:pPr>
+            <a:endParaRPr lang="en-US" sz="3600" dirty="0">
+              <a:solidFill>
+                <a:schemeClr val="tx1"/>
+              </a:solidFill>
+            </a:endParaRPr>
+          </a:p>
+          <a:p>
+            <a:pPr marL="284163" indent="-228600">
+              <a:buFont typeface="Arial" panose="020B0604020202020204" pitchFamily="34" charset="0"/>
+              <a:buChar char="•"/>
+            </a:pPr>
+            <a:endParaRPr lang="en-US" sz="3600" dirty="0" smtClean="0">
+              <a:solidFill>
+                <a:schemeClr val="tx1"/>
+              </a:solidFill>
+            </a:endParaRPr>
+          </a:p>
+          <a:p>
+            <a:pPr marL="284163" indent="-228600">
+              <a:buFont typeface="Arial" panose="020B0604020202020204" pitchFamily="34" charset="0"/>
+              <a:buChar char="•"/>
+            </a:pPr>
+            <a:r>
+              <a:rPr lang="en-US" sz="3600" dirty="0">
+                <a:solidFill>
+                  <a:schemeClr val="tx1"/>
+                </a:solidFill>
+              </a:rPr>
+              <a:t>Named functions can be specified as arguments using the :: operator.</a:t>
+            </a:r>
+            <a:endParaRPr lang="en-US" sz="3600" dirty="0" smtClean="0">
+              <a:solidFill>
+                <a:schemeClr val="tx1"/>
+              </a:solidFill>
+            </a:endParaRPr>
+          </a:p>
+        </p:txBody>
+      </p:sp>
+      <p:pic>
+        <p:nvPicPr>
+          <p:cNvPr id="6" name="Picture 5"/>
+          <p:cNvPicPr>
+            <a:picLocks noChangeAspect="1"/>
+          </p:cNvPicPr>
+          <p:nvPr/>
+        </p:nvPicPr>
+        <p:blipFill>
+          <a:blip r:embed="rId3" cstate="print">
+            <a:extLst>
+              <a:ext uri="{28A0092B-C50C-407E-A947-70E740481C1C}">
+                <a14:useLocalDpi xmlns:a14="http://schemas.microsoft.com/office/drawing/2010/main" val="0"/>
+              </a:ext>
+            </a:extLst>
+          </a:blip>
+          <a:stretch>
+            <a:fillRect/>
+          </a:stretch>
+        </p:blipFill>
+        <p:spPr>
+          <a:xfrm>
+            <a:off x="10427110" y="0"/>
+            <a:ext cx="1764890" cy="1764890"/>
+          </a:xfrm>
+          <a:prstGeom prst="rect">
+            <a:avLst/>
+          </a:prstGeom>
+        </p:spPr>
+      </p:pic>
+      <p:sp>
+        <p:nvSpPr>
+          <p:cNvPr id="5" name="Rectangle 2"/>
+          <p:cNvSpPr>
+            <a:spLocks noChangeArrowheads="1"/>
+          </p:cNvSpPr>
+          <p:nvPr/>
+        </p:nvSpPr>
+        <p:spPr bwMode="auto">
+          <a:xfrm>
+            <a:off x="2310349" y="3056397"/>
+            <a:ext cx="7571303" cy="1015663"/>
+          </a:xfrm>
+          <a:prstGeom prst="rect">
+            <a:avLst/>
+          </a:prstGeom>
+          <a:solidFill>
+            <a:srgbClr val="2B2B2B"/>
+          </a:solidFill>
+          <a:ln>
+            <a:noFill/>
+          </a:ln>
+          <a:effectLst/>
+          <a:extLst>
+            <a:ext uri="{91240B29-F687-4F45-9708-019B960494DF}">
+              <a14:hiddenLine xmlns:a14="http://schemas.microsoft.com/office/drawing/2010/main" w="9525">
+                <a:solidFill>
+                  <a:schemeClr val="tx1"/>
+                </a:solidFill>
+                <a:miter lim="800000"/>
+                <a:headEnd/>
+                <a:tailEnd/>
+              </a14:hiddenLine>
+            </a:ext>
+            <a:ext uri="{AF507438-7753-43E0-B8FC-AC1667EBCBE1}">
+              <a14:hiddenEffects xmlns:a14="http://schemas.microsoft.com/office/drawing/2010/main">
+                <a:effectLst>
+                  <a:outerShdw dist="35921" dir="2700000" algn="ctr" rotWithShape="0">
+                    <a:schemeClr val="bg2"/>
+                  </a:outerShdw>
+                </a:effectLst>
+              </a14:hiddenEffects>
+            </a:ext>
+          </a:extLst>
+        </p:spPr>
+        <p:txBody>
+          <a:bodyPr vert="horz" wrap="none" lIns="91440" tIns="45720" rIns="91440" bIns="45720" numCol="1" anchor="ctr" anchorCtr="0" compatLnSpc="1">
+            <a:prstTxWarp prst="textNoShape">
+              <a:avLst/>
+            </a:prstTxWarp>
+            <a:spAutoFit/>
+          </a:bodyPr>
+          <a:lstStyle/>
+          <a:p>
+            <a:pPr marL="0" marR="0" lvl="0" indent="0" algn="l" defTabSz="914400" rtl="0" eaLnBrk="0" fontAlgn="base" latinLnBrk="0" hangingPunct="0">
+              <a:lnSpc>
+                <a:spcPct val="100000"/>
+              </a:lnSpc>
+              <a:spcBef>
+                <a:spcPct val="0"/>
+              </a:spcBef>
+              <a:spcAft>
+                <a:spcPct val="0"/>
+              </a:spcAft>
+              <a:buClrTx/>
+              <a:buSzTx/>
+              <a:buFontTx/>
+              <a:buNone/>
+              <a:tabLst/>
+            </a:pPr>
+            <a:r>
+              <a:rPr kumimoji="0" lang="en-US" altLang="en-US" sz="2000" b="0" i="0" u="none" strike="noStrike" cap="none" normalizeH="0" baseline="0" dirty="0" smtClean="0">
+                <a:ln>
+                  <a:noFill/>
+                </a:ln>
+                <a:solidFill>
+                  <a:srgbClr val="CC7832"/>
+                </a:solidFill>
+                <a:effectLst/>
+                <a:latin typeface="Courier New" panose="02070309020205020404" pitchFamily="49" charset="0"/>
+                <a:cs typeface="Courier New" panose="02070309020205020404" pitchFamily="49" charset="0"/>
+              </a:rPr>
+              <a:t>fun </a:t>
+            </a:r>
+            <a:r>
+              <a:rPr kumimoji="0" lang="en-US" altLang="en-US" sz="2000" b="0" i="0" u="none" strike="noStrike" cap="none" normalizeH="0" baseline="0" dirty="0" smtClean="0">
+                <a:ln>
+                  <a:noFill/>
+                </a:ln>
+                <a:solidFill>
+                  <a:srgbClr val="FFC66D"/>
+                </a:solidFill>
+                <a:effectLst/>
+                <a:latin typeface="Courier New" panose="02070309020205020404" pitchFamily="49" charset="0"/>
+                <a:cs typeface="Courier New" panose="02070309020205020404" pitchFamily="49" charset="0"/>
+              </a:rPr>
+              <a:t>not</a:t>
+            </a:r>
+            <a:r>
+              <a:rPr kumimoji="0" lang="en-US" altLang="en-US" sz="2000" b="0" i="0" u="none" strike="noStrike" cap="none" normalizeH="0" baseline="0" dirty="0" smtClean="0">
+                <a:ln>
+                  <a:noFill/>
+                </a:ln>
+                <a:solidFill>
+                  <a:srgbClr val="A9B7C6"/>
+                </a:solidFill>
+                <a:effectLst/>
+                <a:latin typeface="Courier New" panose="02070309020205020404" pitchFamily="49" charset="0"/>
+                <a:cs typeface="Courier New" panose="02070309020205020404" pitchFamily="49" charset="0"/>
+              </a:rPr>
+              <a:t>(f: (Int) -&gt; Boolean): (Int) -&gt; Boolean {</a:t>
+            </a:r>
+            <a:br>
+              <a:rPr kumimoji="0" lang="en-US" altLang="en-US" sz="2000" b="0" i="0" u="none" strike="noStrike" cap="none" normalizeH="0" baseline="0" dirty="0" smtClean="0">
+                <a:ln>
+                  <a:noFill/>
+                </a:ln>
+                <a:solidFill>
+                  <a:srgbClr val="A9B7C6"/>
+                </a:solidFill>
+                <a:effectLst/>
+                <a:latin typeface="Courier New" panose="02070309020205020404" pitchFamily="49" charset="0"/>
+                <a:cs typeface="Courier New" panose="02070309020205020404" pitchFamily="49" charset="0"/>
+              </a:rPr>
+            </a:br>
+            <a:r>
+              <a:rPr kumimoji="0" lang="en-US" altLang="en-US" sz="2000" b="0" i="0" u="none" strike="noStrike" cap="none" normalizeH="0" baseline="0" dirty="0" smtClean="0">
+                <a:ln>
+                  <a:noFill/>
+                </a:ln>
+                <a:solidFill>
+                  <a:srgbClr val="A9B7C6"/>
+                </a:solidFill>
+                <a:effectLst/>
+                <a:latin typeface="Courier New" panose="02070309020205020404" pitchFamily="49" charset="0"/>
+                <a:cs typeface="Courier New" panose="02070309020205020404" pitchFamily="49" charset="0"/>
+              </a:rPr>
+              <a:t>    </a:t>
+            </a:r>
+            <a:r>
+              <a:rPr kumimoji="0" lang="en-US" altLang="en-US" sz="2000" b="0" i="0" u="none" strike="noStrike" cap="none" normalizeH="0" baseline="0" dirty="0" smtClean="0">
+                <a:ln>
+                  <a:noFill/>
+                </a:ln>
+                <a:solidFill>
+                  <a:srgbClr val="CC7832"/>
+                </a:solidFill>
+                <a:effectLst/>
+                <a:latin typeface="Courier New" panose="02070309020205020404" pitchFamily="49" charset="0"/>
+                <a:cs typeface="Courier New" panose="02070309020205020404" pitchFamily="49" charset="0"/>
+              </a:rPr>
+              <a:t>return </a:t>
+            </a:r>
+            <a:r>
+              <a:rPr kumimoji="0" lang="en-US" altLang="en-US" sz="2000" b="1" i="0" u="none" strike="noStrike" cap="none" normalizeH="0" baseline="0" dirty="0" smtClean="0">
+                <a:ln>
+                  <a:noFill/>
+                </a:ln>
+                <a:solidFill>
+                  <a:srgbClr val="A9B7C6"/>
+                </a:solidFill>
+                <a:effectLst/>
+                <a:latin typeface="Courier New" panose="02070309020205020404" pitchFamily="49" charset="0"/>
+                <a:cs typeface="Courier New" panose="02070309020205020404" pitchFamily="49" charset="0"/>
+              </a:rPr>
+              <a:t>{ </a:t>
+            </a:r>
+            <a:r>
+              <a:rPr kumimoji="0" lang="en-US" altLang="en-US" sz="2000" b="0" i="0" u="none" strike="noStrike" cap="none" normalizeH="0" baseline="0" dirty="0" smtClean="0">
+                <a:ln>
+                  <a:noFill/>
+                </a:ln>
+                <a:solidFill>
+                  <a:srgbClr val="A9B7C6"/>
+                </a:solidFill>
+                <a:effectLst/>
+                <a:latin typeface="Courier New" panose="02070309020205020404" pitchFamily="49" charset="0"/>
+                <a:cs typeface="Courier New" panose="02070309020205020404" pitchFamily="49" charset="0"/>
+              </a:rPr>
+              <a:t>n </a:t>
+            </a:r>
+            <a:r>
+              <a:rPr kumimoji="0" lang="en-US" altLang="en-US" sz="2000" b="1" i="0" u="none" strike="noStrike" cap="none" normalizeH="0" baseline="0" dirty="0" smtClean="0">
+                <a:ln>
+                  <a:noFill/>
+                </a:ln>
+                <a:solidFill>
+                  <a:srgbClr val="A9B7C6"/>
+                </a:solidFill>
+                <a:effectLst/>
+                <a:latin typeface="Courier New" panose="02070309020205020404" pitchFamily="49" charset="0"/>
+                <a:cs typeface="Courier New" panose="02070309020205020404" pitchFamily="49" charset="0"/>
+              </a:rPr>
+              <a:t>-&gt; </a:t>
+            </a:r>
+            <a:r>
+              <a:rPr kumimoji="0" lang="en-US" altLang="en-US" sz="2000" b="0" i="0" u="none" strike="noStrike" cap="none" normalizeH="0" baseline="0" dirty="0" smtClean="0">
+                <a:ln>
+                  <a:noFill/>
+                </a:ln>
+                <a:solidFill>
+                  <a:srgbClr val="A9B7C6"/>
+                </a:solidFill>
+                <a:effectLst/>
+                <a:latin typeface="Courier New" panose="02070309020205020404" pitchFamily="49" charset="0"/>
+                <a:cs typeface="Courier New" panose="02070309020205020404" pitchFamily="49" charset="0"/>
+              </a:rPr>
+              <a:t>!</a:t>
+            </a:r>
+            <a:r>
+              <a:rPr kumimoji="0" lang="en-US" altLang="en-US" sz="2000" b="0" i="0" u="none" strike="noStrike" cap="none" normalizeH="0" baseline="0" dirty="0" err="1" smtClean="0">
+                <a:ln>
+                  <a:noFill/>
+                </a:ln>
+                <a:solidFill>
+                  <a:srgbClr val="A9B7C6"/>
+                </a:solidFill>
+                <a:effectLst/>
+                <a:latin typeface="Courier New" panose="02070309020205020404" pitchFamily="49" charset="0"/>
+                <a:cs typeface="Courier New" panose="02070309020205020404" pitchFamily="49" charset="0"/>
+              </a:rPr>
+              <a:t>f.invoke</a:t>
+            </a:r>
+            <a:r>
+              <a:rPr kumimoji="0" lang="en-US" altLang="en-US" sz="2000" b="0" i="0" u="none" strike="noStrike" cap="none" normalizeH="0" baseline="0" dirty="0" smtClean="0">
+                <a:ln>
+                  <a:noFill/>
+                </a:ln>
+                <a:solidFill>
+                  <a:srgbClr val="A9B7C6"/>
+                </a:solidFill>
+                <a:effectLst/>
+                <a:latin typeface="Courier New" panose="02070309020205020404" pitchFamily="49" charset="0"/>
+                <a:cs typeface="Courier New" panose="02070309020205020404" pitchFamily="49" charset="0"/>
+              </a:rPr>
+              <a:t>(n) </a:t>
+            </a:r>
+            <a:r>
+              <a:rPr kumimoji="0" lang="en-US" altLang="en-US" sz="2000" b="1" i="0" u="none" strike="noStrike" cap="none" normalizeH="0" baseline="0" dirty="0" smtClean="0">
+                <a:ln>
+                  <a:noFill/>
+                </a:ln>
+                <a:solidFill>
+                  <a:srgbClr val="A9B7C6"/>
+                </a:solidFill>
+                <a:effectLst/>
+                <a:latin typeface="Courier New" panose="02070309020205020404" pitchFamily="49" charset="0"/>
+                <a:cs typeface="Courier New" panose="02070309020205020404" pitchFamily="49" charset="0"/>
+              </a:rPr>
+              <a:t>}</a:t>
+            </a:r>
+            <a:br>
+              <a:rPr kumimoji="0" lang="en-US" altLang="en-US" sz="2000" b="1" i="0" u="none" strike="noStrike" cap="none" normalizeH="0" baseline="0" dirty="0" smtClean="0">
+                <a:ln>
+                  <a:noFill/>
+                </a:ln>
+                <a:solidFill>
+                  <a:srgbClr val="A9B7C6"/>
+                </a:solidFill>
+                <a:effectLst/>
+                <a:latin typeface="Courier New" panose="02070309020205020404" pitchFamily="49" charset="0"/>
+                <a:cs typeface="Courier New" panose="02070309020205020404" pitchFamily="49" charset="0"/>
+              </a:rPr>
+            </a:br>
+            <a:r>
+              <a:rPr kumimoji="0" lang="en-US" altLang="en-US" sz="2000" b="0" i="0" u="none" strike="noStrike" cap="none" normalizeH="0" baseline="0" dirty="0" smtClean="0">
+                <a:ln>
+                  <a:noFill/>
+                </a:ln>
+                <a:solidFill>
+                  <a:srgbClr val="A9B7C6"/>
+                </a:solidFill>
+                <a:effectLst/>
+                <a:latin typeface="Courier New" panose="02070309020205020404" pitchFamily="49" charset="0"/>
+                <a:cs typeface="Courier New" panose="02070309020205020404" pitchFamily="49" charset="0"/>
+              </a:rPr>
+              <a:t>}</a:t>
+            </a:r>
+            <a:endParaRPr kumimoji="0" lang="en-US" altLang="en-US" sz="2000" b="0" i="0" u="none" strike="noStrike" cap="none" normalizeH="0" baseline="0" dirty="0" smtClean="0">
+              <a:ln>
+                <a:noFill/>
+              </a:ln>
+              <a:solidFill>
+                <a:schemeClr val="tx1"/>
+              </a:solidFill>
+              <a:effectLst/>
+              <a:latin typeface="Arial" panose="020B0604020202020204" pitchFamily="34" charset="0"/>
+            </a:endParaRPr>
+          </a:p>
+        </p:txBody>
+      </p:sp>
+    </p:spTree>
+    <p:extLst>
+      <p:ext uri="{BB962C8B-B14F-4D97-AF65-F5344CB8AC3E}">
+        <p14:creationId xmlns:p14="http://schemas.microsoft.com/office/powerpoint/2010/main" val="1784468094"/>
+      </p:ext>
+    </p:extLst>
+  </p:cSld>
+  <p:clrMapOvr>
+    <a:masterClrMapping/>
+  </p:clrMapOvr>
+  <p:timing>
+    <p:tnLst>
+      <p:par>
+        <p:cTn id="1" dur="indefinite" restart="never" nodeType="tmRoot"/>
+      </p:par>
+    </p:tnLst>
+  </p:timing>
+</p:sld>
+</file>
+
+<file path=ppt/slides/slide35.xml><?xml version="1.0" encoding="utf-8"?>
+<p:sld xmlns:a="http://schemas.openxmlformats.org/drawingml/2006/main" xmlns:r="http://schemas.openxmlformats.org/officeDocument/2006/relationships" xmlns:p="http://schemas.openxmlformats.org/presentationml/2006/main">
+  <p:cSld>
+    <p:spTree>
+      <p:nvGrpSpPr>
+        <p:cNvPr id="1" name=""/>
+        <p:cNvGrpSpPr/>
+        <p:nvPr/>
+      </p:nvGrpSpPr>
+      <p:grpSpPr>
+        <a:xfrm>
+          <a:off x="0" y="0"/>
+          <a:ext cx="0" cy="0"/>
+          <a:chOff x="0" y="0"/>
+          <a:chExt cx="0" cy="0"/>
+        </a:xfrm>
+      </p:grpSpPr>
+      <p:sp>
+        <p:nvSpPr>
+          <p:cNvPr id="2" name="Title 1"/>
+          <p:cNvSpPr>
+            <a:spLocks noGrp="1"/>
+          </p:cNvSpPr>
+          <p:nvPr>
+            <p:ph type="title"/>
+          </p:nvPr>
+        </p:nvSpPr>
+        <p:spPr/>
+        <p:txBody>
+          <a:bodyPr/>
+          <a:lstStyle/>
+          <a:p>
+            <a:r>
+              <a:rPr lang="en-US" b="1" dirty="0" smtClean="0"/>
+              <a:t>Resources</a:t>
+            </a:r>
+            <a:endParaRPr lang="en-US" b="1" dirty="0"/>
+          </a:p>
+        </p:txBody>
+      </p:sp>
+      <p:sp>
+        <p:nvSpPr>
+          <p:cNvPr id="3" name="Content Placeholder 2"/>
+          <p:cNvSpPr>
+            <a:spLocks noGrp="1"/>
+          </p:cNvSpPr>
+          <p:nvPr>
+            <p:ph idx="1"/>
+          </p:nvPr>
+        </p:nvSpPr>
+        <p:spPr>
+          <a:xfrm>
+            <a:off x="676656" y="2011680"/>
+            <a:ext cx="10753725" cy="4507992"/>
+          </a:xfrm>
+        </p:spPr>
+        <p:txBody>
+          <a:bodyPr>
+            <a:normAutofit lnSpcReduction="10000"/>
+          </a:bodyPr>
+          <a:lstStyle/>
+          <a:p>
+            <a:pPr marL="284163" indent="-228600">
+              <a:buFont typeface="Arial" panose="020B0604020202020204" pitchFamily="34" charset="0"/>
+              <a:buChar char="•"/>
+            </a:pPr>
+            <a:r>
+              <a:rPr lang="en-US" sz="3200" dirty="0">
+                <a:solidFill>
+                  <a:schemeClr val="tx1"/>
+                </a:solidFill>
+                <a:hlinkClick r:id="rId2"/>
+              </a:rPr>
+              <a:t>https://kotlinlang.org/docs/reference/</a:t>
+            </a:r>
+            <a:endParaRPr lang="en-US" sz="3200" dirty="0">
+              <a:solidFill>
+                <a:schemeClr val="tx1"/>
+              </a:solidFill>
+              <a:hlinkClick r:id="rId3"/>
+            </a:endParaRPr>
+          </a:p>
+          <a:p>
+            <a:pPr marL="284163" indent="-228600">
+              <a:buFont typeface="Arial" panose="020B0604020202020204" pitchFamily="34" charset="0"/>
+              <a:buChar char="•"/>
+            </a:pPr>
+            <a:r>
+              <a:rPr lang="en-US" sz="3200" dirty="0" smtClean="0">
+                <a:solidFill>
+                  <a:schemeClr val="tx1"/>
+                </a:solidFill>
+                <a:hlinkClick r:id="rId3"/>
+              </a:rPr>
+              <a:t>https</a:t>
+            </a:r>
+            <a:r>
+              <a:rPr lang="en-US" sz="3200" dirty="0">
+                <a:solidFill>
+                  <a:schemeClr val="tx1"/>
+                </a:solidFill>
+                <a:hlinkClick r:id="rId3"/>
+              </a:rPr>
+              <a:t>://en.wikipedia.org/wiki/Kotlin_(programming_language</a:t>
+            </a:r>
+            <a:r>
+              <a:rPr lang="en-US" sz="3200" dirty="0" smtClean="0">
+                <a:solidFill>
+                  <a:schemeClr val="tx1"/>
+                </a:solidFill>
+                <a:hlinkClick r:id="rId3"/>
+              </a:rPr>
+              <a:t>)</a:t>
+            </a:r>
+            <a:endParaRPr lang="en-US" sz="3200" dirty="0" smtClean="0">
+              <a:solidFill>
+                <a:schemeClr val="tx1"/>
+              </a:solidFill>
+            </a:endParaRPr>
+          </a:p>
+          <a:p>
+            <a:pPr marL="284163" indent="-228600">
+              <a:buFont typeface="Arial" panose="020B0604020202020204" pitchFamily="34" charset="0"/>
+              <a:buChar char="•"/>
+            </a:pPr>
+            <a:r>
+              <a:rPr lang="en-US" sz="3200" dirty="0">
+                <a:solidFill>
+                  <a:schemeClr val="tx1"/>
+                </a:solidFill>
+                <a:hlinkClick r:id="rId4"/>
+              </a:rPr>
+              <a:t>https://</a:t>
+            </a:r>
+            <a:r>
+              <a:rPr lang="en-US" sz="3200" dirty="0" smtClean="0">
+                <a:solidFill>
+                  <a:schemeClr val="tx1"/>
+                </a:solidFill>
+                <a:hlinkClick r:id="rId4"/>
+              </a:rPr>
+              <a:t>stackoverflow.com/questions/1517582/what-is-the-difference-between-statically-typed-and-dynamically-typed-languages</a:t>
+            </a:r>
+            <a:endParaRPr lang="en-US" sz="3200" dirty="0" smtClean="0">
+              <a:solidFill>
+                <a:schemeClr val="tx1"/>
+              </a:solidFill>
+            </a:endParaRPr>
+          </a:p>
+          <a:p>
+            <a:pPr marL="284163" indent="-228600">
+              <a:buFont typeface="Arial" panose="020B0604020202020204" pitchFamily="34" charset="0"/>
+              <a:buChar char="•"/>
+            </a:pPr>
+            <a:r>
+              <a:rPr lang="en-US" sz="3200" dirty="0">
+                <a:solidFill>
+                  <a:schemeClr val="tx1"/>
+                </a:solidFill>
+                <a:hlinkClick r:id="rId5"/>
+              </a:rPr>
+              <a:t>https://www.xenonstack.com/blog/overview-kotlin-comparison-kotlin-java</a:t>
+            </a:r>
+            <a:r>
+              <a:rPr lang="en-US" sz="3200" dirty="0" smtClean="0">
+                <a:solidFill>
+                  <a:schemeClr val="tx1"/>
+                </a:solidFill>
+                <a:hlinkClick r:id="rId5"/>
+              </a:rPr>
+              <a:t>/</a:t>
+            </a:r>
+            <a:endParaRPr lang="en-US" sz="3200" dirty="0" smtClean="0">
+              <a:solidFill>
+                <a:schemeClr val="tx1"/>
+              </a:solidFill>
+            </a:endParaRPr>
+          </a:p>
+          <a:p>
+            <a:pPr marL="284163" indent="-228600">
+              <a:buFont typeface="Arial" panose="020B0604020202020204" pitchFamily="34" charset="0"/>
+              <a:buChar char="•"/>
+            </a:pPr>
+            <a:r>
+              <a:rPr lang="en-US" sz="3200" dirty="0">
+                <a:solidFill>
+                  <a:schemeClr val="tx1"/>
+                </a:solidFill>
+                <a:hlinkClick r:id="rId6"/>
+              </a:rPr>
+              <a:t>https://blog.kotlin-academy.com/kotlin-programmer-dictionary-function-type-vs-function-literal-vs-lambda-expression-vs-anonymous-edc97e8873e</a:t>
+            </a:r>
+            <a:endParaRPr lang="en-US" sz="3200" dirty="0" smtClean="0">
+              <a:solidFill>
+                <a:schemeClr val="tx1"/>
+              </a:solidFill>
+            </a:endParaRPr>
+          </a:p>
+          <a:p>
+            <a:pPr marL="284163" indent="-228600">
+              <a:buFont typeface="Arial" panose="020B0604020202020204" pitchFamily="34" charset="0"/>
+              <a:buChar char="•"/>
+            </a:pPr>
+            <a:endParaRPr lang="en-US" sz="3200" dirty="0" smtClean="0">
+              <a:solidFill>
+                <a:schemeClr val="tx1"/>
+              </a:solidFill>
+            </a:endParaRPr>
+          </a:p>
+        </p:txBody>
+      </p:sp>
+      <p:pic>
+        <p:nvPicPr>
+          <p:cNvPr id="6" name="Picture 5"/>
+          <p:cNvPicPr>
+            <a:picLocks noChangeAspect="1"/>
+          </p:cNvPicPr>
+          <p:nvPr/>
+        </p:nvPicPr>
+        <p:blipFill>
+          <a:blip r:embed="rId7" cstate="print">
+            <a:extLst>
+              <a:ext uri="{28A0092B-C50C-407E-A947-70E740481C1C}">
+                <a14:useLocalDpi xmlns:a14="http://schemas.microsoft.com/office/drawing/2010/main" val="0"/>
+              </a:ext>
+            </a:extLst>
+          </a:blip>
+          <a:stretch>
+            <a:fillRect/>
+          </a:stretch>
+        </p:blipFill>
+        <p:spPr>
+          <a:xfrm>
+            <a:off x="10427110" y="0"/>
+            <a:ext cx="1764890" cy="1764890"/>
+          </a:xfrm>
+          <a:prstGeom prst="rect">
+            <a:avLst/>
+          </a:prstGeom>
+        </p:spPr>
+      </p:pic>
+    </p:spTree>
+    <p:extLst>
+      <p:ext uri="{BB962C8B-B14F-4D97-AF65-F5344CB8AC3E}">
+        <p14:creationId xmlns:p14="http://schemas.microsoft.com/office/powerpoint/2010/main" val="2012409598"/>
+      </p:ext>
+    </p:extLst>
+  </p:cSld>
+  <p:clrMapOvr>
+    <a:masterClrMapping/>
+  </p:clrMapOvr>
+  <p:timing>
+    <p:tnLst>
+      <p:par>
+        <p:cTn id="1" dur="indefinite" restart="never" nodeType="tmRoot"/>
+      </p:par>
+    </p:tnLst>
+  </p:timing>
+</p:sld>
+</file>
+
+<file path=ppt/slides/slide36.xml><?xml version="1.0" encoding="utf-8"?>
+<p:sld xmlns:a="http://schemas.openxmlformats.org/drawingml/2006/main" xmlns:r="http://schemas.openxmlformats.org/officeDocument/2006/relationships" xmlns:p="http://schemas.openxmlformats.org/presentationml/2006/main">
+  <p:cSld>
+    <p:spTree>
+      <p:nvGrpSpPr>
+        <p:cNvPr id="1" name=""/>
+        <p:cNvGrpSpPr/>
+        <p:nvPr/>
+      </p:nvGrpSpPr>
+      <p:grpSpPr>
+        <a:xfrm>
+          <a:off x="0" y="0"/>
+          <a:ext cx="0" cy="0"/>
+          <a:chOff x="0" y="0"/>
+          <a:chExt cx="0" cy="0"/>
+        </a:xfrm>
+      </p:grpSpPr>
+      <p:sp>
+        <p:nvSpPr>
+          <p:cNvPr id="2" name="Title 1"/>
+          <p:cNvSpPr>
+            <a:spLocks noGrp="1"/>
+          </p:cNvSpPr>
+          <p:nvPr>
+            <p:ph type="title"/>
+          </p:nvPr>
+        </p:nvSpPr>
+        <p:spPr/>
+        <p:txBody>
+          <a:bodyPr/>
+          <a:lstStyle/>
+          <a:p>
+            <a:endParaRPr lang="en-US" dirty="0"/>
+          </a:p>
+        </p:txBody>
+      </p:sp>
+      <p:pic>
+        <p:nvPicPr>
+          <p:cNvPr id="5" name="Content Placeholder 4"/>
+          <p:cNvPicPr>
+            <a:picLocks noGrp="1" noChangeAspect="1"/>
+          </p:cNvPicPr>
+          <p:nvPr>
+            <p:ph idx="1"/>
+          </p:nvPr>
+        </p:nvPicPr>
+        <p:blipFill>
+          <a:blip r:embed="rId2" cstate="print">
+            <a:extLst>
+              <a:ext uri="{28A0092B-C50C-407E-A947-70E740481C1C}">
+                <a14:useLocalDpi xmlns:a14="http://schemas.microsoft.com/office/drawing/2010/main" val="0"/>
+              </a:ext>
+            </a:extLst>
+          </a:blip>
+          <a:stretch>
+            <a:fillRect/>
+          </a:stretch>
+        </p:blipFill>
+        <p:spPr>
+          <a:xfrm>
+            <a:off x="-1" y="0"/>
+            <a:ext cx="12192001" cy="6858000"/>
+          </a:xfrm>
+        </p:spPr>
+      </p:pic>
+    </p:spTree>
+    <p:extLst>
+      <p:ext uri="{BB962C8B-B14F-4D97-AF65-F5344CB8AC3E}">
+        <p14:creationId xmlns:p14="http://schemas.microsoft.com/office/powerpoint/2010/main" val="3260999786"/>
       </p:ext>
     </p:extLst>
   </p:cSld>
@@ -13022,11 +21048,6 @@
               </a:rPr>
               <a:t>Scala</a:t>
             </a:r>
-            <a:endParaRPr lang="en-US" sz="3600" dirty="0" smtClean="0">
-              <a:solidFill>
-                <a:schemeClr val="tx1"/>
-              </a:solidFill>
-            </a:endParaRPr>
           </a:p>
         </p:txBody>
       </p:sp>
@@ -13912,7 +21933,6 @@
               <a:rPr lang="en-US" dirty="0"/>
               <a:t>Benefits of Kotlin Language</a:t>
             </a:r>
-            <a:endParaRPr lang="en-US" dirty="0"/>
           </a:p>
         </p:txBody>
       </p:sp>
